--- a/xmpp.pptx
+++ b/xmpp.pptx
@@ -5,7 +5,7 @@
     <p:sldMasterId id="2147484007" r:id="rId1"/>
   </p:sldMasterIdLst>
   <p:notesMasterIdLst>
-    <p:notesMasterId r:id="rId23"/>
+    <p:notesMasterId r:id="rId24"/>
   </p:notesMasterIdLst>
   <p:sldIdLst>
     <p:sldId id="266" r:id="rId2"/>
@@ -25,10 +25,11 @@
     <p:sldId id="293" r:id="rId16"/>
     <p:sldId id="294" r:id="rId17"/>
     <p:sldId id="295" r:id="rId18"/>
-    <p:sldId id="296" r:id="rId19"/>
-    <p:sldId id="297" r:id="rId20"/>
-    <p:sldId id="299" r:id="rId21"/>
-    <p:sldId id="281" r:id="rId22"/>
+    <p:sldId id="300" r:id="rId19"/>
+    <p:sldId id="296" r:id="rId20"/>
+    <p:sldId id="297" r:id="rId21"/>
+    <p:sldId id="299" r:id="rId22"/>
+    <p:sldId id="281" r:id="rId23"/>
   </p:sldIdLst>
   <p:sldSz cx="12192000" cy="6858000"/>
   <p:notesSz cx="6858000" cy="9144000"/>
@@ -217,7 +218,7 @@
           <a:p>
             <a:fld id="{7497B6E1-7C5B-524D-B5EB-5E6695205380}" type="datetimeFigureOut">
               <a:rPr lang="pt-BR" smtClean="0"/>
-              <a:t>30/04/2019</a:t>
+              <a:t>01/05/2019</a:t>
             </a:fld>
             <a:endParaRPr lang="pt-BR" dirty="0"/>
           </a:p>
@@ -655,7 +656,7 @@
           <a:p>
             <a:fld id="{19E7D63B-43B5-8A4C-BD12-76889BE136BD}" type="datetime1">
               <a:rPr lang="en-US" smtClean="0"/>
-              <a:t>4/30/19</a:t>
+              <a:t>5/1/19</a:t>
             </a:fld>
             <a:endParaRPr lang="en-US" dirty="0"/>
           </a:p>
@@ -921,7 +922,7 @@
           <a:p>
             <a:fld id="{124E9894-F119-A64C-B7CB-D7CE860A73BE}" type="datetime1">
               <a:rPr lang="en-US" smtClean="0"/>
-              <a:t>4/30/19</a:t>
+              <a:t>5/1/19</a:t>
             </a:fld>
             <a:endParaRPr lang="en-US" dirty="0"/>
           </a:p>
@@ -1153,7 +1154,7 @@
           <a:p>
             <a:fld id="{124E9894-F119-A64C-B7CB-D7CE860A73BE}" type="datetime1">
               <a:rPr lang="en-US" smtClean="0"/>
-              <a:t>4/30/19</a:t>
+              <a:t>5/1/19</a:t>
             </a:fld>
             <a:endParaRPr lang="en-US" dirty="0"/>
           </a:p>
@@ -1464,7 +1465,7 @@
           <a:p>
             <a:fld id="{124E9894-F119-A64C-B7CB-D7CE860A73BE}" type="datetime1">
               <a:rPr lang="en-US" smtClean="0"/>
-              <a:t>4/30/19</a:t>
+              <a:t>5/1/19</a:t>
             </a:fld>
             <a:endParaRPr lang="en-US" dirty="0"/>
           </a:p>
@@ -1938,7 +1939,7 @@
           <a:p>
             <a:fld id="{B4BBB50B-BAA3-9748-978F-08A7877AB7D9}" type="datetime1">
               <a:rPr lang="en-US" smtClean="0"/>
-              <a:t>4/30/19</a:t>
+              <a:t>5/1/19</a:t>
             </a:fld>
             <a:endParaRPr lang="en-US" dirty="0"/>
           </a:p>
@@ -2485,7 +2486,7 @@
           <a:p>
             <a:fld id="{124E9894-F119-A64C-B7CB-D7CE860A73BE}" type="datetime1">
               <a:rPr lang="en-US" smtClean="0"/>
-              <a:t>4/30/19</a:t>
+              <a:t>5/1/19</a:t>
             </a:fld>
             <a:endParaRPr lang="en-US" dirty="0"/>
           </a:p>
@@ -3257,7 +3258,7 @@
           <a:p>
             <a:fld id="{124E9894-F119-A64C-B7CB-D7CE860A73BE}" type="datetime1">
               <a:rPr lang="en-US" smtClean="0"/>
-              <a:t>4/30/19</a:t>
+              <a:t>5/1/19</a:t>
             </a:fld>
             <a:endParaRPr lang="en-US" dirty="0"/>
           </a:p>
@@ -3433,7 +3434,7 @@
           <a:p>
             <a:fld id="{45040DEA-CE02-EF42-8F10-34F709D8505D}" type="datetime1">
               <a:rPr lang="en-US" smtClean="0"/>
-              <a:t>4/30/19</a:t>
+              <a:t>5/1/19</a:t>
             </a:fld>
             <a:endParaRPr lang="en-US" dirty="0"/>
           </a:p>
@@ -3656,7 +3657,7 @@
           <a:p>
             <a:fld id="{A0C1C801-5706-434E-AB65-DDFBCF1F55D2}" type="datetime1">
               <a:rPr lang="en-US" smtClean="0"/>
-              <a:t>4/30/19</a:t>
+              <a:t>5/1/19</a:t>
             </a:fld>
             <a:endParaRPr lang="en-US" dirty="0"/>
           </a:p>
@@ -3836,7 +3837,7 @@
           <a:p>
             <a:fld id="{39AE0FD8-7D7B-EA4F-8AF8-8B97820A0C5D}" type="datetime1">
               <a:rPr lang="en-US" smtClean="0"/>
-              <a:t>4/30/19</a:t>
+              <a:t>5/1/19</a:t>
             </a:fld>
             <a:endParaRPr lang="en-US" dirty="0"/>
           </a:p>
@@ -4125,7 +4126,7 @@
           <a:p>
             <a:fld id="{7FC94D43-3F68-DC43-8EF0-95FB3D51CCCF}" type="datetime1">
               <a:rPr lang="en-US" smtClean="0"/>
-              <a:t>4/30/19</a:t>
+              <a:t>5/1/19</a:t>
             </a:fld>
             <a:endParaRPr lang="en-US" dirty="0"/>
           </a:p>
@@ -4367,7 +4368,7 @@
           <a:p>
             <a:fld id="{BD42CFC2-1CE8-9045-8C9C-0F183F0FB455}" type="datetime1">
               <a:rPr lang="en-US" smtClean="0"/>
-              <a:t>4/30/19</a:t>
+              <a:t>5/1/19</a:t>
             </a:fld>
             <a:endParaRPr lang="en-US" dirty="0"/>
           </a:p>
@@ -4746,7 +4747,7 @@
           <a:p>
             <a:fld id="{F1B5C6E2-D044-C748-9C41-86C9B2F84EB9}" type="datetime1">
               <a:rPr lang="en-US" smtClean="0"/>
-              <a:t>4/30/19</a:t>
+              <a:t>5/1/19</a:t>
             </a:fld>
             <a:endParaRPr lang="en-US" dirty="0"/>
           </a:p>
@@ -4864,7 +4865,7 @@
           <a:p>
             <a:fld id="{359C32BA-C166-AC45-9FCD-8BF0F43629D9}" type="datetime1">
               <a:rPr lang="en-US" smtClean="0"/>
-              <a:t>4/30/19</a:t>
+              <a:t>5/1/19</a:t>
             </a:fld>
             <a:endParaRPr lang="en-US" dirty="0"/>
           </a:p>
@@ -4959,7 +4960,7 @@
           <a:p>
             <a:fld id="{E5D0D591-4B92-A44B-A0EA-798E76AD0368}" type="datetime1">
               <a:rPr lang="en-US" smtClean="0"/>
-              <a:t>4/30/19</a:t>
+              <a:t>5/1/19</a:t>
             </a:fld>
             <a:endParaRPr lang="en-US" dirty="0"/>
           </a:p>
@@ -5208,7 +5209,7 @@
           <a:p>
             <a:fld id="{8201F472-E17F-4B47-A44B-A2249FA27ED2}" type="datetime1">
               <a:rPr lang="en-US" smtClean="0"/>
-              <a:t>4/30/19</a:t>
+              <a:t>5/1/19</a:t>
             </a:fld>
             <a:endParaRPr lang="en-US" dirty="0"/>
           </a:p>
@@ -5464,7 +5465,7 @@
           <a:p>
             <a:fld id="{8BEFB9EE-CDF2-6F49-80F4-278D1604F10C}" type="datetime1">
               <a:rPr lang="en-US" smtClean="0"/>
-              <a:t>4/30/19</a:t>
+              <a:t>5/1/19</a:t>
             </a:fld>
             <a:endParaRPr lang="en-US" dirty="0"/>
           </a:p>
@@ -5707,7 +5708,7 @@
           <a:p>
             <a:fld id="{124E9894-F119-A64C-B7CB-D7CE860A73BE}" type="datetime1">
               <a:rPr lang="en-US" smtClean="0"/>
-              <a:t>4/30/19</a:t>
+              <a:t>5/1/19</a:t>
             </a:fld>
             <a:endParaRPr lang="en-US" dirty="0"/>
           </a:p>
@@ -12631,6 +12632,1494 @@
         </p:nvSpPr>
         <p:spPr>
           <a:xfrm>
+            <a:off x="79512" y="237341"/>
+            <a:ext cx="11947161" cy="1058774"/>
+          </a:xfrm>
+        </p:spPr>
+        <p:txBody>
+          <a:bodyPr>
+            <a:normAutofit/>
+          </a:bodyPr>
+          <a:lstStyle/>
+          <a:p>
+            <a:r>
+              <a:rPr lang="pt-BR" b="1" dirty="0">
+                <a:solidFill>
+                  <a:schemeClr val="bg1"/>
+                </a:solidFill>
+                <a:effectLst>
+                  <a:outerShdw blurRad="228600" dist="38100" dir="2700000" algn="tl" rotWithShape="0">
+                    <a:srgbClr val="000000"/>
+                  </a:outerShdw>
+                </a:effectLst>
+              </a:rPr>
+              <a:t>Relembrando a arquitetura</a:t>
+            </a:r>
+            <a:endParaRPr lang="pt-BR" dirty="0">
+              <a:solidFill>
+                <a:schemeClr val="bg1"/>
+              </a:solidFill>
+              <a:effectLst>
+                <a:outerShdw blurRad="228600" dist="38100" dir="2700000" algn="tl" rotWithShape="0">
+                  <a:srgbClr val="000000"/>
+                </a:outerShdw>
+              </a:effectLst>
+            </a:endParaRPr>
+          </a:p>
+        </p:txBody>
+      </p:sp>
+      <p:pic>
+        <p:nvPicPr>
+          <p:cNvPr id="7" name="Picture 6">
+            <a:extLst>
+              <a:ext uri="{FF2B5EF4-FFF2-40B4-BE49-F238E27FC236}">
+                <a16:creationId xmlns:a16="http://schemas.microsoft.com/office/drawing/2014/main" id="{7711CBD0-3E59-7648-888B-DF8628892DA5}"/>
+              </a:ext>
+            </a:extLst>
+          </p:cNvPr>
+          <p:cNvPicPr>
+            <a:picLocks noChangeAspect="1"/>
+          </p:cNvPicPr>
+          <p:nvPr/>
+        </p:nvPicPr>
+        <p:blipFill>
+          <a:blip r:embed="rId2"/>
+          <a:stretch>
+            <a:fillRect/>
+          </a:stretch>
+        </p:blipFill>
+        <p:spPr>
+          <a:xfrm>
+            <a:off x="3287581" y="3683433"/>
+            <a:ext cx="1084249" cy="1416702"/>
+          </a:xfrm>
+          <a:prstGeom prst="rect">
+            <a:avLst/>
+          </a:prstGeom>
+        </p:spPr>
+      </p:pic>
+      <p:pic>
+        <p:nvPicPr>
+          <p:cNvPr id="9" name="Picture 8" descr="A close up of a computer&#13;&#10;&#13;&#10;Description automatically generated">
+            <a:extLst>
+              <a:ext uri="{FF2B5EF4-FFF2-40B4-BE49-F238E27FC236}">
+                <a16:creationId xmlns:a16="http://schemas.microsoft.com/office/drawing/2014/main" id="{A3D8408A-8093-F74B-BF0C-A37947358B49}"/>
+              </a:ext>
+            </a:extLst>
+          </p:cNvPr>
+          <p:cNvPicPr>
+            <a:picLocks noChangeAspect="1"/>
+          </p:cNvPicPr>
+          <p:nvPr/>
+        </p:nvPicPr>
+        <p:blipFill>
+          <a:blip r:embed="rId3"/>
+          <a:stretch>
+            <a:fillRect/>
+          </a:stretch>
+        </p:blipFill>
+        <p:spPr>
+          <a:xfrm>
+            <a:off x="4635500" y="5871561"/>
+            <a:ext cx="859200" cy="683219"/>
+          </a:xfrm>
+          <a:prstGeom prst="rect">
+            <a:avLst/>
+          </a:prstGeom>
+        </p:spPr>
+      </p:pic>
+      <p:sp>
+        <p:nvSpPr>
+          <p:cNvPr id="10" name="TextBox 9">
+            <a:extLst>
+              <a:ext uri="{FF2B5EF4-FFF2-40B4-BE49-F238E27FC236}">
+                <a16:creationId xmlns:a16="http://schemas.microsoft.com/office/drawing/2014/main" id="{D8032210-9BC2-7249-84EA-7EF1242778B5}"/>
+              </a:ext>
+            </a:extLst>
+          </p:cNvPr>
+          <p:cNvSpPr txBox="1"/>
+          <p:nvPr/>
+        </p:nvSpPr>
+        <p:spPr>
+          <a:xfrm>
+            <a:off x="2863262" y="3702994"/>
+            <a:ext cx="492443" cy="1379545"/>
+          </a:xfrm>
+          <a:prstGeom prst="rect">
+            <a:avLst/>
+          </a:prstGeom>
+          <a:noFill/>
+        </p:spPr>
+        <p:txBody>
+          <a:bodyPr vert="vert270" wrap="none" rtlCol="0">
+            <a:spAutoFit/>
+          </a:bodyPr>
+          <a:lstStyle/>
+          <a:p>
+            <a:r>
+              <a:rPr lang="pt-BR" sz="2000" b="1" dirty="0"/>
+              <a:t>Servidor  2</a:t>
+            </a:r>
+          </a:p>
+        </p:txBody>
+      </p:sp>
+      <p:pic>
+        <p:nvPicPr>
+          <p:cNvPr id="14" name="Picture 13" descr="An open computer sitting on a table&#13;&#10;&#13;&#10;Description automatically generated">
+            <a:extLst>
+              <a:ext uri="{FF2B5EF4-FFF2-40B4-BE49-F238E27FC236}">
+                <a16:creationId xmlns:a16="http://schemas.microsoft.com/office/drawing/2014/main" id="{DA46CF85-F88A-3F42-877F-A4F791070C42}"/>
+              </a:ext>
+            </a:extLst>
+          </p:cNvPr>
+          <p:cNvPicPr>
+            <a:picLocks noChangeAspect="1"/>
+          </p:cNvPicPr>
+          <p:nvPr/>
+        </p:nvPicPr>
+        <p:blipFill>
+          <a:blip r:embed="rId4"/>
+          <a:stretch>
+            <a:fillRect/>
+          </a:stretch>
+        </p:blipFill>
+        <p:spPr>
+          <a:xfrm>
+            <a:off x="3493803" y="6026497"/>
+            <a:ext cx="671808" cy="516876"/>
+          </a:xfrm>
+          <a:prstGeom prst="rect">
+            <a:avLst/>
+          </a:prstGeom>
+        </p:spPr>
+      </p:pic>
+      <p:pic>
+        <p:nvPicPr>
+          <p:cNvPr id="20" name="Picture 19" descr="Screen of a cell phone&#13;&#10;&#13;&#10;Description automatically generated">
+            <a:extLst>
+              <a:ext uri="{FF2B5EF4-FFF2-40B4-BE49-F238E27FC236}">
+                <a16:creationId xmlns:a16="http://schemas.microsoft.com/office/drawing/2014/main" id="{266654D4-AFC7-584E-820F-DC20F9F3C3FA}"/>
+              </a:ext>
+            </a:extLst>
+          </p:cNvPr>
+          <p:cNvPicPr>
+            <a:picLocks noChangeAspect="1"/>
+          </p:cNvPicPr>
+          <p:nvPr/>
+        </p:nvPicPr>
+        <p:blipFill>
+          <a:blip r:embed="rId5"/>
+          <a:stretch>
+            <a:fillRect/>
+          </a:stretch>
+        </p:blipFill>
+        <p:spPr>
+          <a:xfrm>
+            <a:off x="2698144" y="5562138"/>
+            <a:ext cx="180695" cy="361393"/>
+          </a:xfrm>
+          <a:prstGeom prst="rect">
+            <a:avLst/>
+          </a:prstGeom>
+        </p:spPr>
+      </p:pic>
+      <p:cxnSp>
+        <p:nvCxnSpPr>
+          <p:cNvPr id="33" name="Curved Connector 32">
+            <a:extLst>
+              <a:ext uri="{FF2B5EF4-FFF2-40B4-BE49-F238E27FC236}">
+                <a16:creationId xmlns:a16="http://schemas.microsoft.com/office/drawing/2014/main" id="{FAAA226E-C7FE-2645-AC4D-92284A4EE6C8}"/>
+              </a:ext>
+            </a:extLst>
+          </p:cNvPr>
+          <p:cNvCxnSpPr>
+            <a:cxnSpLocks/>
+            <a:stCxn id="20" idx="3"/>
+            <a:endCxn id="7" idx="2"/>
+          </p:cNvCxnSpPr>
+          <p:nvPr/>
+        </p:nvCxnSpPr>
+        <p:spPr>
+          <a:xfrm flipV="1">
+            <a:off x="2878839" y="5100135"/>
+            <a:ext cx="950867" cy="642700"/>
+          </a:xfrm>
+          <a:prstGeom prst="curvedConnector2">
+            <a:avLst/>
+          </a:prstGeom>
+          <a:ln w="34925">
+            <a:solidFill>
+              <a:srgbClr val="00B0F0"/>
+            </a:solidFill>
+            <a:headEnd type="triangle"/>
+            <a:tailEnd type="triangle"/>
+          </a:ln>
+        </p:spPr>
+        <p:style>
+          <a:lnRef idx="1">
+            <a:schemeClr val="accent1"/>
+          </a:lnRef>
+          <a:fillRef idx="0">
+            <a:schemeClr val="accent1"/>
+          </a:fillRef>
+          <a:effectRef idx="0">
+            <a:schemeClr val="accent1"/>
+          </a:effectRef>
+          <a:fontRef idx="minor">
+            <a:schemeClr val="tx1"/>
+          </a:fontRef>
+        </p:style>
+      </p:cxnSp>
+      <p:cxnSp>
+        <p:nvCxnSpPr>
+          <p:cNvPr id="37" name="Curved Connector 36">
+            <a:extLst>
+              <a:ext uri="{FF2B5EF4-FFF2-40B4-BE49-F238E27FC236}">
+                <a16:creationId xmlns:a16="http://schemas.microsoft.com/office/drawing/2014/main" id="{6E67E5EC-88B7-E142-92D9-7D267184C1C1}"/>
+              </a:ext>
+            </a:extLst>
+          </p:cNvPr>
+          <p:cNvCxnSpPr>
+            <a:cxnSpLocks/>
+            <a:stCxn id="9" idx="0"/>
+            <a:endCxn id="7" idx="2"/>
+          </p:cNvCxnSpPr>
+          <p:nvPr/>
+        </p:nvCxnSpPr>
+        <p:spPr>
+          <a:xfrm rot="16200000" flipV="1">
+            <a:off x="4061690" y="4868151"/>
+            <a:ext cx="771426" cy="1235394"/>
+          </a:xfrm>
+          <a:prstGeom prst="curvedConnector3">
+            <a:avLst>
+              <a:gd name="adj1" fmla="val 50000"/>
+            </a:avLst>
+          </a:prstGeom>
+          <a:ln w="34925">
+            <a:solidFill>
+              <a:srgbClr val="00B0F0"/>
+            </a:solidFill>
+            <a:headEnd type="triangle"/>
+            <a:tailEnd type="triangle"/>
+          </a:ln>
+        </p:spPr>
+        <p:style>
+          <a:lnRef idx="1">
+            <a:schemeClr val="accent1"/>
+          </a:lnRef>
+          <a:fillRef idx="0">
+            <a:schemeClr val="accent1"/>
+          </a:fillRef>
+          <a:effectRef idx="0">
+            <a:schemeClr val="accent1"/>
+          </a:effectRef>
+          <a:fontRef idx="minor">
+            <a:schemeClr val="tx1"/>
+          </a:fontRef>
+        </p:style>
+      </p:cxnSp>
+      <p:cxnSp>
+        <p:nvCxnSpPr>
+          <p:cNvPr id="41" name="Curved Connector 40">
+            <a:extLst>
+              <a:ext uri="{FF2B5EF4-FFF2-40B4-BE49-F238E27FC236}">
+                <a16:creationId xmlns:a16="http://schemas.microsoft.com/office/drawing/2014/main" id="{EA772613-23A7-4043-BB8C-FBE9A62E88E5}"/>
+              </a:ext>
+            </a:extLst>
+          </p:cNvPr>
+          <p:cNvCxnSpPr>
+            <a:cxnSpLocks/>
+            <a:stCxn id="14" idx="0"/>
+            <a:endCxn id="7" idx="2"/>
+          </p:cNvCxnSpPr>
+          <p:nvPr/>
+        </p:nvCxnSpPr>
+        <p:spPr>
+          <a:xfrm rot="16200000" flipV="1">
+            <a:off x="3366526" y="5563315"/>
+            <a:ext cx="926362" cy="1"/>
+          </a:xfrm>
+          <a:prstGeom prst="curvedConnector3">
+            <a:avLst>
+              <a:gd name="adj1" fmla="val 50000"/>
+            </a:avLst>
+          </a:prstGeom>
+          <a:ln w="34925">
+            <a:solidFill>
+              <a:srgbClr val="00B0F0"/>
+            </a:solidFill>
+            <a:headEnd type="triangle"/>
+            <a:tailEnd type="triangle"/>
+          </a:ln>
+        </p:spPr>
+        <p:style>
+          <a:lnRef idx="1">
+            <a:schemeClr val="accent1"/>
+          </a:lnRef>
+          <a:fillRef idx="0">
+            <a:schemeClr val="accent1"/>
+          </a:fillRef>
+          <a:effectRef idx="0">
+            <a:schemeClr val="accent1"/>
+          </a:effectRef>
+          <a:fontRef idx="minor">
+            <a:schemeClr val="tx1"/>
+          </a:fontRef>
+        </p:style>
+      </p:cxnSp>
+      <p:pic>
+        <p:nvPicPr>
+          <p:cNvPr id="49" name="Picture 48">
+            <a:extLst>
+              <a:ext uri="{FF2B5EF4-FFF2-40B4-BE49-F238E27FC236}">
+                <a16:creationId xmlns:a16="http://schemas.microsoft.com/office/drawing/2014/main" id="{FCF897EF-7E09-D44A-8B41-319103EC5265}"/>
+              </a:ext>
+            </a:extLst>
+          </p:cNvPr>
+          <p:cNvPicPr>
+            <a:picLocks noChangeAspect="1"/>
+          </p:cNvPicPr>
+          <p:nvPr/>
+        </p:nvPicPr>
+        <p:blipFill>
+          <a:blip r:embed="rId2"/>
+          <a:stretch>
+            <a:fillRect/>
+          </a:stretch>
+        </p:blipFill>
+        <p:spPr>
+          <a:xfrm>
+            <a:off x="9420377" y="3665838"/>
+            <a:ext cx="1084249" cy="1416702"/>
+          </a:xfrm>
+          <a:prstGeom prst="rect">
+            <a:avLst/>
+          </a:prstGeom>
+        </p:spPr>
+      </p:pic>
+      <p:pic>
+        <p:nvPicPr>
+          <p:cNvPr id="50" name="Picture 49" descr="A close up of a computer&#13;&#10;&#13;&#10;Description automatically generated">
+            <a:extLst>
+              <a:ext uri="{FF2B5EF4-FFF2-40B4-BE49-F238E27FC236}">
+                <a16:creationId xmlns:a16="http://schemas.microsoft.com/office/drawing/2014/main" id="{7614FBD9-05C2-8440-B740-248607C40F62}"/>
+              </a:ext>
+            </a:extLst>
+          </p:cNvPr>
+          <p:cNvPicPr>
+            <a:picLocks noChangeAspect="1"/>
+          </p:cNvPicPr>
+          <p:nvPr/>
+        </p:nvPicPr>
+        <p:blipFill>
+          <a:blip r:embed="rId3"/>
+          <a:stretch>
+            <a:fillRect/>
+          </a:stretch>
+        </p:blipFill>
+        <p:spPr>
+          <a:xfrm>
+            <a:off x="10764212" y="5858000"/>
+            <a:ext cx="859200" cy="683219"/>
+          </a:xfrm>
+          <a:prstGeom prst="rect">
+            <a:avLst/>
+          </a:prstGeom>
+        </p:spPr>
+      </p:pic>
+      <p:sp>
+        <p:nvSpPr>
+          <p:cNvPr id="51" name="TextBox 50">
+            <a:extLst>
+              <a:ext uri="{FF2B5EF4-FFF2-40B4-BE49-F238E27FC236}">
+                <a16:creationId xmlns:a16="http://schemas.microsoft.com/office/drawing/2014/main" id="{FF2800A7-D246-9942-AE2E-D82F495F8E64}"/>
+              </a:ext>
+            </a:extLst>
+          </p:cNvPr>
+          <p:cNvSpPr txBox="1"/>
+          <p:nvPr/>
+        </p:nvSpPr>
+        <p:spPr>
+          <a:xfrm>
+            <a:off x="10436502" y="3594361"/>
+            <a:ext cx="492443" cy="1379545"/>
+          </a:xfrm>
+          <a:prstGeom prst="rect">
+            <a:avLst/>
+          </a:prstGeom>
+          <a:noFill/>
+        </p:spPr>
+        <p:txBody>
+          <a:bodyPr vert="vert270" wrap="none" rtlCol="0">
+            <a:spAutoFit/>
+          </a:bodyPr>
+          <a:lstStyle/>
+          <a:p>
+            <a:r>
+              <a:rPr lang="pt-BR" sz="2000" b="1" dirty="0"/>
+              <a:t>Servidor  3</a:t>
+            </a:r>
+          </a:p>
+        </p:txBody>
+      </p:sp>
+      <p:pic>
+        <p:nvPicPr>
+          <p:cNvPr id="52" name="Picture 51" descr="An open computer sitting on a table&#13;&#10;&#13;&#10;Description automatically generated">
+            <a:extLst>
+              <a:ext uri="{FF2B5EF4-FFF2-40B4-BE49-F238E27FC236}">
+                <a16:creationId xmlns:a16="http://schemas.microsoft.com/office/drawing/2014/main" id="{E76FD8E9-76E8-A948-B534-2785BBECEBB9}"/>
+              </a:ext>
+            </a:extLst>
+          </p:cNvPr>
+          <p:cNvPicPr>
+            <a:picLocks noChangeAspect="1"/>
+          </p:cNvPicPr>
+          <p:nvPr/>
+        </p:nvPicPr>
+        <p:blipFill>
+          <a:blip r:embed="rId4"/>
+          <a:stretch>
+            <a:fillRect/>
+          </a:stretch>
+        </p:blipFill>
+        <p:spPr>
+          <a:xfrm>
+            <a:off x="9626599" y="6008902"/>
+            <a:ext cx="671808" cy="516876"/>
+          </a:xfrm>
+          <a:prstGeom prst="rect">
+            <a:avLst/>
+          </a:prstGeom>
+        </p:spPr>
+      </p:pic>
+      <p:pic>
+        <p:nvPicPr>
+          <p:cNvPr id="53" name="Picture 52" descr="Screen of a cell phone&#13;&#10;&#13;&#10;Description automatically generated">
+            <a:extLst>
+              <a:ext uri="{FF2B5EF4-FFF2-40B4-BE49-F238E27FC236}">
+                <a16:creationId xmlns:a16="http://schemas.microsoft.com/office/drawing/2014/main" id="{F29838DF-F7E6-2C4C-A651-3962F75DB3FF}"/>
+              </a:ext>
+            </a:extLst>
+          </p:cNvPr>
+          <p:cNvPicPr>
+            <a:picLocks noChangeAspect="1"/>
+          </p:cNvPicPr>
+          <p:nvPr/>
+        </p:nvPicPr>
+        <p:blipFill>
+          <a:blip r:embed="rId5"/>
+          <a:stretch>
+            <a:fillRect/>
+          </a:stretch>
+        </p:blipFill>
+        <p:spPr>
+          <a:xfrm>
+            <a:off x="8830940" y="5544543"/>
+            <a:ext cx="180695" cy="361393"/>
+          </a:xfrm>
+          <a:prstGeom prst="rect">
+            <a:avLst/>
+          </a:prstGeom>
+        </p:spPr>
+      </p:pic>
+      <p:cxnSp>
+        <p:nvCxnSpPr>
+          <p:cNvPr id="54" name="Curved Connector 53">
+            <a:extLst>
+              <a:ext uri="{FF2B5EF4-FFF2-40B4-BE49-F238E27FC236}">
+                <a16:creationId xmlns:a16="http://schemas.microsoft.com/office/drawing/2014/main" id="{64C6538D-5148-DA48-8C40-DDD409143E44}"/>
+              </a:ext>
+            </a:extLst>
+          </p:cNvPr>
+          <p:cNvCxnSpPr>
+            <a:cxnSpLocks/>
+            <a:stCxn id="53" idx="3"/>
+            <a:endCxn id="49" idx="2"/>
+          </p:cNvCxnSpPr>
+          <p:nvPr/>
+        </p:nvCxnSpPr>
+        <p:spPr>
+          <a:xfrm flipV="1">
+            <a:off x="9011635" y="5082540"/>
+            <a:ext cx="950867" cy="642700"/>
+          </a:xfrm>
+          <a:prstGeom prst="curvedConnector2">
+            <a:avLst/>
+          </a:prstGeom>
+          <a:ln w="34925">
+            <a:solidFill>
+              <a:srgbClr val="00B0F0"/>
+            </a:solidFill>
+            <a:headEnd type="triangle"/>
+            <a:tailEnd type="triangle"/>
+          </a:ln>
+        </p:spPr>
+        <p:style>
+          <a:lnRef idx="1">
+            <a:schemeClr val="accent1"/>
+          </a:lnRef>
+          <a:fillRef idx="0">
+            <a:schemeClr val="accent1"/>
+          </a:fillRef>
+          <a:effectRef idx="0">
+            <a:schemeClr val="accent1"/>
+          </a:effectRef>
+          <a:fontRef idx="minor">
+            <a:schemeClr val="tx1"/>
+          </a:fontRef>
+        </p:style>
+      </p:cxnSp>
+      <p:cxnSp>
+        <p:nvCxnSpPr>
+          <p:cNvPr id="55" name="Curved Connector 54">
+            <a:extLst>
+              <a:ext uri="{FF2B5EF4-FFF2-40B4-BE49-F238E27FC236}">
+                <a16:creationId xmlns:a16="http://schemas.microsoft.com/office/drawing/2014/main" id="{911E8225-0086-7240-8E74-0DCAA17FA1A7}"/>
+              </a:ext>
+            </a:extLst>
+          </p:cNvPr>
+          <p:cNvCxnSpPr>
+            <a:cxnSpLocks/>
+            <a:stCxn id="50" idx="0"/>
+            <a:endCxn id="49" idx="2"/>
+          </p:cNvCxnSpPr>
+          <p:nvPr/>
+        </p:nvCxnSpPr>
+        <p:spPr>
+          <a:xfrm rot="16200000" flipV="1">
+            <a:off x="10190427" y="4854615"/>
+            <a:ext cx="775460" cy="1231310"/>
+          </a:xfrm>
+          <a:prstGeom prst="curvedConnector3">
+            <a:avLst>
+              <a:gd name="adj1" fmla="val 50000"/>
+            </a:avLst>
+          </a:prstGeom>
+          <a:ln w="34925">
+            <a:solidFill>
+              <a:srgbClr val="00B0F0"/>
+            </a:solidFill>
+            <a:headEnd type="triangle"/>
+            <a:tailEnd type="triangle"/>
+          </a:ln>
+        </p:spPr>
+        <p:style>
+          <a:lnRef idx="1">
+            <a:schemeClr val="accent1"/>
+          </a:lnRef>
+          <a:fillRef idx="0">
+            <a:schemeClr val="accent1"/>
+          </a:fillRef>
+          <a:effectRef idx="0">
+            <a:schemeClr val="accent1"/>
+          </a:effectRef>
+          <a:fontRef idx="minor">
+            <a:schemeClr val="tx1"/>
+          </a:fontRef>
+        </p:style>
+      </p:cxnSp>
+      <p:cxnSp>
+        <p:nvCxnSpPr>
+          <p:cNvPr id="56" name="Curved Connector 55">
+            <a:extLst>
+              <a:ext uri="{FF2B5EF4-FFF2-40B4-BE49-F238E27FC236}">
+                <a16:creationId xmlns:a16="http://schemas.microsoft.com/office/drawing/2014/main" id="{50216641-AD6A-0349-98B6-4FC37DE21927}"/>
+              </a:ext>
+            </a:extLst>
+          </p:cNvPr>
+          <p:cNvCxnSpPr>
+            <a:cxnSpLocks/>
+            <a:stCxn id="52" idx="0"/>
+            <a:endCxn id="49" idx="2"/>
+          </p:cNvCxnSpPr>
+          <p:nvPr/>
+        </p:nvCxnSpPr>
+        <p:spPr>
+          <a:xfrm rot="16200000" flipV="1">
+            <a:off x="9499322" y="5545720"/>
+            <a:ext cx="926362" cy="1"/>
+          </a:xfrm>
+          <a:prstGeom prst="curvedConnector3">
+            <a:avLst>
+              <a:gd name="adj1" fmla="val 50000"/>
+            </a:avLst>
+          </a:prstGeom>
+          <a:ln w="34925">
+            <a:solidFill>
+              <a:srgbClr val="00B0F0"/>
+            </a:solidFill>
+            <a:headEnd type="triangle"/>
+            <a:tailEnd type="triangle"/>
+          </a:ln>
+        </p:spPr>
+        <p:style>
+          <a:lnRef idx="1">
+            <a:schemeClr val="accent1"/>
+          </a:lnRef>
+          <a:fillRef idx="0">
+            <a:schemeClr val="accent1"/>
+          </a:fillRef>
+          <a:effectRef idx="0">
+            <a:schemeClr val="accent1"/>
+          </a:effectRef>
+          <a:fontRef idx="minor">
+            <a:schemeClr val="tx1"/>
+          </a:fontRef>
+        </p:style>
+      </p:cxnSp>
+      <p:pic>
+        <p:nvPicPr>
+          <p:cNvPr id="58" name="Picture 57">
+            <a:extLst>
+              <a:ext uri="{FF2B5EF4-FFF2-40B4-BE49-F238E27FC236}">
+                <a16:creationId xmlns:a16="http://schemas.microsoft.com/office/drawing/2014/main" id="{0E64A011-8DC5-4447-A3BE-4E8B3C442996}"/>
+              </a:ext>
+            </a:extLst>
+          </p:cNvPr>
+          <p:cNvPicPr>
+            <a:picLocks noChangeAspect="1"/>
+          </p:cNvPicPr>
+          <p:nvPr/>
+        </p:nvPicPr>
+        <p:blipFill>
+          <a:blip r:embed="rId2"/>
+          <a:stretch>
+            <a:fillRect/>
+          </a:stretch>
+        </p:blipFill>
+        <p:spPr>
+          <a:xfrm>
+            <a:off x="6382465" y="2263509"/>
+            <a:ext cx="1084249" cy="1416702"/>
+          </a:xfrm>
+          <a:prstGeom prst="rect">
+            <a:avLst/>
+          </a:prstGeom>
+        </p:spPr>
+      </p:pic>
+      <p:sp>
+        <p:nvSpPr>
+          <p:cNvPr id="59" name="TextBox 58">
+            <a:extLst>
+              <a:ext uri="{FF2B5EF4-FFF2-40B4-BE49-F238E27FC236}">
+                <a16:creationId xmlns:a16="http://schemas.microsoft.com/office/drawing/2014/main" id="{0258AF3E-697A-3F40-965E-1D3C4226E895}"/>
+              </a:ext>
+            </a:extLst>
+          </p:cNvPr>
+          <p:cNvSpPr txBox="1"/>
+          <p:nvPr/>
+        </p:nvSpPr>
+        <p:spPr>
+          <a:xfrm rot="5400000">
+            <a:off x="6664520" y="3133656"/>
+            <a:ext cx="492443" cy="1307409"/>
+          </a:xfrm>
+          <a:prstGeom prst="rect">
+            <a:avLst/>
+          </a:prstGeom>
+          <a:noFill/>
+        </p:spPr>
+        <p:txBody>
+          <a:bodyPr vert="vert270" wrap="none" rtlCol="0">
+            <a:spAutoFit/>
+          </a:bodyPr>
+          <a:lstStyle/>
+          <a:p>
+            <a:r>
+              <a:rPr lang="pt-BR" sz="2000" b="1" dirty="0"/>
+              <a:t>Servidor 1</a:t>
+            </a:r>
+          </a:p>
+        </p:txBody>
+      </p:sp>
+      <p:cxnSp>
+        <p:nvCxnSpPr>
+          <p:cNvPr id="60" name="Curved Connector 59">
+            <a:extLst>
+              <a:ext uri="{FF2B5EF4-FFF2-40B4-BE49-F238E27FC236}">
+                <a16:creationId xmlns:a16="http://schemas.microsoft.com/office/drawing/2014/main" id="{8C9D3E8F-82C7-0042-8E37-A25FC0819D17}"/>
+              </a:ext>
+            </a:extLst>
+          </p:cNvPr>
+          <p:cNvCxnSpPr>
+            <a:cxnSpLocks/>
+            <a:stCxn id="7" idx="3"/>
+            <a:endCxn id="58" idx="1"/>
+          </p:cNvCxnSpPr>
+          <p:nvPr/>
+        </p:nvCxnSpPr>
+        <p:spPr>
+          <a:xfrm flipV="1">
+            <a:off x="4371830" y="2971860"/>
+            <a:ext cx="2010635" cy="1419924"/>
+          </a:xfrm>
+          <a:prstGeom prst="curvedConnector3">
+            <a:avLst>
+              <a:gd name="adj1" fmla="val 50000"/>
+            </a:avLst>
+          </a:prstGeom>
+          <a:ln w="82550">
+            <a:solidFill>
+              <a:srgbClr val="00B050"/>
+            </a:solidFill>
+            <a:headEnd type="triangle" w="sm" len="sm"/>
+            <a:tailEnd type="triangle" w="sm" len="sm"/>
+          </a:ln>
+        </p:spPr>
+        <p:style>
+          <a:lnRef idx="1">
+            <a:schemeClr val="accent1"/>
+          </a:lnRef>
+          <a:fillRef idx="0">
+            <a:schemeClr val="accent1"/>
+          </a:fillRef>
+          <a:effectRef idx="0">
+            <a:schemeClr val="accent1"/>
+          </a:effectRef>
+          <a:fontRef idx="minor">
+            <a:schemeClr val="tx1"/>
+          </a:fontRef>
+        </p:style>
+      </p:cxnSp>
+      <p:cxnSp>
+        <p:nvCxnSpPr>
+          <p:cNvPr id="63" name="Curved Connector 62">
+            <a:extLst>
+              <a:ext uri="{FF2B5EF4-FFF2-40B4-BE49-F238E27FC236}">
+                <a16:creationId xmlns:a16="http://schemas.microsoft.com/office/drawing/2014/main" id="{61B80F21-DA77-6F4F-AEE3-015441C75841}"/>
+              </a:ext>
+            </a:extLst>
+          </p:cNvPr>
+          <p:cNvCxnSpPr>
+            <a:cxnSpLocks/>
+            <a:stCxn id="49" idx="1"/>
+            <a:endCxn id="58" idx="3"/>
+          </p:cNvCxnSpPr>
+          <p:nvPr/>
+        </p:nvCxnSpPr>
+        <p:spPr>
+          <a:xfrm rot="10800000">
+            <a:off x="7466715" y="2971861"/>
+            <a:ext cx="1953663" cy="1402329"/>
+          </a:xfrm>
+          <a:prstGeom prst="curvedConnector3">
+            <a:avLst>
+              <a:gd name="adj1" fmla="val 50000"/>
+            </a:avLst>
+          </a:prstGeom>
+          <a:ln w="82550">
+            <a:solidFill>
+              <a:srgbClr val="00B050"/>
+            </a:solidFill>
+            <a:headEnd type="triangle" w="sm" len="sm"/>
+            <a:tailEnd type="triangle" w="sm" len="sm"/>
+          </a:ln>
+        </p:spPr>
+        <p:style>
+          <a:lnRef idx="1">
+            <a:schemeClr val="accent1"/>
+          </a:lnRef>
+          <a:fillRef idx="0">
+            <a:schemeClr val="accent1"/>
+          </a:fillRef>
+          <a:effectRef idx="0">
+            <a:schemeClr val="accent1"/>
+          </a:effectRef>
+          <a:fontRef idx="minor">
+            <a:schemeClr val="tx1"/>
+          </a:fontRef>
+        </p:style>
+      </p:cxnSp>
+      <p:pic>
+        <p:nvPicPr>
+          <p:cNvPr id="69" name="Picture 68" descr="A close up of a computer&#13;&#10;&#13;&#10;Description automatically generated">
+            <a:extLst>
+              <a:ext uri="{FF2B5EF4-FFF2-40B4-BE49-F238E27FC236}">
+                <a16:creationId xmlns:a16="http://schemas.microsoft.com/office/drawing/2014/main" id="{43923BD5-C71A-484E-9DFE-532F5EF2FC73}"/>
+              </a:ext>
+            </a:extLst>
+          </p:cNvPr>
+          <p:cNvPicPr>
+            <a:picLocks noChangeAspect="1"/>
+          </p:cNvPicPr>
+          <p:nvPr/>
+        </p:nvPicPr>
+        <p:blipFill>
+          <a:blip r:embed="rId3"/>
+          <a:stretch>
+            <a:fillRect/>
+          </a:stretch>
+        </p:blipFill>
+        <p:spPr>
+          <a:xfrm>
+            <a:off x="8062087" y="1681210"/>
+            <a:ext cx="859200" cy="683219"/>
+          </a:xfrm>
+          <a:prstGeom prst="rect">
+            <a:avLst/>
+          </a:prstGeom>
+        </p:spPr>
+      </p:pic>
+      <p:pic>
+        <p:nvPicPr>
+          <p:cNvPr id="70" name="Picture 69" descr="An open computer sitting on a table&#13;&#10;&#13;&#10;Description automatically generated">
+            <a:extLst>
+              <a:ext uri="{FF2B5EF4-FFF2-40B4-BE49-F238E27FC236}">
+                <a16:creationId xmlns:a16="http://schemas.microsoft.com/office/drawing/2014/main" id="{41AB3B17-C3C6-E247-B359-2D49CD0A40E9}"/>
+              </a:ext>
+            </a:extLst>
+          </p:cNvPr>
+          <p:cNvPicPr>
+            <a:picLocks noChangeAspect="1"/>
+          </p:cNvPicPr>
+          <p:nvPr/>
+        </p:nvPicPr>
+        <p:blipFill>
+          <a:blip r:embed="rId4"/>
+          <a:stretch>
+            <a:fillRect/>
+          </a:stretch>
+        </p:blipFill>
+        <p:spPr>
+          <a:xfrm>
+            <a:off x="6588685" y="1328241"/>
+            <a:ext cx="671808" cy="516876"/>
+          </a:xfrm>
+          <a:prstGeom prst="rect">
+            <a:avLst/>
+          </a:prstGeom>
+        </p:spPr>
+      </p:pic>
+      <p:pic>
+        <p:nvPicPr>
+          <p:cNvPr id="71" name="Picture 70" descr="Screen of a cell phone&#13;&#10;&#13;&#10;Description automatically generated">
+            <a:extLst>
+              <a:ext uri="{FF2B5EF4-FFF2-40B4-BE49-F238E27FC236}">
+                <a16:creationId xmlns:a16="http://schemas.microsoft.com/office/drawing/2014/main" id="{424D59C7-7A58-BE42-8B73-2373AD2F04CC}"/>
+              </a:ext>
+            </a:extLst>
+          </p:cNvPr>
+          <p:cNvPicPr>
+            <a:picLocks noChangeAspect="1"/>
+          </p:cNvPicPr>
+          <p:nvPr/>
+        </p:nvPicPr>
+        <p:blipFill>
+          <a:blip r:embed="rId5"/>
+          <a:stretch>
+            <a:fillRect/>
+          </a:stretch>
+        </p:blipFill>
+        <p:spPr>
+          <a:xfrm>
+            <a:off x="5286799" y="1724303"/>
+            <a:ext cx="180695" cy="361393"/>
+          </a:xfrm>
+          <a:prstGeom prst="rect">
+            <a:avLst/>
+          </a:prstGeom>
+        </p:spPr>
+      </p:pic>
+      <p:cxnSp>
+        <p:nvCxnSpPr>
+          <p:cNvPr id="76" name="Curved Connector 75">
+            <a:extLst>
+              <a:ext uri="{FF2B5EF4-FFF2-40B4-BE49-F238E27FC236}">
+                <a16:creationId xmlns:a16="http://schemas.microsoft.com/office/drawing/2014/main" id="{BF950D48-D7F2-CD42-993B-FECE8408F00A}"/>
+              </a:ext>
+            </a:extLst>
+          </p:cNvPr>
+          <p:cNvCxnSpPr>
+            <a:cxnSpLocks/>
+            <a:stCxn id="7" idx="3"/>
+            <a:endCxn id="49" idx="1"/>
+          </p:cNvCxnSpPr>
+          <p:nvPr/>
+        </p:nvCxnSpPr>
+        <p:spPr>
+          <a:xfrm flipV="1">
+            <a:off x="4371830" y="4374189"/>
+            <a:ext cx="5048547" cy="17595"/>
+          </a:xfrm>
+          <a:prstGeom prst="curvedConnector3">
+            <a:avLst>
+              <a:gd name="adj1" fmla="val 50000"/>
+            </a:avLst>
+          </a:prstGeom>
+          <a:ln w="82550">
+            <a:solidFill>
+              <a:srgbClr val="00B050"/>
+            </a:solidFill>
+            <a:headEnd type="triangle" w="sm" len="sm"/>
+            <a:tailEnd type="triangle" w="sm" len="sm"/>
+          </a:ln>
+        </p:spPr>
+        <p:style>
+          <a:lnRef idx="1">
+            <a:schemeClr val="accent1"/>
+          </a:lnRef>
+          <a:fillRef idx="0">
+            <a:schemeClr val="accent1"/>
+          </a:fillRef>
+          <a:effectRef idx="0">
+            <a:schemeClr val="accent1"/>
+          </a:effectRef>
+          <a:fontRef idx="minor">
+            <a:schemeClr val="tx1"/>
+          </a:fontRef>
+        </p:style>
+      </p:cxnSp>
+      <p:cxnSp>
+        <p:nvCxnSpPr>
+          <p:cNvPr id="81" name="Curved Connector 80">
+            <a:extLst>
+              <a:ext uri="{FF2B5EF4-FFF2-40B4-BE49-F238E27FC236}">
+                <a16:creationId xmlns:a16="http://schemas.microsoft.com/office/drawing/2014/main" id="{840FB3F4-E912-6D48-A7DB-41280B3F84C5}"/>
+              </a:ext>
+            </a:extLst>
+          </p:cNvPr>
+          <p:cNvCxnSpPr>
+            <a:cxnSpLocks/>
+            <a:stCxn id="58" idx="0"/>
+            <a:endCxn id="71" idx="3"/>
+          </p:cNvCxnSpPr>
+          <p:nvPr/>
+        </p:nvCxnSpPr>
+        <p:spPr>
+          <a:xfrm rot="16200000" flipV="1">
+            <a:off x="6016788" y="1355707"/>
+            <a:ext cx="358509" cy="1457096"/>
+          </a:xfrm>
+          <a:prstGeom prst="curvedConnector2">
+            <a:avLst/>
+          </a:prstGeom>
+          <a:ln w="34925">
+            <a:solidFill>
+              <a:srgbClr val="00B0F0"/>
+            </a:solidFill>
+            <a:headEnd type="triangle"/>
+            <a:tailEnd type="triangle"/>
+          </a:ln>
+        </p:spPr>
+        <p:style>
+          <a:lnRef idx="1">
+            <a:schemeClr val="accent1"/>
+          </a:lnRef>
+          <a:fillRef idx="0">
+            <a:schemeClr val="accent1"/>
+          </a:fillRef>
+          <a:effectRef idx="0">
+            <a:schemeClr val="accent1"/>
+          </a:effectRef>
+          <a:fontRef idx="minor">
+            <a:schemeClr val="tx1"/>
+          </a:fontRef>
+        </p:style>
+      </p:cxnSp>
+      <p:cxnSp>
+        <p:nvCxnSpPr>
+          <p:cNvPr id="85" name="Curved Connector 84">
+            <a:extLst>
+              <a:ext uri="{FF2B5EF4-FFF2-40B4-BE49-F238E27FC236}">
+                <a16:creationId xmlns:a16="http://schemas.microsoft.com/office/drawing/2014/main" id="{B8BBB5CC-53F5-FE4F-AFE6-C4C112D546ED}"/>
+              </a:ext>
+            </a:extLst>
+          </p:cNvPr>
+          <p:cNvCxnSpPr>
+            <a:cxnSpLocks/>
+            <a:stCxn id="58" idx="0"/>
+            <a:endCxn id="69" idx="1"/>
+          </p:cNvCxnSpPr>
+          <p:nvPr/>
+        </p:nvCxnSpPr>
+        <p:spPr>
+          <a:xfrm rot="5400000" flipH="1" flipV="1">
+            <a:off x="7372994" y="1574417"/>
+            <a:ext cx="240689" cy="1137497"/>
+          </a:xfrm>
+          <a:prstGeom prst="curvedConnector2">
+            <a:avLst/>
+          </a:prstGeom>
+          <a:ln w="34925">
+            <a:solidFill>
+              <a:srgbClr val="00B0F0"/>
+            </a:solidFill>
+            <a:headEnd type="triangle"/>
+            <a:tailEnd type="triangle"/>
+          </a:ln>
+        </p:spPr>
+        <p:style>
+          <a:lnRef idx="1">
+            <a:schemeClr val="accent1"/>
+          </a:lnRef>
+          <a:fillRef idx="0">
+            <a:schemeClr val="accent1"/>
+          </a:fillRef>
+          <a:effectRef idx="0">
+            <a:schemeClr val="accent1"/>
+          </a:effectRef>
+          <a:fontRef idx="minor">
+            <a:schemeClr val="tx1"/>
+          </a:fontRef>
+        </p:style>
+      </p:cxnSp>
+      <p:cxnSp>
+        <p:nvCxnSpPr>
+          <p:cNvPr id="92" name="Curved Connector 91">
+            <a:extLst>
+              <a:ext uri="{FF2B5EF4-FFF2-40B4-BE49-F238E27FC236}">
+                <a16:creationId xmlns:a16="http://schemas.microsoft.com/office/drawing/2014/main" id="{29B0090A-C9BC-CB41-81BB-A9561703EB8F}"/>
+              </a:ext>
+            </a:extLst>
+          </p:cNvPr>
+          <p:cNvCxnSpPr>
+            <a:cxnSpLocks/>
+            <a:stCxn id="58" idx="0"/>
+            <a:endCxn id="70" idx="2"/>
+          </p:cNvCxnSpPr>
+          <p:nvPr/>
+        </p:nvCxnSpPr>
+        <p:spPr>
+          <a:xfrm rot="16200000" flipV="1">
+            <a:off x="6715394" y="2054312"/>
+            <a:ext cx="418392" cy="1"/>
+          </a:xfrm>
+          <a:prstGeom prst="curvedConnector3">
+            <a:avLst>
+              <a:gd name="adj1" fmla="val 50000"/>
+            </a:avLst>
+          </a:prstGeom>
+          <a:ln w="34925">
+            <a:solidFill>
+              <a:srgbClr val="00B0F0"/>
+            </a:solidFill>
+            <a:headEnd type="triangle"/>
+            <a:tailEnd type="triangle"/>
+          </a:ln>
+        </p:spPr>
+        <p:style>
+          <a:lnRef idx="1">
+            <a:schemeClr val="accent1"/>
+          </a:lnRef>
+          <a:fillRef idx="0">
+            <a:schemeClr val="accent1"/>
+          </a:fillRef>
+          <a:effectRef idx="0">
+            <a:schemeClr val="accent1"/>
+          </a:effectRef>
+          <a:fontRef idx="minor">
+            <a:schemeClr val="tx1"/>
+          </a:fontRef>
+        </p:style>
+      </p:cxnSp>
+      <p:sp>
+        <p:nvSpPr>
+          <p:cNvPr id="99" name="TextBox 98">
+            <a:extLst>
+              <a:ext uri="{FF2B5EF4-FFF2-40B4-BE49-F238E27FC236}">
+                <a16:creationId xmlns:a16="http://schemas.microsoft.com/office/drawing/2014/main" id="{5F286A07-BF9D-054F-AE9E-916D0265B2F3}"/>
+              </a:ext>
+            </a:extLst>
+          </p:cNvPr>
+          <p:cNvSpPr txBox="1"/>
+          <p:nvPr/>
+        </p:nvSpPr>
+        <p:spPr>
+          <a:xfrm>
+            <a:off x="6382465" y="6611779"/>
+            <a:ext cx="1816523" cy="246221"/>
+          </a:xfrm>
+          <a:prstGeom prst="rect">
+            <a:avLst/>
+          </a:prstGeom>
+          <a:noFill/>
+        </p:spPr>
+        <p:txBody>
+          <a:bodyPr wrap="none" rtlCol="0">
+            <a:spAutoFit/>
+          </a:bodyPr>
+          <a:lstStyle/>
+          <a:p>
+            <a:r>
+              <a:rPr lang="pt-BR" sz="1000" dirty="0"/>
+              <a:t>Imagem Adaptada de [2]</a:t>
+            </a:r>
+          </a:p>
+        </p:txBody>
+      </p:sp>
+      <p:sp>
+        <p:nvSpPr>
+          <p:cNvPr id="100" name="TextBox 99">
+            <a:extLst>
+              <a:ext uri="{FF2B5EF4-FFF2-40B4-BE49-F238E27FC236}">
+                <a16:creationId xmlns:a16="http://schemas.microsoft.com/office/drawing/2014/main" id="{B387DE94-CD4B-204B-8A86-BF7C0EAC966D}"/>
+              </a:ext>
+            </a:extLst>
+          </p:cNvPr>
+          <p:cNvSpPr txBox="1"/>
+          <p:nvPr/>
+        </p:nvSpPr>
+        <p:spPr>
+          <a:xfrm>
+            <a:off x="2241832" y="6053159"/>
+            <a:ext cx="1064715" cy="338554"/>
+          </a:xfrm>
+          <a:prstGeom prst="rect">
+            <a:avLst/>
+          </a:prstGeom>
+          <a:noFill/>
+        </p:spPr>
+        <p:txBody>
+          <a:bodyPr vert="horz" wrap="none" rtlCol="0">
+            <a:spAutoFit/>
+          </a:bodyPr>
+          <a:lstStyle/>
+          <a:p>
+            <a:pPr algn="ctr"/>
+            <a:r>
+              <a:rPr lang="pt-BR" sz="1600" b="1" dirty="0"/>
+              <a:t>Cliente 4</a:t>
+            </a:r>
+          </a:p>
+        </p:txBody>
+      </p:sp>
+      <p:sp>
+        <p:nvSpPr>
+          <p:cNvPr id="101" name="TextBox 100">
+            <a:extLst>
+              <a:ext uri="{FF2B5EF4-FFF2-40B4-BE49-F238E27FC236}">
+                <a16:creationId xmlns:a16="http://schemas.microsoft.com/office/drawing/2014/main" id="{9EB45F3C-E2FF-5C43-AC88-FF73423D013C}"/>
+              </a:ext>
+            </a:extLst>
+          </p:cNvPr>
+          <p:cNvSpPr txBox="1"/>
+          <p:nvPr/>
+        </p:nvSpPr>
+        <p:spPr>
+          <a:xfrm>
+            <a:off x="3308105" y="6549021"/>
+            <a:ext cx="1064715" cy="338554"/>
+          </a:xfrm>
+          <a:prstGeom prst="rect">
+            <a:avLst/>
+          </a:prstGeom>
+          <a:noFill/>
+        </p:spPr>
+        <p:txBody>
+          <a:bodyPr vert="horz" wrap="none" rtlCol="0">
+            <a:spAutoFit/>
+          </a:bodyPr>
+          <a:lstStyle/>
+          <a:p>
+            <a:pPr algn="ctr"/>
+            <a:r>
+              <a:rPr lang="pt-BR" sz="1600" b="1" dirty="0"/>
+              <a:t>Cliente 5</a:t>
+            </a:r>
+          </a:p>
+        </p:txBody>
+      </p:sp>
+      <p:sp>
+        <p:nvSpPr>
+          <p:cNvPr id="102" name="TextBox 101">
+            <a:extLst>
+              <a:ext uri="{FF2B5EF4-FFF2-40B4-BE49-F238E27FC236}">
+                <a16:creationId xmlns:a16="http://schemas.microsoft.com/office/drawing/2014/main" id="{B0276066-0E2D-A645-8F86-B6E2F3B5B67E}"/>
+              </a:ext>
+            </a:extLst>
+          </p:cNvPr>
+          <p:cNvSpPr txBox="1"/>
+          <p:nvPr/>
+        </p:nvSpPr>
+        <p:spPr>
+          <a:xfrm>
+            <a:off x="4524802" y="6536529"/>
+            <a:ext cx="1064715" cy="338554"/>
+          </a:xfrm>
+          <a:prstGeom prst="rect">
+            <a:avLst/>
+          </a:prstGeom>
+          <a:noFill/>
+        </p:spPr>
+        <p:txBody>
+          <a:bodyPr vert="horz" wrap="none" rtlCol="0">
+            <a:spAutoFit/>
+          </a:bodyPr>
+          <a:lstStyle/>
+          <a:p>
+            <a:pPr algn="ctr"/>
+            <a:r>
+              <a:rPr lang="pt-BR" sz="1600" b="1" dirty="0"/>
+              <a:t>Cliente 6</a:t>
+            </a:r>
+          </a:p>
+        </p:txBody>
+      </p:sp>
+      <p:sp>
+        <p:nvSpPr>
+          <p:cNvPr id="105" name="TextBox 104">
+            <a:extLst>
+              <a:ext uri="{FF2B5EF4-FFF2-40B4-BE49-F238E27FC236}">
+                <a16:creationId xmlns:a16="http://schemas.microsoft.com/office/drawing/2014/main" id="{3CDB4B8F-DE15-C04C-A1E5-B62AEC11810E}"/>
+              </a:ext>
+            </a:extLst>
+          </p:cNvPr>
+          <p:cNvSpPr txBox="1"/>
+          <p:nvPr/>
+        </p:nvSpPr>
+        <p:spPr>
+          <a:xfrm>
+            <a:off x="4877905" y="2184988"/>
+            <a:ext cx="1064715" cy="338554"/>
+          </a:xfrm>
+          <a:prstGeom prst="rect">
+            <a:avLst/>
+          </a:prstGeom>
+          <a:noFill/>
+        </p:spPr>
+        <p:txBody>
+          <a:bodyPr vert="horz" wrap="none" rtlCol="0">
+            <a:spAutoFit/>
+          </a:bodyPr>
+          <a:lstStyle/>
+          <a:p>
+            <a:pPr algn="ctr"/>
+            <a:r>
+              <a:rPr lang="pt-BR" sz="1600" b="1" dirty="0"/>
+              <a:t>Cliente 1</a:t>
+            </a:r>
+          </a:p>
+        </p:txBody>
+      </p:sp>
+      <p:sp>
+        <p:nvSpPr>
+          <p:cNvPr id="106" name="TextBox 105">
+            <a:extLst>
+              <a:ext uri="{FF2B5EF4-FFF2-40B4-BE49-F238E27FC236}">
+                <a16:creationId xmlns:a16="http://schemas.microsoft.com/office/drawing/2014/main" id="{97B548FE-CFEA-684F-B028-6D45799AE056}"/>
+              </a:ext>
+            </a:extLst>
+          </p:cNvPr>
+          <p:cNvSpPr txBox="1"/>
+          <p:nvPr/>
+        </p:nvSpPr>
+        <p:spPr>
+          <a:xfrm>
+            <a:off x="6404807" y="1032915"/>
+            <a:ext cx="1064715" cy="338554"/>
+          </a:xfrm>
+          <a:prstGeom prst="rect">
+            <a:avLst/>
+          </a:prstGeom>
+          <a:noFill/>
+        </p:spPr>
+        <p:txBody>
+          <a:bodyPr vert="horz" wrap="none" rtlCol="0">
+            <a:spAutoFit/>
+          </a:bodyPr>
+          <a:lstStyle/>
+          <a:p>
+            <a:pPr algn="ctr"/>
+            <a:r>
+              <a:rPr lang="pt-BR" sz="1600" b="1" dirty="0"/>
+              <a:t>Cliente 2</a:t>
+            </a:r>
+          </a:p>
+        </p:txBody>
+      </p:sp>
+      <p:sp>
+        <p:nvSpPr>
+          <p:cNvPr id="107" name="TextBox 106">
+            <a:extLst>
+              <a:ext uri="{FF2B5EF4-FFF2-40B4-BE49-F238E27FC236}">
+                <a16:creationId xmlns:a16="http://schemas.microsoft.com/office/drawing/2014/main" id="{CCD024A2-0354-4840-B2F4-7315BC601465}"/>
+              </a:ext>
+            </a:extLst>
+          </p:cNvPr>
+          <p:cNvSpPr txBox="1"/>
+          <p:nvPr/>
+        </p:nvSpPr>
+        <p:spPr>
+          <a:xfrm>
+            <a:off x="7940362" y="2428517"/>
+            <a:ext cx="1064715" cy="338554"/>
+          </a:xfrm>
+          <a:prstGeom prst="rect">
+            <a:avLst/>
+          </a:prstGeom>
+          <a:noFill/>
+        </p:spPr>
+        <p:txBody>
+          <a:bodyPr vert="horz" wrap="none" rtlCol="0">
+            <a:spAutoFit/>
+          </a:bodyPr>
+          <a:lstStyle/>
+          <a:p>
+            <a:pPr algn="ctr"/>
+            <a:r>
+              <a:rPr lang="pt-BR" sz="1600" b="1" dirty="0"/>
+              <a:t>Cliente 3</a:t>
+            </a:r>
+          </a:p>
+        </p:txBody>
+      </p:sp>
+      <p:sp>
+        <p:nvSpPr>
+          <p:cNvPr id="108" name="TextBox 107">
+            <a:extLst>
+              <a:ext uri="{FF2B5EF4-FFF2-40B4-BE49-F238E27FC236}">
+                <a16:creationId xmlns:a16="http://schemas.microsoft.com/office/drawing/2014/main" id="{E5886E70-C52A-4741-BB90-DD357E8F2EB5}"/>
+              </a:ext>
+            </a:extLst>
+          </p:cNvPr>
+          <p:cNvSpPr txBox="1"/>
+          <p:nvPr/>
+        </p:nvSpPr>
+        <p:spPr>
+          <a:xfrm>
+            <a:off x="8378485" y="6010374"/>
+            <a:ext cx="1064715" cy="338554"/>
+          </a:xfrm>
+          <a:prstGeom prst="rect">
+            <a:avLst/>
+          </a:prstGeom>
+          <a:noFill/>
+        </p:spPr>
+        <p:txBody>
+          <a:bodyPr vert="horz" wrap="none" rtlCol="0">
+            <a:spAutoFit/>
+          </a:bodyPr>
+          <a:lstStyle/>
+          <a:p>
+            <a:pPr algn="ctr"/>
+            <a:r>
+              <a:rPr lang="pt-BR" sz="1600" b="1" dirty="0"/>
+              <a:t>Cliente 7</a:t>
+            </a:r>
+          </a:p>
+        </p:txBody>
+      </p:sp>
+      <p:sp>
+        <p:nvSpPr>
+          <p:cNvPr id="109" name="TextBox 108">
+            <a:extLst>
+              <a:ext uri="{FF2B5EF4-FFF2-40B4-BE49-F238E27FC236}">
+                <a16:creationId xmlns:a16="http://schemas.microsoft.com/office/drawing/2014/main" id="{632D976E-A550-6749-9FBC-0191FF9CDA2A}"/>
+              </a:ext>
+            </a:extLst>
+          </p:cNvPr>
+          <p:cNvSpPr txBox="1"/>
+          <p:nvPr/>
+        </p:nvSpPr>
+        <p:spPr>
+          <a:xfrm>
+            <a:off x="9444758" y="6506236"/>
+            <a:ext cx="1064715" cy="338554"/>
+          </a:xfrm>
+          <a:prstGeom prst="rect">
+            <a:avLst/>
+          </a:prstGeom>
+          <a:noFill/>
+        </p:spPr>
+        <p:txBody>
+          <a:bodyPr vert="horz" wrap="none" rtlCol="0">
+            <a:spAutoFit/>
+          </a:bodyPr>
+          <a:lstStyle/>
+          <a:p>
+            <a:pPr algn="ctr"/>
+            <a:r>
+              <a:rPr lang="pt-BR" sz="1600" b="1" dirty="0"/>
+              <a:t>Cliente 8</a:t>
+            </a:r>
+          </a:p>
+        </p:txBody>
+      </p:sp>
+      <p:sp>
+        <p:nvSpPr>
+          <p:cNvPr id="110" name="TextBox 109">
+            <a:extLst>
+              <a:ext uri="{FF2B5EF4-FFF2-40B4-BE49-F238E27FC236}">
+                <a16:creationId xmlns:a16="http://schemas.microsoft.com/office/drawing/2014/main" id="{F31B84F1-7CF7-CF42-B436-F072BDBE443D}"/>
+              </a:ext>
+            </a:extLst>
+          </p:cNvPr>
+          <p:cNvSpPr txBox="1"/>
+          <p:nvPr/>
+        </p:nvSpPr>
+        <p:spPr>
+          <a:xfrm>
+            <a:off x="10661455" y="6493744"/>
+            <a:ext cx="1064715" cy="338554"/>
+          </a:xfrm>
+          <a:prstGeom prst="rect">
+            <a:avLst/>
+          </a:prstGeom>
+          <a:noFill/>
+        </p:spPr>
+        <p:txBody>
+          <a:bodyPr vert="horz" wrap="none" rtlCol="0">
+            <a:spAutoFit/>
+          </a:bodyPr>
+          <a:lstStyle/>
+          <a:p>
+            <a:pPr algn="ctr"/>
+            <a:r>
+              <a:rPr lang="pt-BR" sz="1600" b="1" dirty="0"/>
+              <a:t>Cliente 9</a:t>
+            </a:r>
+          </a:p>
+        </p:txBody>
+      </p:sp>
+    </p:spTree>
+    <p:extLst>
+      <p:ext uri="{BB962C8B-B14F-4D97-AF65-F5344CB8AC3E}">
+        <p14:creationId xmlns:p14="http://schemas.microsoft.com/office/powerpoint/2010/main" val="3680725291"/>
+      </p:ext>
+    </p:extLst>
+  </p:cSld>
+  <p:clrMapOvr>
+    <a:masterClrMapping/>
+  </p:clrMapOvr>
+</p:sld>
+</file>
+
+<file path=ppt/slides/slide19.xml><?xml version="1.0" encoding="utf-8"?>
+<p:sld xmlns:a="http://schemas.openxmlformats.org/drawingml/2006/main" xmlns:r="http://schemas.openxmlformats.org/officeDocument/2006/relationships" xmlns:p="http://schemas.openxmlformats.org/presentationml/2006/main">
+  <p:cSld>
+    <p:spTree>
+      <p:nvGrpSpPr>
+        <p:cNvPr id="1" name=""/>
+        <p:cNvGrpSpPr/>
+        <p:nvPr/>
+      </p:nvGrpSpPr>
+      <p:grpSpPr>
+        <a:xfrm>
+          <a:off x="0" y="0"/>
+          <a:ext cx="0" cy="0"/>
+          <a:chOff x="0" y="0"/>
+          <a:chExt cx="0" cy="0"/>
+        </a:xfrm>
+      </p:grpSpPr>
+      <p:sp>
+        <p:nvSpPr>
+          <p:cNvPr id="2" name="Title 1">
+            <a:extLst>
+              <a:ext uri="{FF2B5EF4-FFF2-40B4-BE49-F238E27FC236}">
+                <a16:creationId xmlns:a16="http://schemas.microsoft.com/office/drawing/2014/main" id="{58204B45-BA2F-544A-ADBD-2B584480C63E}"/>
+              </a:ext>
+            </a:extLst>
+          </p:cNvPr>
+          <p:cNvSpPr>
+            <a:spLocks noGrp="1"/>
+          </p:cNvSpPr>
+          <p:nvPr>
+            <p:ph type="title"/>
+          </p:nvPr>
+        </p:nvSpPr>
+        <p:spPr>
+          <a:xfrm>
             <a:off x="3635679" y="365037"/>
             <a:ext cx="8589364" cy="1005811"/>
           </a:xfrm>
@@ -12792,7 +14281,7 @@
           <a:p>
             <a:fld id="{2183B7EE-0FBE-B749-875F-ED24F5ECD71F}" type="slidenum">
               <a:rPr lang="en-US" smtClean="0"/>
-              <a:t>18</a:t>
+              <a:t>19</a:t>
             </a:fld>
             <a:endParaRPr lang="en-US" dirty="0"/>
           </a:p>
@@ -13543,841 +15032,6 @@
 </p:sld>
 </file>
 
-<file path=ppt/slides/slide19.xml><?xml version="1.0" encoding="utf-8"?>
-<p:sld xmlns:a="http://schemas.openxmlformats.org/drawingml/2006/main" xmlns:r="http://schemas.openxmlformats.org/officeDocument/2006/relationships" xmlns:p="http://schemas.openxmlformats.org/presentationml/2006/main">
-  <p:cSld>
-    <p:spTree>
-      <p:nvGrpSpPr>
-        <p:cNvPr id="1" name=""/>
-        <p:cNvGrpSpPr/>
-        <p:nvPr/>
-      </p:nvGrpSpPr>
-      <p:grpSpPr>
-        <a:xfrm>
-          <a:off x="0" y="0"/>
-          <a:ext cx="0" cy="0"/>
-          <a:chOff x="0" y="0"/>
-          <a:chExt cx="0" cy="0"/>
-        </a:xfrm>
-      </p:grpSpPr>
-      <p:sp>
-        <p:nvSpPr>
-          <p:cNvPr id="2" name="Title 1">
-            <a:extLst>
-              <a:ext uri="{FF2B5EF4-FFF2-40B4-BE49-F238E27FC236}">
-                <a16:creationId xmlns:a16="http://schemas.microsoft.com/office/drawing/2014/main" id="{58204B45-BA2F-544A-ADBD-2B584480C63E}"/>
-              </a:ext>
-            </a:extLst>
-          </p:cNvPr>
-          <p:cNvSpPr>
-            <a:spLocks noGrp="1"/>
-          </p:cNvSpPr>
-          <p:nvPr>
-            <p:ph type="title"/>
-          </p:nvPr>
-        </p:nvSpPr>
-        <p:spPr>
-          <a:xfrm>
-            <a:off x="3635679" y="365037"/>
-            <a:ext cx="8589364" cy="1005811"/>
-          </a:xfrm>
-        </p:spPr>
-        <p:txBody>
-          <a:bodyPr>
-            <a:normAutofit fontScale="90000"/>
-          </a:bodyPr>
-          <a:lstStyle/>
-          <a:p>
-            <a:pPr algn="ctr"/>
-            <a:r>
-              <a:rPr lang="pt-BR" b="1" dirty="0">
-                <a:solidFill>
-                  <a:schemeClr val="bg1"/>
-                </a:solidFill>
-                <a:effectLst>
-                  <a:outerShdw blurRad="228600" dist="50800" dir="5400000" algn="ctr" rotWithShape="0">
-                    <a:schemeClr val="tx1"/>
-                  </a:outerShdw>
-                </a:effectLst>
-              </a:rPr>
-              <a:t>Arquitetura </a:t>
-            </a:r>
-            <a:r>
-              <a:rPr lang="pt-BR" b="1" dirty="0" err="1">
-                <a:solidFill>
-                  <a:schemeClr val="bg1"/>
-                </a:solidFill>
-                <a:effectLst>
-                  <a:outerShdw blurRad="228600" dist="50800" dir="5400000" algn="ctr" rotWithShape="0">
-                    <a:schemeClr val="tx1"/>
-                  </a:outerShdw>
-                </a:effectLst>
-              </a:rPr>
-              <a:t>peer-to-peer</a:t>
-            </a:r>
-            <a:br>
-              <a:rPr lang="pt-BR" b="1" dirty="0">
-                <a:solidFill>
-                  <a:schemeClr val="bg1"/>
-                </a:solidFill>
-                <a:effectLst>
-                  <a:outerShdw blurRad="228600" dist="50800" dir="5400000" algn="ctr" rotWithShape="0">
-                    <a:schemeClr val="tx1"/>
-                  </a:outerShdw>
-                </a:effectLst>
-              </a:rPr>
-            </a:br>
-            <a:r>
-              <a:rPr lang="pt-BR" b="1" dirty="0">
-                <a:solidFill>
-                  <a:schemeClr val="bg1"/>
-                </a:solidFill>
-                <a:effectLst>
-                  <a:outerShdw blurRad="228600" dist="50800" dir="5400000" algn="ctr" rotWithShape="0">
-                    <a:schemeClr val="tx1"/>
-                  </a:outerShdw>
-                </a:effectLst>
-              </a:rPr>
-              <a:t>(p2p, ponto-a-ponto)</a:t>
-            </a:r>
-            <a:endParaRPr lang="pt-BR" dirty="0">
-              <a:solidFill>
-                <a:schemeClr val="bg1"/>
-              </a:solidFill>
-              <a:effectLst>
-                <a:outerShdw blurRad="228600" dist="50800" dir="5400000" algn="ctr" rotWithShape="0">
-                  <a:schemeClr val="tx1"/>
-                </a:outerShdw>
-              </a:effectLst>
-            </a:endParaRPr>
-          </a:p>
-        </p:txBody>
-      </p:sp>
-      <p:sp>
-        <p:nvSpPr>
-          <p:cNvPr id="66" name="Content Placeholder 2">
-            <a:extLst>
-              <a:ext uri="{FF2B5EF4-FFF2-40B4-BE49-F238E27FC236}">
-                <a16:creationId xmlns:a16="http://schemas.microsoft.com/office/drawing/2014/main" id="{7DD7200E-83C5-FE41-A371-CC6A4884910F}"/>
-              </a:ext>
-            </a:extLst>
-          </p:cNvPr>
-          <p:cNvSpPr>
-            <a:spLocks noGrp="1"/>
-          </p:cNvSpPr>
-          <p:nvPr>
-            <p:ph idx="1"/>
-          </p:nvPr>
-        </p:nvSpPr>
-        <p:spPr>
-          <a:xfrm>
-            <a:off x="393475" y="1978703"/>
-            <a:ext cx="8779778" cy="4721898"/>
-          </a:xfrm>
-        </p:spPr>
-        <p:txBody>
-          <a:bodyPr>
-            <a:normAutofit/>
-          </a:bodyPr>
-          <a:lstStyle/>
-          <a:p>
-            <a:r>
-              <a:rPr lang="pt-BR" sz="2800" dirty="0"/>
-              <a:t>No caso de chamadas de voz e vídeo, normalmente é utilizado UDP como protocolo de transporte que não garante entrega</a:t>
-            </a:r>
-          </a:p>
-          <a:p>
-            <a:r>
-              <a:rPr lang="pt-BR" sz="2800" dirty="0"/>
-              <a:t>Se um pacote de voz for perdido, isto não afeta a qualidade da conversa</a:t>
-            </a:r>
-          </a:p>
-          <a:p>
-            <a:r>
-              <a:rPr lang="pt-BR" sz="2800" dirty="0"/>
-              <a:t>Se a perda for grande, vai tornar a comunicação difícil</a:t>
-            </a:r>
-          </a:p>
-        </p:txBody>
-      </p:sp>
-      <p:sp>
-        <p:nvSpPr>
-          <p:cNvPr id="3" name="Slide Number Placeholder 2">
-            <a:extLst>
-              <a:ext uri="{FF2B5EF4-FFF2-40B4-BE49-F238E27FC236}">
-                <a16:creationId xmlns:a16="http://schemas.microsoft.com/office/drawing/2014/main" id="{E8782EBD-1415-0F4A-9755-9CBACA835A18}"/>
-              </a:ext>
-            </a:extLst>
-          </p:cNvPr>
-          <p:cNvSpPr>
-            <a:spLocks noGrp="1"/>
-          </p:cNvSpPr>
-          <p:nvPr>
-            <p:ph type="sldNum" sz="quarter" idx="12"/>
-          </p:nvPr>
-        </p:nvSpPr>
-        <p:spPr/>
-        <p:txBody>
-          <a:bodyPr/>
-          <a:lstStyle/>
-          <a:p>
-            <a:fld id="{2183B7EE-0FBE-B749-875F-ED24F5ECD71F}" type="slidenum">
-              <a:rPr lang="en-US" smtClean="0"/>
-              <a:t>19</a:t>
-            </a:fld>
-            <a:endParaRPr lang="en-US" dirty="0"/>
-          </a:p>
-        </p:txBody>
-      </p:sp>
-      <p:grpSp>
-        <p:nvGrpSpPr>
-          <p:cNvPr id="11" name="Group 10">
-            <a:extLst>
-              <a:ext uri="{FF2B5EF4-FFF2-40B4-BE49-F238E27FC236}">
-                <a16:creationId xmlns:a16="http://schemas.microsoft.com/office/drawing/2014/main" id="{30227624-EE6B-4541-8524-0E247FB476DD}"/>
-              </a:ext>
-            </a:extLst>
-          </p:cNvPr>
-          <p:cNvGrpSpPr/>
-          <p:nvPr/>
-        </p:nvGrpSpPr>
-        <p:grpSpPr>
-          <a:xfrm>
-            <a:off x="9466457" y="1823456"/>
-            <a:ext cx="2601994" cy="4373089"/>
-            <a:chOff x="9451467" y="2228188"/>
-            <a:chExt cx="2601994" cy="4373089"/>
-          </a:xfrm>
-        </p:grpSpPr>
-        <p:pic>
-          <p:nvPicPr>
-            <p:cNvPr id="12" name="Picture 11" descr="An open computer sitting on a table&#13;&#10;&#13;&#10;Description automatically generated">
-              <a:extLst>
-                <a:ext uri="{FF2B5EF4-FFF2-40B4-BE49-F238E27FC236}">
-                  <a16:creationId xmlns:a16="http://schemas.microsoft.com/office/drawing/2014/main" id="{ABFDDB4A-2D68-3146-AC99-F90C4FE4CD7D}"/>
-                </a:ext>
-              </a:extLst>
-            </p:cNvPr>
-            <p:cNvPicPr>
-              <a:picLocks noChangeAspect="1"/>
-            </p:cNvPicPr>
-            <p:nvPr/>
-          </p:nvPicPr>
-          <p:blipFill>
-            <a:blip r:embed="rId2"/>
-            <a:stretch>
-              <a:fillRect/>
-            </a:stretch>
-          </p:blipFill>
-          <p:spPr>
-            <a:xfrm>
-              <a:off x="10403734" y="5672758"/>
-              <a:ext cx="671808" cy="516876"/>
-            </a:xfrm>
-            <a:prstGeom prst="rect">
-              <a:avLst/>
-            </a:prstGeom>
-          </p:spPr>
-        </p:pic>
-        <p:pic>
-          <p:nvPicPr>
-            <p:cNvPr id="13" name="Picture 12" descr="Screen of a cell phone&#13;&#10;&#13;&#10;Description automatically generated">
-              <a:extLst>
-                <a:ext uri="{FF2B5EF4-FFF2-40B4-BE49-F238E27FC236}">
-                  <a16:creationId xmlns:a16="http://schemas.microsoft.com/office/drawing/2014/main" id="{0046F209-F0F7-7749-BD16-20D9EE597AE3}"/>
-                </a:ext>
-              </a:extLst>
-            </p:cNvPr>
-            <p:cNvPicPr>
-              <a:picLocks noChangeAspect="1"/>
-            </p:cNvPicPr>
-            <p:nvPr/>
-          </p:nvPicPr>
-          <p:blipFill>
-            <a:blip r:embed="rId3"/>
-            <a:stretch>
-              <a:fillRect/>
-            </a:stretch>
-          </p:blipFill>
-          <p:spPr>
-            <a:xfrm>
-              <a:off x="10616173" y="2228188"/>
-              <a:ext cx="180695" cy="361393"/>
-            </a:xfrm>
-            <a:prstGeom prst="rect">
-              <a:avLst/>
-            </a:prstGeom>
-          </p:spPr>
-        </p:pic>
-        <p:sp>
-          <p:nvSpPr>
-            <p:cNvPr id="14" name="TextBox 13">
-              <a:extLst>
-                <a:ext uri="{FF2B5EF4-FFF2-40B4-BE49-F238E27FC236}">
-                  <a16:creationId xmlns:a16="http://schemas.microsoft.com/office/drawing/2014/main" id="{BFF4F7B4-73EA-3B45-8EBE-497DB9631F24}"/>
-                </a:ext>
-              </a:extLst>
-            </p:cNvPr>
-            <p:cNvSpPr txBox="1"/>
-            <p:nvPr/>
-          </p:nvSpPr>
-          <p:spPr>
-            <a:xfrm>
-              <a:off x="9509178" y="2688873"/>
-              <a:ext cx="2460931" cy="369332"/>
-            </a:xfrm>
-            <a:prstGeom prst="rect">
-              <a:avLst/>
-            </a:prstGeom>
-            <a:noFill/>
-          </p:spPr>
-          <p:txBody>
-            <a:bodyPr vert="horz" wrap="none" rtlCol="0">
-              <a:spAutoFit/>
-            </a:bodyPr>
-            <a:lstStyle/>
-            <a:p>
-              <a:pPr algn="ctr"/>
-              <a:r>
-                <a:rPr lang="en-US" dirty="0"/>
-                <a:t>joão@servidor1.com</a:t>
-              </a:r>
-              <a:endParaRPr lang="pt-BR" sz="1600" b="1" dirty="0"/>
-            </a:p>
-          </p:txBody>
-        </p:sp>
-        <p:sp>
-          <p:nvSpPr>
-            <p:cNvPr id="15" name="TextBox 14">
-              <a:extLst>
-                <a:ext uri="{FF2B5EF4-FFF2-40B4-BE49-F238E27FC236}">
-                  <a16:creationId xmlns:a16="http://schemas.microsoft.com/office/drawing/2014/main" id="{F8A4B86C-554B-A540-87C7-70EFE90A29BD}"/>
-                </a:ext>
-              </a:extLst>
-            </p:cNvPr>
-            <p:cNvSpPr txBox="1"/>
-            <p:nvPr/>
-          </p:nvSpPr>
-          <p:spPr>
-            <a:xfrm>
-              <a:off x="9451467" y="6231945"/>
-              <a:ext cx="2601994" cy="369332"/>
-            </a:xfrm>
-            <a:prstGeom prst="rect">
-              <a:avLst/>
-            </a:prstGeom>
-            <a:noFill/>
-          </p:spPr>
-          <p:txBody>
-            <a:bodyPr vert="horz" wrap="none" rtlCol="0">
-              <a:spAutoFit/>
-            </a:bodyPr>
-            <a:lstStyle/>
-            <a:p>
-              <a:pPr algn="ctr"/>
-              <a:r>
-                <a:rPr lang="en-US" dirty="0"/>
-                <a:t>maria@servidor2.com</a:t>
-              </a:r>
-              <a:endParaRPr lang="pt-BR" sz="1600" b="1" dirty="0"/>
-            </a:p>
-          </p:txBody>
-        </p:sp>
-        <p:cxnSp>
-          <p:nvCxnSpPr>
-            <p:cNvPr id="16" name="Curved Connector 15">
-              <a:extLst>
-                <a:ext uri="{FF2B5EF4-FFF2-40B4-BE49-F238E27FC236}">
-                  <a16:creationId xmlns:a16="http://schemas.microsoft.com/office/drawing/2014/main" id="{2950E4E6-D813-EE41-9227-52A96521E923}"/>
-                </a:ext>
-              </a:extLst>
-            </p:cNvPr>
-            <p:cNvCxnSpPr>
-              <a:cxnSpLocks/>
-              <a:stCxn id="14" idx="2"/>
-              <a:endCxn id="12" idx="0"/>
-            </p:cNvCxnSpPr>
-            <p:nvPr/>
-          </p:nvCxnSpPr>
-          <p:spPr>
-            <a:xfrm rot="5400000">
-              <a:off x="9432365" y="4365478"/>
-              <a:ext cx="2614553" cy="6"/>
-            </a:xfrm>
-            <a:prstGeom prst="curvedConnector3">
-              <a:avLst>
-                <a:gd name="adj1" fmla="val 50000"/>
-              </a:avLst>
-            </a:prstGeom>
-            <a:ln w="34925">
-              <a:solidFill>
-                <a:srgbClr val="00B0F0"/>
-              </a:solidFill>
-              <a:headEnd type="triangle"/>
-              <a:tailEnd type="triangle"/>
-            </a:ln>
-          </p:spPr>
-          <p:style>
-            <a:lnRef idx="1">
-              <a:schemeClr val="accent1"/>
-            </a:lnRef>
-            <a:fillRef idx="0">
-              <a:schemeClr val="accent1"/>
-            </a:fillRef>
-            <a:effectRef idx="0">
-              <a:schemeClr val="accent1"/>
-            </a:effectRef>
-            <a:fontRef idx="minor">
-              <a:schemeClr val="tx1"/>
-            </a:fontRef>
-          </p:style>
-        </p:cxnSp>
-      </p:grpSp>
-      <p:grpSp>
-        <p:nvGrpSpPr>
-          <p:cNvPr id="17" name="Group 16">
-            <a:extLst>
-              <a:ext uri="{FF2B5EF4-FFF2-40B4-BE49-F238E27FC236}">
-                <a16:creationId xmlns:a16="http://schemas.microsoft.com/office/drawing/2014/main" id="{A0B742D1-489E-B046-9A79-9C35191862CB}"/>
-              </a:ext>
-            </a:extLst>
-          </p:cNvPr>
-          <p:cNvGrpSpPr/>
-          <p:nvPr/>
-        </p:nvGrpSpPr>
-        <p:grpSpPr>
-          <a:xfrm>
-            <a:off x="10190414" y="3396066"/>
-            <a:ext cx="1211351" cy="1088250"/>
-            <a:chOff x="10190414" y="3396066"/>
-            <a:chExt cx="1211351" cy="1088250"/>
-          </a:xfrm>
-        </p:grpSpPr>
-        <p:pic>
-          <p:nvPicPr>
-            <p:cNvPr id="18" name="Picture 17" descr="A close up of a logo&#10;&#10;Description automatically generated">
-              <a:extLst>
-                <a:ext uri="{FF2B5EF4-FFF2-40B4-BE49-F238E27FC236}">
-                  <a16:creationId xmlns:a16="http://schemas.microsoft.com/office/drawing/2014/main" id="{AA16C49B-6940-1E48-8F08-3B6EC0D24A54}"/>
-                </a:ext>
-              </a:extLst>
-            </p:cNvPr>
-            <p:cNvPicPr>
-              <a:picLocks noChangeAspect="1"/>
-            </p:cNvPicPr>
-            <p:nvPr/>
-          </p:nvPicPr>
-          <p:blipFill>
-            <a:blip r:embed="rId4">
-              <a:extLst>
-                <a:ext uri="{837473B0-CC2E-450A-ABE3-18F120FF3D39}">
-                  <a1611:picAttrSrcUrl xmlns:a1611="http://schemas.microsoft.com/office/drawing/2016/11/main" r:id="rId5"/>
-                </a:ext>
-              </a:extLst>
-            </a:blip>
-            <a:stretch>
-              <a:fillRect/>
-            </a:stretch>
-          </p:blipFill>
-          <p:spPr>
-            <a:xfrm>
-              <a:off x="10190414" y="3670162"/>
-              <a:ext cx="529386" cy="529386"/>
-            </a:xfrm>
-            <a:prstGeom prst="rect">
-              <a:avLst/>
-            </a:prstGeom>
-          </p:spPr>
-        </p:pic>
-        <p:pic>
-          <p:nvPicPr>
-            <p:cNvPr id="19" name="Picture 18">
-              <a:extLst>
-                <a:ext uri="{FF2B5EF4-FFF2-40B4-BE49-F238E27FC236}">
-                  <a16:creationId xmlns:a16="http://schemas.microsoft.com/office/drawing/2014/main" id="{064EA254-55CA-824B-8204-F6B3C19833D5}"/>
-                </a:ext>
-              </a:extLst>
-            </p:cNvPr>
-            <p:cNvPicPr>
-              <a:picLocks noChangeAspect="1"/>
-            </p:cNvPicPr>
-            <p:nvPr/>
-          </p:nvPicPr>
-          <p:blipFill>
-            <a:blip r:embed="rId6">
-              <a:extLst>
-                <a:ext uri="{837473B0-CC2E-450A-ABE3-18F120FF3D39}">
-                  <a1611:picAttrSrcUrl xmlns:a1611="http://schemas.microsoft.com/office/drawing/2016/11/main" r:id="rId7"/>
-                </a:ext>
-              </a:extLst>
-            </a:blip>
-            <a:stretch>
-              <a:fillRect/>
-            </a:stretch>
-          </p:blipFill>
-          <p:spPr>
-            <a:xfrm>
-              <a:off x="10857629" y="3954972"/>
-              <a:ext cx="529344" cy="529344"/>
-            </a:xfrm>
-            <a:prstGeom prst="rect">
-              <a:avLst/>
-            </a:prstGeom>
-          </p:spPr>
-        </p:pic>
-        <p:pic>
-          <p:nvPicPr>
-            <p:cNvPr id="20" name="Picture 19">
-              <a:extLst>
-                <a:ext uri="{FF2B5EF4-FFF2-40B4-BE49-F238E27FC236}">
-                  <a16:creationId xmlns:a16="http://schemas.microsoft.com/office/drawing/2014/main" id="{AC05F15F-1717-0C42-9851-64EADD11E0C3}"/>
-                </a:ext>
-              </a:extLst>
-            </p:cNvPr>
-            <p:cNvPicPr>
-              <a:picLocks noChangeAspect="1"/>
-            </p:cNvPicPr>
-            <p:nvPr/>
-          </p:nvPicPr>
-          <p:blipFill>
-            <a:blip r:embed="rId8">
-              <a:extLst>
-                <a:ext uri="{837473B0-CC2E-450A-ABE3-18F120FF3D39}">
-                  <a1611:picAttrSrcUrl xmlns:a1611="http://schemas.microsoft.com/office/drawing/2016/11/main" r:id="rId9"/>
-                </a:ext>
-              </a:extLst>
-            </a:blip>
-            <a:stretch>
-              <a:fillRect/>
-            </a:stretch>
-          </p:blipFill>
-          <p:spPr>
-            <a:xfrm>
-              <a:off x="10872379" y="3396066"/>
-              <a:ext cx="529386" cy="529386"/>
-            </a:xfrm>
-            <a:prstGeom prst="rect">
-              <a:avLst/>
-            </a:prstGeom>
-          </p:spPr>
-        </p:pic>
-      </p:grpSp>
-    </p:spTree>
-    <p:extLst>
-      <p:ext uri="{BB962C8B-B14F-4D97-AF65-F5344CB8AC3E}">
-        <p14:creationId xmlns:p14="http://schemas.microsoft.com/office/powerpoint/2010/main" val="3172185136"/>
-      </p:ext>
-    </p:extLst>
-  </p:cSld>
-  <p:clrMapOvr>
-    <a:masterClrMapping/>
-  </p:clrMapOvr>
-  <p:timing>
-    <p:tnLst>
-      <p:par>
-        <p:cTn id="1" dur="indefinite" restart="never" nodeType="tmRoot">
-          <p:childTnLst>
-            <p:seq concurrent="1" nextAc="seek">
-              <p:cTn id="2" dur="indefinite" nodeType="mainSeq">
-                <p:childTnLst>
-                  <p:par>
-                    <p:cTn id="3" fill="hold">
-                      <p:stCondLst>
-                        <p:cond delay="indefinite"/>
-                      </p:stCondLst>
-                      <p:childTnLst>
-                        <p:par>
-                          <p:cTn id="4" fill="hold">
-                            <p:stCondLst>
-                              <p:cond delay="0"/>
-                            </p:stCondLst>
-                            <p:childTnLst>
-                              <p:par>
-                                <p:cTn id="5" presetID="9" presetClass="entr" presetSubtype="0" fill="hold" grpId="0" nodeType="clickEffect">
-                                  <p:stCondLst>
-                                    <p:cond delay="0"/>
-                                  </p:stCondLst>
-                                  <p:childTnLst>
-                                    <p:set>
-                                      <p:cBhvr>
-                                        <p:cTn id="6" dur="1" fill="hold">
-                                          <p:stCondLst>
-                                            <p:cond delay="0"/>
-                                          </p:stCondLst>
-                                        </p:cTn>
-                                        <p:tgtEl>
-                                          <p:spTgt spid="66">
-                                            <p:txEl>
-                                              <p:pRg st="0" end="0"/>
-                                            </p:txEl>
-                                          </p:spTgt>
-                                        </p:tgtEl>
-                                        <p:attrNameLst>
-                                          <p:attrName>style.visibility</p:attrName>
-                                        </p:attrNameLst>
-                                      </p:cBhvr>
-                                      <p:to>
-                                        <p:strVal val="visible"/>
-                                      </p:to>
-                                    </p:set>
-                                    <p:animEffect transition="in" filter="dissolve">
-                                      <p:cBhvr>
-                                        <p:cTn id="7" dur="500"/>
-                                        <p:tgtEl>
-                                          <p:spTgt spid="66">
-                                            <p:txEl>
-                                              <p:pRg st="0" end="0"/>
-                                            </p:txEl>
-                                          </p:spTgt>
-                                        </p:tgtEl>
-                                      </p:cBhvr>
-                                    </p:animEffect>
-                                  </p:childTnLst>
-                                </p:cTn>
-                              </p:par>
-                            </p:childTnLst>
-                          </p:cTn>
-                        </p:par>
-                      </p:childTnLst>
-                    </p:cTn>
-                  </p:par>
-                  <p:par>
-                    <p:cTn id="8" fill="hold">
-                      <p:stCondLst>
-                        <p:cond delay="indefinite"/>
-                      </p:stCondLst>
-                      <p:childTnLst>
-                        <p:par>
-                          <p:cTn id="9" fill="hold">
-                            <p:stCondLst>
-                              <p:cond delay="0"/>
-                            </p:stCondLst>
-                            <p:childTnLst>
-                              <p:par>
-                                <p:cTn id="10" presetID="9" presetClass="exit" presetSubtype="0" fill="hold" grpId="1" nodeType="clickEffect">
-                                  <p:stCondLst>
-                                    <p:cond delay="0"/>
-                                  </p:stCondLst>
-                                  <p:childTnLst>
-                                    <p:animEffect transition="out" filter="dissolve">
-                                      <p:cBhvr>
-                                        <p:cTn id="11" dur="500"/>
-                                        <p:tgtEl>
-                                          <p:spTgt spid="66">
-                                            <p:txEl>
-                                              <p:pRg st="0" end="0"/>
-                                            </p:txEl>
-                                          </p:spTgt>
-                                        </p:tgtEl>
-                                      </p:cBhvr>
-                                    </p:animEffect>
-                                    <p:set>
-                                      <p:cBhvr>
-                                        <p:cTn id="12" dur="1" fill="hold">
-                                          <p:stCondLst>
-                                            <p:cond delay="499"/>
-                                          </p:stCondLst>
-                                        </p:cTn>
-                                        <p:tgtEl>
-                                          <p:spTgt spid="66">
-                                            <p:txEl>
-                                              <p:pRg st="0" end="0"/>
-                                            </p:txEl>
-                                          </p:spTgt>
-                                        </p:tgtEl>
-                                        <p:attrNameLst>
-                                          <p:attrName>style.visibility</p:attrName>
-                                        </p:attrNameLst>
-                                      </p:cBhvr>
-                                      <p:to>
-                                        <p:strVal val="hidden"/>
-                                      </p:to>
-                                    </p:set>
-                                  </p:childTnLst>
-                                </p:cTn>
-                              </p:par>
-                              <p:par>
-                                <p:cTn id="13" presetID="9" presetClass="entr" presetSubtype="0" fill="hold" grpId="0" nodeType="withEffect">
-                                  <p:stCondLst>
-                                    <p:cond delay="0"/>
-                                  </p:stCondLst>
-                                  <p:childTnLst>
-                                    <p:set>
-                                      <p:cBhvr>
-                                        <p:cTn id="14" dur="1" fill="hold">
-                                          <p:stCondLst>
-                                            <p:cond delay="0"/>
-                                          </p:stCondLst>
-                                        </p:cTn>
-                                        <p:tgtEl>
-                                          <p:spTgt spid="66">
-                                            <p:txEl>
-                                              <p:pRg st="1" end="1"/>
-                                            </p:txEl>
-                                          </p:spTgt>
-                                        </p:tgtEl>
-                                        <p:attrNameLst>
-                                          <p:attrName>style.visibility</p:attrName>
-                                        </p:attrNameLst>
-                                      </p:cBhvr>
-                                      <p:to>
-                                        <p:strVal val="visible"/>
-                                      </p:to>
-                                    </p:set>
-                                    <p:animEffect transition="in" filter="dissolve">
-                                      <p:cBhvr>
-                                        <p:cTn id="15" dur="500"/>
-                                        <p:tgtEl>
-                                          <p:spTgt spid="66">
-                                            <p:txEl>
-                                              <p:pRg st="1" end="1"/>
-                                            </p:txEl>
-                                          </p:spTgt>
-                                        </p:tgtEl>
-                                      </p:cBhvr>
-                                    </p:animEffect>
-                                  </p:childTnLst>
-                                </p:cTn>
-                              </p:par>
-                            </p:childTnLst>
-                          </p:cTn>
-                        </p:par>
-                      </p:childTnLst>
-                    </p:cTn>
-                  </p:par>
-                  <p:par>
-                    <p:cTn id="16" fill="hold">
-                      <p:stCondLst>
-                        <p:cond delay="indefinite"/>
-                      </p:stCondLst>
-                      <p:childTnLst>
-                        <p:par>
-                          <p:cTn id="17" fill="hold">
-                            <p:stCondLst>
-                              <p:cond delay="0"/>
-                            </p:stCondLst>
-                            <p:childTnLst>
-                              <p:par>
-                                <p:cTn id="18" presetID="9" presetClass="exit" presetSubtype="0" fill="hold" grpId="1" nodeType="clickEffect">
-                                  <p:stCondLst>
-                                    <p:cond delay="0"/>
-                                  </p:stCondLst>
-                                  <p:childTnLst>
-                                    <p:animEffect transition="out" filter="dissolve">
-                                      <p:cBhvr>
-                                        <p:cTn id="19" dur="500"/>
-                                        <p:tgtEl>
-                                          <p:spTgt spid="66">
-                                            <p:txEl>
-                                              <p:pRg st="1" end="1"/>
-                                            </p:txEl>
-                                          </p:spTgt>
-                                        </p:tgtEl>
-                                      </p:cBhvr>
-                                    </p:animEffect>
-                                    <p:set>
-                                      <p:cBhvr>
-                                        <p:cTn id="20" dur="1" fill="hold">
-                                          <p:stCondLst>
-                                            <p:cond delay="499"/>
-                                          </p:stCondLst>
-                                        </p:cTn>
-                                        <p:tgtEl>
-                                          <p:spTgt spid="66">
-                                            <p:txEl>
-                                              <p:pRg st="1" end="1"/>
-                                            </p:txEl>
-                                          </p:spTgt>
-                                        </p:tgtEl>
-                                        <p:attrNameLst>
-                                          <p:attrName>style.visibility</p:attrName>
-                                        </p:attrNameLst>
-                                      </p:cBhvr>
-                                      <p:to>
-                                        <p:strVal val="hidden"/>
-                                      </p:to>
-                                    </p:set>
-                                  </p:childTnLst>
-                                </p:cTn>
-                              </p:par>
-                              <p:par>
-                                <p:cTn id="21" presetID="9" presetClass="entr" presetSubtype="0" fill="hold" grpId="0" nodeType="withEffect">
-                                  <p:stCondLst>
-                                    <p:cond delay="0"/>
-                                  </p:stCondLst>
-                                  <p:childTnLst>
-                                    <p:set>
-                                      <p:cBhvr>
-                                        <p:cTn id="22" dur="1" fill="hold">
-                                          <p:stCondLst>
-                                            <p:cond delay="0"/>
-                                          </p:stCondLst>
-                                        </p:cTn>
-                                        <p:tgtEl>
-                                          <p:spTgt spid="66">
-                                            <p:txEl>
-                                              <p:pRg st="2" end="2"/>
-                                            </p:txEl>
-                                          </p:spTgt>
-                                        </p:tgtEl>
-                                        <p:attrNameLst>
-                                          <p:attrName>style.visibility</p:attrName>
-                                        </p:attrNameLst>
-                                      </p:cBhvr>
-                                      <p:to>
-                                        <p:strVal val="visible"/>
-                                      </p:to>
-                                    </p:set>
-                                    <p:animEffect transition="in" filter="dissolve">
-                                      <p:cBhvr>
-                                        <p:cTn id="23" dur="500"/>
-                                        <p:tgtEl>
-                                          <p:spTgt spid="66">
-                                            <p:txEl>
-                                              <p:pRg st="2" end="2"/>
-                                            </p:txEl>
-                                          </p:spTgt>
-                                        </p:tgtEl>
-                                      </p:cBhvr>
-                                    </p:animEffect>
-                                  </p:childTnLst>
-                                </p:cTn>
-                              </p:par>
-                            </p:childTnLst>
-                          </p:cTn>
-                        </p:par>
-                      </p:childTnLst>
-                    </p:cTn>
-                  </p:par>
-                </p:childTnLst>
-              </p:cTn>
-              <p:prevCondLst>
-                <p:cond evt="onPrev" delay="0">
-                  <p:tgtEl>
-                    <p:sldTgt/>
-                  </p:tgtEl>
-                </p:cond>
-              </p:prevCondLst>
-              <p:nextCondLst>
-                <p:cond evt="onNext" delay="0">
-                  <p:tgtEl>
-                    <p:sldTgt/>
-                  </p:tgtEl>
-                </p:cond>
-              </p:nextCondLst>
-            </p:seq>
-          </p:childTnLst>
-        </p:cTn>
-      </p:par>
-    </p:tnLst>
-    <p:bldLst>
-      <p:bldP spid="66" grpId="0" uiExpand="1" build="p"/>
-      <p:bldP spid="66" grpId="1" uiExpand="1" build="p"/>
-    </p:bldLst>
-  </p:timing>
-</p:sld>
-</file>
-
 <file path=ppt/slides/slide2.xml><?xml version="1.0" encoding="utf-8"?>
 <p:sld xmlns:a="http://schemas.openxmlformats.org/drawingml/2006/main" xmlns:r="http://schemas.openxmlformats.org/officeDocument/2006/relationships" xmlns:p="http://schemas.openxmlformats.org/presentationml/2006/main">
   <p:cSld>
@@ -15006,13 +15660,13 @@
         </p:nvSpPr>
         <p:spPr>
           <a:xfrm>
-            <a:off x="1861473" y="365037"/>
+            <a:off x="3635679" y="365037"/>
             <a:ext cx="8589364" cy="1005811"/>
           </a:xfrm>
         </p:spPr>
         <p:txBody>
           <a:bodyPr>
-            <a:normAutofit/>
+            <a:normAutofit fontScale="90000"/>
           </a:bodyPr>
           <a:lstStyle/>
           <a:p>
@@ -15028,7 +15682,45 @@
                   </a:outerShdw>
                 </a:effectLst>
               </a:rPr>
-              <a:t>segurança</a:t>
+              <a:t>Arquitetura </a:t>
+            </a:r>
+            <a:r>
+              <a:rPr lang="pt-BR" b="1" dirty="0" err="1">
+                <a:solidFill>
+                  <a:schemeClr val="bg1"/>
+                </a:solidFill>
+                <a:effectLst>
+                  <a:outerShdw blurRad="228600" dist="50800" dir="5400000" algn="ctr" rotWithShape="0">
+                    <a:schemeClr val="tx1"/>
+                  </a:outerShdw>
+                </a:effectLst>
+              </a:rPr>
+              <a:t>peer-to-peer</a:t>
+            </a:r>
+            <a:br>
+              <a:rPr lang="pt-BR" b="1" dirty="0">
+                <a:solidFill>
+                  <a:schemeClr val="bg1"/>
+                </a:solidFill>
+                <a:effectLst>
+                  <a:outerShdw blurRad="228600" dist="50800" dir="5400000" algn="ctr" rotWithShape="0">
+                    <a:schemeClr val="tx1"/>
+                  </a:outerShdw>
+                </a:effectLst>
+              </a:rPr>
+            </a:br>
+            <a:r>
+              <a:rPr lang="pt-BR" b="1" dirty="0">
+                <a:solidFill>
+                  <a:schemeClr val="bg1"/>
+                </a:solidFill>
+                <a:effectLst>
+                  <a:outerShdw blurRad="228600" dist="50800" dir="5400000" algn="ctr" rotWithShape="0">
+                    <a:schemeClr val="tx1"/>
+                  </a:outerShdw>
+                </a:effectLst>
+              </a:rPr>
+              <a:t>(p2p, ponto-a-ponto)</a:t>
             </a:r>
             <a:endParaRPr lang="pt-BR" dirty="0">
               <a:solidFill>
@@ -15073,42 +15765,19 @@
           <a:p>
             <a:r>
               <a:rPr lang="pt-BR" sz="2800" dirty="0"/>
-              <a:t>A comunicação pode ser criptografada fim-a-fim</a:t>
+              <a:t>No caso de chamadas de voz e vídeo, normalmente é utilizado UDP como protocolo de transporte que não garante entrega</a:t>
             </a:r>
           </a:p>
           <a:p>
             <a:r>
               <a:rPr lang="pt-BR" sz="2800" dirty="0"/>
-              <a:t>Neste caso, somente o emissor e receptor podem </a:t>
-            </a:r>
-            <a:r>
-              <a:rPr lang="pt-BR" sz="2800" dirty="0" err="1"/>
-              <a:t>descriptografar</a:t>
-            </a:r>
-            <a:endParaRPr lang="pt-BR" sz="2800" dirty="0"/>
+              <a:t>Se um pacote de voz for perdido, isto não afeta a qualidade da conversa</a:t>
+            </a:r>
           </a:p>
           <a:p>
             <a:r>
               <a:rPr lang="pt-BR" sz="2800" dirty="0"/>
-              <a:t>O WhatsApp utiliza tal recurso, sendo que nem mesmo a empresa pode ler as </a:t>
-            </a:r>
-            <a:r>
-              <a:rPr lang="pt-BR" sz="2800" dirty="0" err="1"/>
-              <a:t>msgs</a:t>
-            </a:r>
-            <a:r>
-              <a:rPr lang="pt-BR" sz="2800" dirty="0"/>
-              <a:t> dos usuários </a:t>
-            </a:r>
-            <a:r>
-              <a:rPr lang="pt-BR" sz="2800" dirty="0">
-                <a:hlinkClick r:id="rId2"/>
-              </a:rPr>
-              <a:t>https://youtu.be/8PW3O2mqTn8</a:t>
-            </a:r>
-            <a:r>
-              <a:rPr lang="pt-BR" sz="2800" dirty="0"/>
-              <a:t> </a:t>
+              <a:t>Se a perda for grande, vai tornar a comunicação difícil</a:t>
             </a:r>
           </a:p>
         </p:txBody>
@@ -15137,6 +15806,826 @@
             <a:fld id="{2183B7EE-0FBE-B749-875F-ED24F5ECD71F}" type="slidenum">
               <a:rPr lang="en-US" smtClean="0"/>
               <a:t>20</a:t>
+            </a:fld>
+            <a:endParaRPr lang="en-US" dirty="0"/>
+          </a:p>
+        </p:txBody>
+      </p:sp>
+      <p:grpSp>
+        <p:nvGrpSpPr>
+          <p:cNvPr id="11" name="Group 10">
+            <a:extLst>
+              <a:ext uri="{FF2B5EF4-FFF2-40B4-BE49-F238E27FC236}">
+                <a16:creationId xmlns:a16="http://schemas.microsoft.com/office/drawing/2014/main" id="{30227624-EE6B-4541-8524-0E247FB476DD}"/>
+              </a:ext>
+            </a:extLst>
+          </p:cNvPr>
+          <p:cNvGrpSpPr/>
+          <p:nvPr/>
+        </p:nvGrpSpPr>
+        <p:grpSpPr>
+          <a:xfrm>
+            <a:off x="9466457" y="1823456"/>
+            <a:ext cx="2601994" cy="4373089"/>
+            <a:chOff x="9451467" y="2228188"/>
+            <a:chExt cx="2601994" cy="4373089"/>
+          </a:xfrm>
+        </p:grpSpPr>
+        <p:pic>
+          <p:nvPicPr>
+            <p:cNvPr id="12" name="Picture 11" descr="An open computer sitting on a table&#13;&#10;&#13;&#10;Description automatically generated">
+              <a:extLst>
+                <a:ext uri="{FF2B5EF4-FFF2-40B4-BE49-F238E27FC236}">
+                  <a16:creationId xmlns:a16="http://schemas.microsoft.com/office/drawing/2014/main" id="{ABFDDB4A-2D68-3146-AC99-F90C4FE4CD7D}"/>
+                </a:ext>
+              </a:extLst>
+            </p:cNvPr>
+            <p:cNvPicPr>
+              <a:picLocks noChangeAspect="1"/>
+            </p:cNvPicPr>
+            <p:nvPr/>
+          </p:nvPicPr>
+          <p:blipFill>
+            <a:blip r:embed="rId2"/>
+            <a:stretch>
+              <a:fillRect/>
+            </a:stretch>
+          </p:blipFill>
+          <p:spPr>
+            <a:xfrm>
+              <a:off x="10403734" y="5672758"/>
+              <a:ext cx="671808" cy="516876"/>
+            </a:xfrm>
+            <a:prstGeom prst="rect">
+              <a:avLst/>
+            </a:prstGeom>
+          </p:spPr>
+        </p:pic>
+        <p:pic>
+          <p:nvPicPr>
+            <p:cNvPr id="13" name="Picture 12" descr="Screen of a cell phone&#13;&#10;&#13;&#10;Description automatically generated">
+              <a:extLst>
+                <a:ext uri="{FF2B5EF4-FFF2-40B4-BE49-F238E27FC236}">
+                  <a16:creationId xmlns:a16="http://schemas.microsoft.com/office/drawing/2014/main" id="{0046F209-F0F7-7749-BD16-20D9EE597AE3}"/>
+                </a:ext>
+              </a:extLst>
+            </p:cNvPr>
+            <p:cNvPicPr>
+              <a:picLocks noChangeAspect="1"/>
+            </p:cNvPicPr>
+            <p:nvPr/>
+          </p:nvPicPr>
+          <p:blipFill>
+            <a:blip r:embed="rId3"/>
+            <a:stretch>
+              <a:fillRect/>
+            </a:stretch>
+          </p:blipFill>
+          <p:spPr>
+            <a:xfrm>
+              <a:off x="10616173" y="2228188"/>
+              <a:ext cx="180695" cy="361393"/>
+            </a:xfrm>
+            <a:prstGeom prst="rect">
+              <a:avLst/>
+            </a:prstGeom>
+          </p:spPr>
+        </p:pic>
+        <p:sp>
+          <p:nvSpPr>
+            <p:cNvPr id="14" name="TextBox 13">
+              <a:extLst>
+                <a:ext uri="{FF2B5EF4-FFF2-40B4-BE49-F238E27FC236}">
+                  <a16:creationId xmlns:a16="http://schemas.microsoft.com/office/drawing/2014/main" id="{BFF4F7B4-73EA-3B45-8EBE-497DB9631F24}"/>
+                </a:ext>
+              </a:extLst>
+            </p:cNvPr>
+            <p:cNvSpPr txBox="1"/>
+            <p:nvPr/>
+          </p:nvSpPr>
+          <p:spPr>
+            <a:xfrm>
+              <a:off x="9509178" y="2688873"/>
+              <a:ext cx="2460931" cy="369332"/>
+            </a:xfrm>
+            <a:prstGeom prst="rect">
+              <a:avLst/>
+            </a:prstGeom>
+            <a:noFill/>
+          </p:spPr>
+          <p:txBody>
+            <a:bodyPr vert="horz" wrap="none" rtlCol="0">
+              <a:spAutoFit/>
+            </a:bodyPr>
+            <a:lstStyle/>
+            <a:p>
+              <a:pPr algn="ctr"/>
+              <a:r>
+                <a:rPr lang="en-US" dirty="0"/>
+                <a:t>joão@servidor1.com</a:t>
+              </a:r>
+              <a:endParaRPr lang="pt-BR" sz="1600" b="1" dirty="0"/>
+            </a:p>
+          </p:txBody>
+        </p:sp>
+        <p:sp>
+          <p:nvSpPr>
+            <p:cNvPr id="15" name="TextBox 14">
+              <a:extLst>
+                <a:ext uri="{FF2B5EF4-FFF2-40B4-BE49-F238E27FC236}">
+                  <a16:creationId xmlns:a16="http://schemas.microsoft.com/office/drawing/2014/main" id="{F8A4B86C-554B-A540-87C7-70EFE90A29BD}"/>
+                </a:ext>
+              </a:extLst>
+            </p:cNvPr>
+            <p:cNvSpPr txBox="1"/>
+            <p:nvPr/>
+          </p:nvSpPr>
+          <p:spPr>
+            <a:xfrm>
+              <a:off x="9451467" y="6231945"/>
+              <a:ext cx="2601994" cy="369332"/>
+            </a:xfrm>
+            <a:prstGeom prst="rect">
+              <a:avLst/>
+            </a:prstGeom>
+            <a:noFill/>
+          </p:spPr>
+          <p:txBody>
+            <a:bodyPr vert="horz" wrap="none" rtlCol="0">
+              <a:spAutoFit/>
+            </a:bodyPr>
+            <a:lstStyle/>
+            <a:p>
+              <a:pPr algn="ctr"/>
+              <a:r>
+                <a:rPr lang="en-US" dirty="0"/>
+                <a:t>maria@servidor2.com</a:t>
+              </a:r>
+              <a:endParaRPr lang="pt-BR" sz="1600" b="1" dirty="0"/>
+            </a:p>
+          </p:txBody>
+        </p:sp>
+        <p:cxnSp>
+          <p:nvCxnSpPr>
+            <p:cNvPr id="16" name="Curved Connector 15">
+              <a:extLst>
+                <a:ext uri="{FF2B5EF4-FFF2-40B4-BE49-F238E27FC236}">
+                  <a16:creationId xmlns:a16="http://schemas.microsoft.com/office/drawing/2014/main" id="{2950E4E6-D813-EE41-9227-52A96521E923}"/>
+                </a:ext>
+              </a:extLst>
+            </p:cNvPr>
+            <p:cNvCxnSpPr>
+              <a:cxnSpLocks/>
+              <a:stCxn id="14" idx="2"/>
+              <a:endCxn id="12" idx="0"/>
+            </p:cNvCxnSpPr>
+            <p:nvPr/>
+          </p:nvCxnSpPr>
+          <p:spPr>
+            <a:xfrm rot="5400000">
+              <a:off x="9432365" y="4365478"/>
+              <a:ext cx="2614553" cy="6"/>
+            </a:xfrm>
+            <a:prstGeom prst="curvedConnector3">
+              <a:avLst>
+                <a:gd name="adj1" fmla="val 50000"/>
+              </a:avLst>
+            </a:prstGeom>
+            <a:ln w="34925">
+              <a:solidFill>
+                <a:srgbClr val="00B0F0"/>
+              </a:solidFill>
+              <a:headEnd type="triangle"/>
+              <a:tailEnd type="triangle"/>
+            </a:ln>
+          </p:spPr>
+          <p:style>
+            <a:lnRef idx="1">
+              <a:schemeClr val="accent1"/>
+            </a:lnRef>
+            <a:fillRef idx="0">
+              <a:schemeClr val="accent1"/>
+            </a:fillRef>
+            <a:effectRef idx="0">
+              <a:schemeClr val="accent1"/>
+            </a:effectRef>
+            <a:fontRef idx="minor">
+              <a:schemeClr val="tx1"/>
+            </a:fontRef>
+          </p:style>
+        </p:cxnSp>
+      </p:grpSp>
+      <p:grpSp>
+        <p:nvGrpSpPr>
+          <p:cNvPr id="17" name="Group 16">
+            <a:extLst>
+              <a:ext uri="{FF2B5EF4-FFF2-40B4-BE49-F238E27FC236}">
+                <a16:creationId xmlns:a16="http://schemas.microsoft.com/office/drawing/2014/main" id="{A0B742D1-489E-B046-9A79-9C35191862CB}"/>
+              </a:ext>
+            </a:extLst>
+          </p:cNvPr>
+          <p:cNvGrpSpPr/>
+          <p:nvPr/>
+        </p:nvGrpSpPr>
+        <p:grpSpPr>
+          <a:xfrm>
+            <a:off x="10190414" y="3396066"/>
+            <a:ext cx="1211351" cy="1088250"/>
+            <a:chOff x="10190414" y="3396066"/>
+            <a:chExt cx="1211351" cy="1088250"/>
+          </a:xfrm>
+        </p:grpSpPr>
+        <p:pic>
+          <p:nvPicPr>
+            <p:cNvPr id="18" name="Picture 17" descr="A close up of a logo&#10;&#10;Description automatically generated">
+              <a:extLst>
+                <a:ext uri="{FF2B5EF4-FFF2-40B4-BE49-F238E27FC236}">
+                  <a16:creationId xmlns:a16="http://schemas.microsoft.com/office/drawing/2014/main" id="{AA16C49B-6940-1E48-8F08-3B6EC0D24A54}"/>
+                </a:ext>
+              </a:extLst>
+            </p:cNvPr>
+            <p:cNvPicPr>
+              <a:picLocks noChangeAspect="1"/>
+            </p:cNvPicPr>
+            <p:nvPr/>
+          </p:nvPicPr>
+          <p:blipFill>
+            <a:blip r:embed="rId4">
+              <a:extLst>
+                <a:ext uri="{837473B0-CC2E-450A-ABE3-18F120FF3D39}">
+                  <a1611:picAttrSrcUrl xmlns:a1611="http://schemas.microsoft.com/office/drawing/2016/11/main" r:id="rId5"/>
+                </a:ext>
+              </a:extLst>
+            </a:blip>
+            <a:stretch>
+              <a:fillRect/>
+            </a:stretch>
+          </p:blipFill>
+          <p:spPr>
+            <a:xfrm>
+              <a:off x="10190414" y="3670162"/>
+              <a:ext cx="529386" cy="529386"/>
+            </a:xfrm>
+            <a:prstGeom prst="rect">
+              <a:avLst/>
+            </a:prstGeom>
+          </p:spPr>
+        </p:pic>
+        <p:pic>
+          <p:nvPicPr>
+            <p:cNvPr id="19" name="Picture 18">
+              <a:extLst>
+                <a:ext uri="{FF2B5EF4-FFF2-40B4-BE49-F238E27FC236}">
+                  <a16:creationId xmlns:a16="http://schemas.microsoft.com/office/drawing/2014/main" id="{064EA254-55CA-824B-8204-F6B3C19833D5}"/>
+                </a:ext>
+              </a:extLst>
+            </p:cNvPr>
+            <p:cNvPicPr>
+              <a:picLocks noChangeAspect="1"/>
+            </p:cNvPicPr>
+            <p:nvPr/>
+          </p:nvPicPr>
+          <p:blipFill>
+            <a:blip r:embed="rId6">
+              <a:extLst>
+                <a:ext uri="{837473B0-CC2E-450A-ABE3-18F120FF3D39}">
+                  <a1611:picAttrSrcUrl xmlns:a1611="http://schemas.microsoft.com/office/drawing/2016/11/main" r:id="rId7"/>
+                </a:ext>
+              </a:extLst>
+            </a:blip>
+            <a:stretch>
+              <a:fillRect/>
+            </a:stretch>
+          </p:blipFill>
+          <p:spPr>
+            <a:xfrm>
+              <a:off x="10857629" y="3954972"/>
+              <a:ext cx="529344" cy="529344"/>
+            </a:xfrm>
+            <a:prstGeom prst="rect">
+              <a:avLst/>
+            </a:prstGeom>
+          </p:spPr>
+        </p:pic>
+        <p:pic>
+          <p:nvPicPr>
+            <p:cNvPr id="20" name="Picture 19">
+              <a:extLst>
+                <a:ext uri="{FF2B5EF4-FFF2-40B4-BE49-F238E27FC236}">
+                  <a16:creationId xmlns:a16="http://schemas.microsoft.com/office/drawing/2014/main" id="{AC05F15F-1717-0C42-9851-64EADD11E0C3}"/>
+                </a:ext>
+              </a:extLst>
+            </p:cNvPr>
+            <p:cNvPicPr>
+              <a:picLocks noChangeAspect="1"/>
+            </p:cNvPicPr>
+            <p:nvPr/>
+          </p:nvPicPr>
+          <p:blipFill>
+            <a:blip r:embed="rId8">
+              <a:extLst>
+                <a:ext uri="{837473B0-CC2E-450A-ABE3-18F120FF3D39}">
+                  <a1611:picAttrSrcUrl xmlns:a1611="http://schemas.microsoft.com/office/drawing/2016/11/main" r:id="rId9"/>
+                </a:ext>
+              </a:extLst>
+            </a:blip>
+            <a:stretch>
+              <a:fillRect/>
+            </a:stretch>
+          </p:blipFill>
+          <p:spPr>
+            <a:xfrm>
+              <a:off x="10872379" y="3396066"/>
+              <a:ext cx="529386" cy="529386"/>
+            </a:xfrm>
+            <a:prstGeom prst="rect">
+              <a:avLst/>
+            </a:prstGeom>
+          </p:spPr>
+        </p:pic>
+      </p:grpSp>
+    </p:spTree>
+    <p:extLst>
+      <p:ext uri="{BB962C8B-B14F-4D97-AF65-F5344CB8AC3E}">
+        <p14:creationId xmlns:p14="http://schemas.microsoft.com/office/powerpoint/2010/main" val="3172185136"/>
+      </p:ext>
+    </p:extLst>
+  </p:cSld>
+  <p:clrMapOvr>
+    <a:masterClrMapping/>
+  </p:clrMapOvr>
+  <p:timing>
+    <p:tnLst>
+      <p:par>
+        <p:cTn id="1" dur="indefinite" restart="never" nodeType="tmRoot">
+          <p:childTnLst>
+            <p:seq concurrent="1" nextAc="seek">
+              <p:cTn id="2" dur="indefinite" nodeType="mainSeq">
+                <p:childTnLst>
+                  <p:par>
+                    <p:cTn id="3" fill="hold">
+                      <p:stCondLst>
+                        <p:cond delay="indefinite"/>
+                      </p:stCondLst>
+                      <p:childTnLst>
+                        <p:par>
+                          <p:cTn id="4" fill="hold">
+                            <p:stCondLst>
+                              <p:cond delay="0"/>
+                            </p:stCondLst>
+                            <p:childTnLst>
+                              <p:par>
+                                <p:cTn id="5" presetID="9" presetClass="entr" presetSubtype="0" fill="hold" grpId="0" nodeType="clickEffect">
+                                  <p:stCondLst>
+                                    <p:cond delay="0"/>
+                                  </p:stCondLst>
+                                  <p:childTnLst>
+                                    <p:set>
+                                      <p:cBhvr>
+                                        <p:cTn id="6" dur="1" fill="hold">
+                                          <p:stCondLst>
+                                            <p:cond delay="0"/>
+                                          </p:stCondLst>
+                                        </p:cTn>
+                                        <p:tgtEl>
+                                          <p:spTgt spid="66">
+                                            <p:txEl>
+                                              <p:pRg st="0" end="0"/>
+                                            </p:txEl>
+                                          </p:spTgt>
+                                        </p:tgtEl>
+                                        <p:attrNameLst>
+                                          <p:attrName>style.visibility</p:attrName>
+                                        </p:attrNameLst>
+                                      </p:cBhvr>
+                                      <p:to>
+                                        <p:strVal val="visible"/>
+                                      </p:to>
+                                    </p:set>
+                                    <p:animEffect transition="in" filter="dissolve">
+                                      <p:cBhvr>
+                                        <p:cTn id="7" dur="500"/>
+                                        <p:tgtEl>
+                                          <p:spTgt spid="66">
+                                            <p:txEl>
+                                              <p:pRg st="0" end="0"/>
+                                            </p:txEl>
+                                          </p:spTgt>
+                                        </p:tgtEl>
+                                      </p:cBhvr>
+                                    </p:animEffect>
+                                  </p:childTnLst>
+                                </p:cTn>
+                              </p:par>
+                            </p:childTnLst>
+                          </p:cTn>
+                        </p:par>
+                      </p:childTnLst>
+                    </p:cTn>
+                  </p:par>
+                  <p:par>
+                    <p:cTn id="8" fill="hold">
+                      <p:stCondLst>
+                        <p:cond delay="indefinite"/>
+                      </p:stCondLst>
+                      <p:childTnLst>
+                        <p:par>
+                          <p:cTn id="9" fill="hold">
+                            <p:stCondLst>
+                              <p:cond delay="0"/>
+                            </p:stCondLst>
+                            <p:childTnLst>
+                              <p:par>
+                                <p:cTn id="10" presetID="9" presetClass="exit" presetSubtype="0" fill="hold" grpId="1" nodeType="clickEffect">
+                                  <p:stCondLst>
+                                    <p:cond delay="0"/>
+                                  </p:stCondLst>
+                                  <p:childTnLst>
+                                    <p:animEffect transition="out" filter="dissolve">
+                                      <p:cBhvr>
+                                        <p:cTn id="11" dur="500"/>
+                                        <p:tgtEl>
+                                          <p:spTgt spid="66">
+                                            <p:txEl>
+                                              <p:pRg st="0" end="0"/>
+                                            </p:txEl>
+                                          </p:spTgt>
+                                        </p:tgtEl>
+                                      </p:cBhvr>
+                                    </p:animEffect>
+                                    <p:set>
+                                      <p:cBhvr>
+                                        <p:cTn id="12" dur="1" fill="hold">
+                                          <p:stCondLst>
+                                            <p:cond delay="499"/>
+                                          </p:stCondLst>
+                                        </p:cTn>
+                                        <p:tgtEl>
+                                          <p:spTgt spid="66">
+                                            <p:txEl>
+                                              <p:pRg st="0" end="0"/>
+                                            </p:txEl>
+                                          </p:spTgt>
+                                        </p:tgtEl>
+                                        <p:attrNameLst>
+                                          <p:attrName>style.visibility</p:attrName>
+                                        </p:attrNameLst>
+                                      </p:cBhvr>
+                                      <p:to>
+                                        <p:strVal val="hidden"/>
+                                      </p:to>
+                                    </p:set>
+                                  </p:childTnLst>
+                                </p:cTn>
+                              </p:par>
+                              <p:par>
+                                <p:cTn id="13" presetID="9" presetClass="entr" presetSubtype="0" fill="hold" grpId="0" nodeType="withEffect">
+                                  <p:stCondLst>
+                                    <p:cond delay="0"/>
+                                  </p:stCondLst>
+                                  <p:childTnLst>
+                                    <p:set>
+                                      <p:cBhvr>
+                                        <p:cTn id="14" dur="1" fill="hold">
+                                          <p:stCondLst>
+                                            <p:cond delay="0"/>
+                                          </p:stCondLst>
+                                        </p:cTn>
+                                        <p:tgtEl>
+                                          <p:spTgt spid="66">
+                                            <p:txEl>
+                                              <p:pRg st="1" end="1"/>
+                                            </p:txEl>
+                                          </p:spTgt>
+                                        </p:tgtEl>
+                                        <p:attrNameLst>
+                                          <p:attrName>style.visibility</p:attrName>
+                                        </p:attrNameLst>
+                                      </p:cBhvr>
+                                      <p:to>
+                                        <p:strVal val="visible"/>
+                                      </p:to>
+                                    </p:set>
+                                    <p:animEffect transition="in" filter="dissolve">
+                                      <p:cBhvr>
+                                        <p:cTn id="15" dur="500"/>
+                                        <p:tgtEl>
+                                          <p:spTgt spid="66">
+                                            <p:txEl>
+                                              <p:pRg st="1" end="1"/>
+                                            </p:txEl>
+                                          </p:spTgt>
+                                        </p:tgtEl>
+                                      </p:cBhvr>
+                                    </p:animEffect>
+                                  </p:childTnLst>
+                                </p:cTn>
+                              </p:par>
+                            </p:childTnLst>
+                          </p:cTn>
+                        </p:par>
+                      </p:childTnLst>
+                    </p:cTn>
+                  </p:par>
+                  <p:par>
+                    <p:cTn id="16" fill="hold">
+                      <p:stCondLst>
+                        <p:cond delay="indefinite"/>
+                      </p:stCondLst>
+                      <p:childTnLst>
+                        <p:par>
+                          <p:cTn id="17" fill="hold">
+                            <p:stCondLst>
+                              <p:cond delay="0"/>
+                            </p:stCondLst>
+                            <p:childTnLst>
+                              <p:par>
+                                <p:cTn id="18" presetID="9" presetClass="exit" presetSubtype="0" fill="hold" grpId="1" nodeType="clickEffect">
+                                  <p:stCondLst>
+                                    <p:cond delay="0"/>
+                                  </p:stCondLst>
+                                  <p:childTnLst>
+                                    <p:animEffect transition="out" filter="dissolve">
+                                      <p:cBhvr>
+                                        <p:cTn id="19" dur="500"/>
+                                        <p:tgtEl>
+                                          <p:spTgt spid="66">
+                                            <p:txEl>
+                                              <p:pRg st="1" end="1"/>
+                                            </p:txEl>
+                                          </p:spTgt>
+                                        </p:tgtEl>
+                                      </p:cBhvr>
+                                    </p:animEffect>
+                                    <p:set>
+                                      <p:cBhvr>
+                                        <p:cTn id="20" dur="1" fill="hold">
+                                          <p:stCondLst>
+                                            <p:cond delay="499"/>
+                                          </p:stCondLst>
+                                        </p:cTn>
+                                        <p:tgtEl>
+                                          <p:spTgt spid="66">
+                                            <p:txEl>
+                                              <p:pRg st="1" end="1"/>
+                                            </p:txEl>
+                                          </p:spTgt>
+                                        </p:tgtEl>
+                                        <p:attrNameLst>
+                                          <p:attrName>style.visibility</p:attrName>
+                                        </p:attrNameLst>
+                                      </p:cBhvr>
+                                      <p:to>
+                                        <p:strVal val="hidden"/>
+                                      </p:to>
+                                    </p:set>
+                                  </p:childTnLst>
+                                </p:cTn>
+                              </p:par>
+                              <p:par>
+                                <p:cTn id="21" presetID="9" presetClass="entr" presetSubtype="0" fill="hold" grpId="0" nodeType="withEffect">
+                                  <p:stCondLst>
+                                    <p:cond delay="0"/>
+                                  </p:stCondLst>
+                                  <p:childTnLst>
+                                    <p:set>
+                                      <p:cBhvr>
+                                        <p:cTn id="22" dur="1" fill="hold">
+                                          <p:stCondLst>
+                                            <p:cond delay="0"/>
+                                          </p:stCondLst>
+                                        </p:cTn>
+                                        <p:tgtEl>
+                                          <p:spTgt spid="66">
+                                            <p:txEl>
+                                              <p:pRg st="2" end="2"/>
+                                            </p:txEl>
+                                          </p:spTgt>
+                                        </p:tgtEl>
+                                        <p:attrNameLst>
+                                          <p:attrName>style.visibility</p:attrName>
+                                        </p:attrNameLst>
+                                      </p:cBhvr>
+                                      <p:to>
+                                        <p:strVal val="visible"/>
+                                      </p:to>
+                                    </p:set>
+                                    <p:animEffect transition="in" filter="dissolve">
+                                      <p:cBhvr>
+                                        <p:cTn id="23" dur="500"/>
+                                        <p:tgtEl>
+                                          <p:spTgt spid="66">
+                                            <p:txEl>
+                                              <p:pRg st="2" end="2"/>
+                                            </p:txEl>
+                                          </p:spTgt>
+                                        </p:tgtEl>
+                                      </p:cBhvr>
+                                    </p:animEffect>
+                                  </p:childTnLst>
+                                </p:cTn>
+                              </p:par>
+                            </p:childTnLst>
+                          </p:cTn>
+                        </p:par>
+                      </p:childTnLst>
+                    </p:cTn>
+                  </p:par>
+                </p:childTnLst>
+              </p:cTn>
+              <p:prevCondLst>
+                <p:cond evt="onPrev" delay="0">
+                  <p:tgtEl>
+                    <p:sldTgt/>
+                  </p:tgtEl>
+                </p:cond>
+              </p:prevCondLst>
+              <p:nextCondLst>
+                <p:cond evt="onNext" delay="0">
+                  <p:tgtEl>
+                    <p:sldTgt/>
+                  </p:tgtEl>
+                </p:cond>
+              </p:nextCondLst>
+            </p:seq>
+          </p:childTnLst>
+        </p:cTn>
+      </p:par>
+    </p:tnLst>
+    <p:bldLst>
+      <p:bldP spid="66" grpId="0" uiExpand="1" build="p"/>
+      <p:bldP spid="66" grpId="1" uiExpand="1" build="p"/>
+    </p:bldLst>
+  </p:timing>
+</p:sld>
+</file>
+
+<file path=ppt/slides/slide21.xml><?xml version="1.0" encoding="utf-8"?>
+<p:sld xmlns:a="http://schemas.openxmlformats.org/drawingml/2006/main" xmlns:r="http://schemas.openxmlformats.org/officeDocument/2006/relationships" xmlns:p="http://schemas.openxmlformats.org/presentationml/2006/main">
+  <p:cSld>
+    <p:spTree>
+      <p:nvGrpSpPr>
+        <p:cNvPr id="1" name=""/>
+        <p:cNvGrpSpPr/>
+        <p:nvPr/>
+      </p:nvGrpSpPr>
+      <p:grpSpPr>
+        <a:xfrm>
+          <a:off x="0" y="0"/>
+          <a:ext cx="0" cy="0"/>
+          <a:chOff x="0" y="0"/>
+          <a:chExt cx="0" cy="0"/>
+        </a:xfrm>
+      </p:grpSpPr>
+      <p:sp>
+        <p:nvSpPr>
+          <p:cNvPr id="2" name="Title 1">
+            <a:extLst>
+              <a:ext uri="{FF2B5EF4-FFF2-40B4-BE49-F238E27FC236}">
+                <a16:creationId xmlns:a16="http://schemas.microsoft.com/office/drawing/2014/main" id="{58204B45-BA2F-544A-ADBD-2B584480C63E}"/>
+              </a:ext>
+            </a:extLst>
+          </p:cNvPr>
+          <p:cNvSpPr>
+            <a:spLocks noGrp="1"/>
+          </p:cNvSpPr>
+          <p:nvPr>
+            <p:ph type="title"/>
+          </p:nvPr>
+        </p:nvSpPr>
+        <p:spPr>
+          <a:xfrm>
+            <a:off x="1861473" y="365037"/>
+            <a:ext cx="8589364" cy="1005811"/>
+          </a:xfrm>
+        </p:spPr>
+        <p:txBody>
+          <a:bodyPr>
+            <a:normAutofit/>
+          </a:bodyPr>
+          <a:lstStyle/>
+          <a:p>
+            <a:pPr algn="ctr"/>
+            <a:r>
+              <a:rPr lang="pt-BR" b="1" dirty="0">
+                <a:solidFill>
+                  <a:schemeClr val="bg1"/>
+                </a:solidFill>
+                <a:effectLst>
+                  <a:outerShdw blurRad="228600" dist="50800" dir="5400000" algn="ctr" rotWithShape="0">
+                    <a:schemeClr val="tx1"/>
+                  </a:outerShdw>
+                </a:effectLst>
+              </a:rPr>
+              <a:t>segurança</a:t>
+            </a:r>
+            <a:endParaRPr lang="pt-BR" dirty="0">
+              <a:solidFill>
+                <a:schemeClr val="bg1"/>
+              </a:solidFill>
+              <a:effectLst>
+                <a:outerShdw blurRad="228600" dist="50800" dir="5400000" algn="ctr" rotWithShape="0">
+                  <a:schemeClr val="tx1"/>
+                </a:outerShdw>
+              </a:effectLst>
+            </a:endParaRPr>
+          </a:p>
+        </p:txBody>
+      </p:sp>
+      <p:sp>
+        <p:nvSpPr>
+          <p:cNvPr id="66" name="Content Placeholder 2">
+            <a:extLst>
+              <a:ext uri="{FF2B5EF4-FFF2-40B4-BE49-F238E27FC236}">
+                <a16:creationId xmlns:a16="http://schemas.microsoft.com/office/drawing/2014/main" id="{7DD7200E-83C5-FE41-A371-CC6A4884910F}"/>
+              </a:ext>
+            </a:extLst>
+          </p:cNvPr>
+          <p:cNvSpPr>
+            <a:spLocks noGrp="1"/>
+          </p:cNvSpPr>
+          <p:nvPr>
+            <p:ph idx="1"/>
+          </p:nvPr>
+        </p:nvSpPr>
+        <p:spPr>
+          <a:xfrm>
+            <a:off x="393475" y="1978703"/>
+            <a:ext cx="8779778" cy="4721898"/>
+          </a:xfrm>
+        </p:spPr>
+        <p:txBody>
+          <a:bodyPr>
+            <a:normAutofit/>
+          </a:bodyPr>
+          <a:lstStyle/>
+          <a:p>
+            <a:r>
+              <a:rPr lang="pt-BR" sz="2800" dirty="0"/>
+              <a:t>A comunicação pode ser criptografada fim-a-fim</a:t>
+            </a:r>
+          </a:p>
+          <a:p>
+            <a:r>
+              <a:rPr lang="pt-BR" sz="2800" dirty="0"/>
+              <a:t>Neste caso, somente o emissor e receptor podem </a:t>
+            </a:r>
+            <a:r>
+              <a:rPr lang="pt-BR" sz="2800" dirty="0" err="1"/>
+              <a:t>descriptografar</a:t>
+            </a:r>
+            <a:endParaRPr lang="pt-BR" sz="2800" dirty="0"/>
+          </a:p>
+          <a:p>
+            <a:r>
+              <a:rPr lang="pt-BR" sz="2800" dirty="0"/>
+              <a:t>O WhatsApp utiliza tal recurso, sendo que nem mesmo a empresa pode ler as </a:t>
+            </a:r>
+            <a:r>
+              <a:rPr lang="pt-BR" sz="2800" dirty="0" err="1"/>
+              <a:t>msgs</a:t>
+            </a:r>
+            <a:r>
+              <a:rPr lang="pt-BR" sz="2800" dirty="0"/>
+              <a:t> dos usuários </a:t>
+            </a:r>
+            <a:r>
+              <a:rPr lang="pt-BR" sz="2800" dirty="0">
+                <a:hlinkClick r:id="rId2"/>
+              </a:rPr>
+              <a:t>https://youtu.be/8PW3O2mqTn8</a:t>
+            </a:r>
+            <a:r>
+              <a:rPr lang="pt-BR" sz="2800" dirty="0"/>
+              <a:t> </a:t>
+            </a:r>
+          </a:p>
+        </p:txBody>
+      </p:sp>
+      <p:sp>
+        <p:nvSpPr>
+          <p:cNvPr id="3" name="Slide Number Placeholder 2">
+            <a:extLst>
+              <a:ext uri="{FF2B5EF4-FFF2-40B4-BE49-F238E27FC236}">
+                <a16:creationId xmlns:a16="http://schemas.microsoft.com/office/drawing/2014/main" id="{E8782EBD-1415-0F4A-9755-9CBACA835A18}"/>
+              </a:ext>
+            </a:extLst>
+          </p:cNvPr>
+          <p:cNvSpPr>
+            <a:spLocks noGrp="1"/>
+          </p:cNvSpPr>
+          <p:nvPr>
+            <p:ph type="sldNum" sz="quarter" idx="12"/>
+          </p:nvPr>
+        </p:nvSpPr>
+        <p:spPr/>
+        <p:txBody>
+          <a:bodyPr/>
+          <a:lstStyle/>
+          <a:p>
+            <a:fld id="{2183B7EE-0FBE-B749-875F-ED24F5ECD71F}" type="slidenum">
+              <a:rPr lang="en-US" smtClean="0"/>
+              <a:t>21</a:t>
             </a:fld>
             <a:endParaRPr lang="en-US" dirty="0"/>
           </a:p>
@@ -15960,7 +17449,7 @@
 </p:sld>
 </file>
 
-<file path=ppt/slides/slide21.xml><?xml version="1.0" encoding="utf-8"?>
+<file path=ppt/slides/slide22.xml><?xml version="1.0" encoding="utf-8"?>
 <p:sld xmlns:a="http://schemas.openxmlformats.org/drawingml/2006/main" xmlns:r="http://schemas.openxmlformats.org/officeDocument/2006/relationships" xmlns:p="http://schemas.openxmlformats.org/presentationml/2006/main">
   <p:cSld>
     <p:spTree>
@@ -16115,7 +17604,7 @@
           <a:p>
             <a:fld id="{2183B7EE-0FBE-B749-875F-ED24F5ECD71F}" type="slidenum">
               <a:rPr lang="en-US" smtClean="0"/>
-              <a:t>21</a:t>
+              <a:t>22</a:t>
             </a:fld>
             <a:endParaRPr lang="en-US" dirty="0"/>
           </a:p>

--- a/xmpp.pptx
+++ b/xmpp.pptx
@@ -5,7 +5,7 @@
     <p:sldMasterId id="2147484007" r:id="rId1"/>
   </p:sldMasterIdLst>
   <p:notesMasterIdLst>
-    <p:notesMasterId r:id="rId24"/>
+    <p:notesMasterId r:id="rId25"/>
   </p:notesMasterIdLst>
   <p:sldIdLst>
     <p:sldId id="266" r:id="rId2"/>
@@ -29,7 +29,8 @@
     <p:sldId id="296" r:id="rId20"/>
     <p:sldId id="297" r:id="rId21"/>
     <p:sldId id="299" r:id="rId22"/>
-    <p:sldId id="281" r:id="rId23"/>
+    <p:sldId id="301" r:id="rId23"/>
+    <p:sldId id="281" r:id="rId24"/>
   </p:sldIdLst>
   <p:sldSz cx="12192000" cy="6858000"/>
   <p:notesSz cx="6858000" cy="9144000"/>
@@ -218,7 +219,7 @@
           <a:p>
             <a:fld id="{7497B6E1-7C5B-524D-B5EB-5E6695205380}" type="datetimeFigureOut">
               <a:rPr lang="pt-BR" smtClean="0"/>
-              <a:t>01/05/2019</a:t>
+              <a:t>27/04/2020</a:t>
             </a:fld>
             <a:endParaRPr lang="pt-BR" dirty="0"/>
           </a:p>
@@ -486,6 +487,282 @@
 </p:notesMaster>
 </file>
 
+<file path=ppt/notesSlides/notesSlide1.xml><?xml version="1.0" encoding="utf-8"?>
+<p:notes xmlns:a="http://schemas.openxmlformats.org/drawingml/2006/main" xmlns:r="http://schemas.openxmlformats.org/officeDocument/2006/relationships" xmlns:p="http://schemas.openxmlformats.org/presentationml/2006/main">
+  <p:cSld>
+    <p:spTree>
+      <p:nvGrpSpPr>
+        <p:cNvPr id="1" name=""/>
+        <p:cNvGrpSpPr/>
+        <p:nvPr/>
+      </p:nvGrpSpPr>
+      <p:grpSpPr>
+        <a:xfrm>
+          <a:off x="0" y="0"/>
+          <a:ext cx="0" cy="0"/>
+          <a:chOff x="0" y="0"/>
+          <a:chExt cx="0" cy="0"/>
+        </a:xfrm>
+      </p:grpSpPr>
+      <p:sp>
+        <p:nvSpPr>
+          <p:cNvPr id="2" name="Slide Image Placeholder 1"/>
+          <p:cNvSpPr>
+            <a:spLocks noGrp="1" noRot="1" noChangeAspect="1"/>
+          </p:cNvSpPr>
+          <p:nvPr>
+            <p:ph type="sldImg"/>
+          </p:nvPr>
+        </p:nvSpPr>
+        <p:spPr/>
+      </p:sp>
+      <p:sp>
+        <p:nvSpPr>
+          <p:cNvPr id="3" name="Notes Placeholder 2"/>
+          <p:cNvSpPr>
+            <a:spLocks noGrp="1"/>
+          </p:cNvSpPr>
+          <p:nvPr>
+            <p:ph type="body" idx="1"/>
+          </p:nvPr>
+        </p:nvSpPr>
+        <p:spPr/>
+        <p:txBody>
+          <a:bodyPr/>
+          <a:lstStyle/>
+          <a:p>
+            <a:endParaRPr lang="pt-BR" dirty="0"/>
+          </a:p>
+        </p:txBody>
+      </p:sp>
+      <p:sp>
+        <p:nvSpPr>
+          <p:cNvPr id="4" name="Slide Number Placeholder 3"/>
+          <p:cNvSpPr>
+            <a:spLocks noGrp="1"/>
+          </p:cNvSpPr>
+          <p:nvPr>
+            <p:ph type="sldNum" sz="quarter" idx="5"/>
+          </p:nvPr>
+        </p:nvSpPr>
+        <p:spPr/>
+        <p:txBody>
+          <a:bodyPr/>
+          <a:lstStyle/>
+          <a:p>
+            <a:fld id="{D4D35E62-DFE2-2847-B12E-56757969A139}" type="slidenum">
+              <a:rPr lang="pt-BR" smtClean="0"/>
+              <a:t>6</a:t>
+            </a:fld>
+            <a:endParaRPr lang="pt-BR" dirty="0"/>
+          </a:p>
+        </p:txBody>
+      </p:sp>
+    </p:spTree>
+    <p:extLst>
+      <p:ext uri="{BB962C8B-B14F-4D97-AF65-F5344CB8AC3E}">
+        <p14:creationId xmlns:p14="http://schemas.microsoft.com/office/powerpoint/2010/main" val="1530797612"/>
+      </p:ext>
+    </p:extLst>
+  </p:cSld>
+  <p:clrMapOvr>
+    <a:masterClrMapping/>
+  </p:clrMapOvr>
+</p:notes>
+</file>
+
+<file path=ppt/notesSlides/notesSlide2.xml><?xml version="1.0" encoding="utf-8"?>
+<p:notes xmlns:a="http://schemas.openxmlformats.org/drawingml/2006/main" xmlns:r="http://schemas.openxmlformats.org/officeDocument/2006/relationships" xmlns:p="http://schemas.openxmlformats.org/presentationml/2006/main">
+  <p:cSld>
+    <p:spTree>
+      <p:nvGrpSpPr>
+        <p:cNvPr id="1" name=""/>
+        <p:cNvGrpSpPr/>
+        <p:nvPr/>
+      </p:nvGrpSpPr>
+      <p:grpSpPr>
+        <a:xfrm>
+          <a:off x="0" y="0"/>
+          <a:ext cx="0" cy="0"/>
+          <a:chOff x="0" y="0"/>
+          <a:chExt cx="0" cy="0"/>
+        </a:xfrm>
+      </p:grpSpPr>
+      <p:sp>
+        <p:nvSpPr>
+          <p:cNvPr id="2" name="Slide Image Placeholder 1"/>
+          <p:cNvSpPr>
+            <a:spLocks noGrp="1" noRot="1" noChangeAspect="1"/>
+          </p:cNvSpPr>
+          <p:nvPr>
+            <p:ph type="sldImg"/>
+          </p:nvPr>
+        </p:nvSpPr>
+        <p:spPr/>
+      </p:sp>
+      <p:sp>
+        <p:nvSpPr>
+          <p:cNvPr id="3" name="Notes Placeholder 2"/>
+          <p:cNvSpPr>
+            <a:spLocks noGrp="1"/>
+          </p:cNvSpPr>
+          <p:nvPr>
+            <p:ph type="body" idx="1"/>
+          </p:nvPr>
+        </p:nvSpPr>
+        <p:spPr/>
+        <p:txBody>
+          <a:bodyPr/>
+          <a:lstStyle/>
+          <a:p>
+            <a:r>
+              <a:rPr lang="pt-BR" dirty="0"/>
+              <a:t>Existem containers prontos em </a:t>
+            </a:r>
+            <a:r>
+              <a:rPr lang="pt-BR" dirty="0" err="1"/>
+              <a:t>https</a:t>
+            </a:r>
+            <a:r>
+              <a:rPr lang="pt-BR" dirty="0"/>
+              <a:t>://</a:t>
+            </a:r>
+            <a:r>
+              <a:rPr lang="pt-BR" dirty="0" err="1"/>
+              <a:t>hub.docker.com</a:t>
+            </a:r>
+            <a:endParaRPr lang="pt-BR" dirty="0"/>
+          </a:p>
+        </p:txBody>
+      </p:sp>
+      <p:sp>
+        <p:nvSpPr>
+          <p:cNvPr id="4" name="Slide Number Placeholder 3"/>
+          <p:cNvSpPr>
+            <a:spLocks noGrp="1"/>
+          </p:cNvSpPr>
+          <p:nvPr>
+            <p:ph type="sldNum" sz="quarter" idx="5"/>
+          </p:nvPr>
+        </p:nvSpPr>
+        <p:spPr/>
+        <p:txBody>
+          <a:bodyPr/>
+          <a:lstStyle/>
+          <a:p>
+            <a:fld id="{D4D35E62-DFE2-2847-B12E-56757969A139}" type="slidenum">
+              <a:rPr lang="pt-BR" smtClean="0"/>
+              <a:t>14</a:t>
+            </a:fld>
+            <a:endParaRPr lang="pt-BR" dirty="0"/>
+          </a:p>
+        </p:txBody>
+      </p:sp>
+    </p:spTree>
+    <p:extLst>
+      <p:ext uri="{BB962C8B-B14F-4D97-AF65-F5344CB8AC3E}">
+        <p14:creationId xmlns:p14="http://schemas.microsoft.com/office/powerpoint/2010/main" val="4270275737"/>
+      </p:ext>
+    </p:extLst>
+  </p:cSld>
+  <p:clrMapOvr>
+    <a:masterClrMapping/>
+  </p:clrMapOvr>
+</p:notes>
+</file>
+
+<file path=ppt/notesSlides/notesSlide3.xml><?xml version="1.0" encoding="utf-8"?>
+<p:notes xmlns:a="http://schemas.openxmlformats.org/drawingml/2006/main" xmlns:r="http://schemas.openxmlformats.org/officeDocument/2006/relationships" xmlns:p="http://schemas.openxmlformats.org/presentationml/2006/main">
+  <p:cSld>
+    <p:spTree>
+      <p:nvGrpSpPr>
+        <p:cNvPr id="1" name=""/>
+        <p:cNvGrpSpPr/>
+        <p:nvPr/>
+      </p:nvGrpSpPr>
+      <p:grpSpPr>
+        <a:xfrm>
+          <a:off x="0" y="0"/>
+          <a:ext cx="0" cy="0"/>
+          <a:chOff x="0" y="0"/>
+          <a:chExt cx="0" cy="0"/>
+        </a:xfrm>
+      </p:grpSpPr>
+      <p:sp>
+        <p:nvSpPr>
+          <p:cNvPr id="2" name="Slide Image Placeholder 1"/>
+          <p:cNvSpPr>
+            <a:spLocks noGrp="1" noRot="1" noChangeAspect="1"/>
+          </p:cNvSpPr>
+          <p:nvPr>
+            <p:ph type="sldImg"/>
+          </p:nvPr>
+        </p:nvSpPr>
+        <p:spPr/>
+      </p:sp>
+      <p:sp>
+        <p:nvSpPr>
+          <p:cNvPr id="3" name="Notes Placeholder 2"/>
+          <p:cNvSpPr>
+            <a:spLocks noGrp="1"/>
+          </p:cNvSpPr>
+          <p:nvPr>
+            <p:ph type="body" idx="1"/>
+          </p:nvPr>
+        </p:nvSpPr>
+        <p:spPr/>
+        <p:txBody>
+          <a:bodyPr/>
+          <a:lstStyle/>
+          <a:p>
+            <a:r>
+              <a:rPr lang="pt-BR" dirty="0"/>
+              <a:t>Mais rápido </a:t>
+            </a:r>
+            <a:r>
+              <a:rPr lang="pt-BR" sz="1200" dirty="0"/>
+              <a:t>por remover intermediários</a:t>
+            </a:r>
+            <a:endParaRPr lang="pt-BR" dirty="0"/>
+          </a:p>
+        </p:txBody>
+      </p:sp>
+      <p:sp>
+        <p:nvSpPr>
+          <p:cNvPr id="4" name="Slide Number Placeholder 3"/>
+          <p:cNvSpPr>
+            <a:spLocks noGrp="1"/>
+          </p:cNvSpPr>
+          <p:nvPr>
+            <p:ph type="sldNum" sz="quarter" idx="5"/>
+          </p:nvPr>
+        </p:nvSpPr>
+        <p:spPr/>
+        <p:txBody>
+          <a:bodyPr/>
+          <a:lstStyle/>
+          <a:p>
+            <a:fld id="{D4D35E62-DFE2-2847-B12E-56757969A139}" type="slidenum">
+              <a:rPr lang="pt-BR" smtClean="0"/>
+              <a:t>19</a:t>
+            </a:fld>
+            <a:endParaRPr lang="pt-BR" dirty="0"/>
+          </a:p>
+        </p:txBody>
+      </p:sp>
+    </p:spTree>
+    <p:extLst>
+      <p:ext uri="{BB962C8B-B14F-4D97-AF65-F5344CB8AC3E}">
+        <p14:creationId xmlns:p14="http://schemas.microsoft.com/office/powerpoint/2010/main" val="3472451675"/>
+      </p:ext>
+    </p:extLst>
+  </p:cSld>
+  <p:clrMapOvr>
+    <a:masterClrMapping/>
+  </p:clrMapOvr>
+</p:notes>
+</file>
+
 <file path=ppt/slideLayouts/slideLayout1.xml><?xml version="1.0" encoding="utf-8"?>
 <p:sldLayout xmlns:a="http://schemas.openxmlformats.org/drawingml/2006/main" xmlns:r="http://schemas.openxmlformats.org/officeDocument/2006/relationships" xmlns:p="http://schemas.openxmlformats.org/presentationml/2006/main" type="title" preserve="1">
   <p:cSld name="Title Slide">
@@ -656,7 +933,7 @@
           <a:p>
             <a:fld id="{19E7D63B-43B5-8A4C-BD12-76889BE136BD}" type="datetime1">
               <a:rPr lang="en-US" smtClean="0"/>
-              <a:t>5/1/19</a:t>
+              <a:t>4/27/20</a:t>
             </a:fld>
             <a:endParaRPr lang="en-US" dirty="0"/>
           </a:p>
@@ -922,7 +1199,7 @@
           <a:p>
             <a:fld id="{124E9894-F119-A64C-B7CB-D7CE860A73BE}" type="datetime1">
               <a:rPr lang="en-US" smtClean="0"/>
-              <a:t>5/1/19</a:t>
+              <a:t>4/27/20</a:t>
             </a:fld>
             <a:endParaRPr lang="en-US" dirty="0"/>
           </a:p>
@@ -1154,7 +1431,7 @@
           <a:p>
             <a:fld id="{124E9894-F119-A64C-B7CB-D7CE860A73BE}" type="datetime1">
               <a:rPr lang="en-US" smtClean="0"/>
-              <a:t>5/1/19</a:t>
+              <a:t>4/27/20</a:t>
             </a:fld>
             <a:endParaRPr lang="en-US" dirty="0"/>
           </a:p>
@@ -1465,7 +1742,7 @@
           <a:p>
             <a:fld id="{124E9894-F119-A64C-B7CB-D7CE860A73BE}" type="datetime1">
               <a:rPr lang="en-US" smtClean="0"/>
-              <a:t>5/1/19</a:t>
+              <a:t>4/27/20</a:t>
             </a:fld>
             <a:endParaRPr lang="en-US" dirty="0"/>
           </a:p>
@@ -1939,7 +2216,7 @@
           <a:p>
             <a:fld id="{B4BBB50B-BAA3-9748-978F-08A7877AB7D9}" type="datetime1">
               <a:rPr lang="en-US" smtClean="0"/>
-              <a:t>5/1/19</a:t>
+              <a:t>4/27/20</a:t>
             </a:fld>
             <a:endParaRPr lang="en-US" dirty="0"/>
           </a:p>
@@ -2486,7 +2763,7 @@
           <a:p>
             <a:fld id="{124E9894-F119-A64C-B7CB-D7CE860A73BE}" type="datetime1">
               <a:rPr lang="en-US" smtClean="0"/>
-              <a:t>5/1/19</a:t>
+              <a:t>4/27/20</a:t>
             </a:fld>
             <a:endParaRPr lang="en-US" dirty="0"/>
           </a:p>
@@ -3258,7 +3535,7 @@
           <a:p>
             <a:fld id="{124E9894-F119-A64C-B7CB-D7CE860A73BE}" type="datetime1">
               <a:rPr lang="en-US" smtClean="0"/>
-              <a:t>5/1/19</a:t>
+              <a:t>4/27/20</a:t>
             </a:fld>
             <a:endParaRPr lang="en-US" dirty="0"/>
           </a:p>
@@ -3434,7 +3711,7 @@
           <a:p>
             <a:fld id="{45040DEA-CE02-EF42-8F10-34F709D8505D}" type="datetime1">
               <a:rPr lang="en-US" smtClean="0"/>
-              <a:t>5/1/19</a:t>
+              <a:t>4/27/20</a:t>
             </a:fld>
             <a:endParaRPr lang="en-US" dirty="0"/>
           </a:p>
@@ -3657,7 +3934,7 @@
           <a:p>
             <a:fld id="{A0C1C801-5706-434E-AB65-DDFBCF1F55D2}" type="datetime1">
               <a:rPr lang="en-US" smtClean="0"/>
-              <a:t>5/1/19</a:t>
+              <a:t>4/27/20</a:t>
             </a:fld>
             <a:endParaRPr lang="en-US" dirty="0"/>
           </a:p>
@@ -3837,7 +4114,7 @@
           <a:p>
             <a:fld id="{39AE0FD8-7D7B-EA4F-8AF8-8B97820A0C5D}" type="datetime1">
               <a:rPr lang="en-US" smtClean="0"/>
-              <a:t>5/1/19</a:t>
+              <a:t>4/27/20</a:t>
             </a:fld>
             <a:endParaRPr lang="en-US" dirty="0"/>
           </a:p>
@@ -4126,7 +4403,7 @@
           <a:p>
             <a:fld id="{7FC94D43-3F68-DC43-8EF0-95FB3D51CCCF}" type="datetime1">
               <a:rPr lang="en-US" smtClean="0"/>
-              <a:t>5/1/19</a:t>
+              <a:t>4/27/20</a:t>
             </a:fld>
             <a:endParaRPr lang="en-US" dirty="0"/>
           </a:p>
@@ -4368,7 +4645,7 @@
           <a:p>
             <a:fld id="{BD42CFC2-1CE8-9045-8C9C-0F183F0FB455}" type="datetime1">
               <a:rPr lang="en-US" smtClean="0"/>
-              <a:t>5/1/19</a:t>
+              <a:t>4/27/20</a:t>
             </a:fld>
             <a:endParaRPr lang="en-US" dirty="0"/>
           </a:p>
@@ -4747,7 +5024,7 @@
           <a:p>
             <a:fld id="{F1B5C6E2-D044-C748-9C41-86C9B2F84EB9}" type="datetime1">
               <a:rPr lang="en-US" smtClean="0"/>
-              <a:t>5/1/19</a:t>
+              <a:t>4/27/20</a:t>
             </a:fld>
             <a:endParaRPr lang="en-US" dirty="0"/>
           </a:p>
@@ -4865,7 +5142,7 @@
           <a:p>
             <a:fld id="{359C32BA-C166-AC45-9FCD-8BF0F43629D9}" type="datetime1">
               <a:rPr lang="en-US" smtClean="0"/>
-              <a:t>5/1/19</a:t>
+              <a:t>4/27/20</a:t>
             </a:fld>
             <a:endParaRPr lang="en-US" dirty="0"/>
           </a:p>
@@ -4960,7 +5237,7 @@
           <a:p>
             <a:fld id="{E5D0D591-4B92-A44B-A0EA-798E76AD0368}" type="datetime1">
               <a:rPr lang="en-US" smtClean="0"/>
-              <a:t>5/1/19</a:t>
+              <a:t>4/27/20</a:t>
             </a:fld>
             <a:endParaRPr lang="en-US" dirty="0"/>
           </a:p>
@@ -5209,7 +5486,7 @@
           <a:p>
             <a:fld id="{8201F472-E17F-4B47-A44B-A2249FA27ED2}" type="datetime1">
               <a:rPr lang="en-US" smtClean="0"/>
-              <a:t>5/1/19</a:t>
+              <a:t>4/27/20</a:t>
             </a:fld>
             <a:endParaRPr lang="en-US" dirty="0"/>
           </a:p>
@@ -5465,7 +5742,7 @@
           <a:p>
             <a:fld id="{8BEFB9EE-CDF2-6F49-80F4-278D1604F10C}" type="datetime1">
               <a:rPr lang="en-US" smtClean="0"/>
-              <a:t>5/1/19</a:t>
+              <a:t>4/27/20</a:t>
             </a:fld>
             <a:endParaRPr lang="en-US" dirty="0"/>
           </a:p>
@@ -5708,7 +5985,7 @@
           <a:p>
             <a:fld id="{124E9894-F119-A64C-B7CB-D7CE860A73BE}" type="datetime1">
               <a:rPr lang="en-US" smtClean="0"/>
-              <a:t>5/1/19</a:t>
+              <a:t>4/27/20</a:t>
             </a:fld>
             <a:endParaRPr lang="en-US" dirty="0"/>
           </a:p>
@@ -6469,7 +6746,7 @@
           <a:p>
             <a:r>
               <a:rPr lang="pt-BR" sz="2800" dirty="0"/>
-              <a:t>Notificação de entrega de mensagens</a:t>
+              <a:t>Notificação de entrega de mensagens </a:t>
             </a:r>
           </a:p>
           <a:p>
@@ -6516,6 +6793,36 @@
           </a:p>
         </p:txBody>
       </p:sp>
+      <p:pic>
+        <p:nvPicPr>
+          <p:cNvPr id="6" name="Picture 5" descr="A picture containing drawing&#10;&#10;Description automatically generated">
+            <a:extLst>
+              <a:ext uri="{FF2B5EF4-FFF2-40B4-BE49-F238E27FC236}">
+                <a16:creationId xmlns:a16="http://schemas.microsoft.com/office/drawing/2014/main" id="{AF3FBB88-A3BF-9F42-855B-0F87B885A9B9}"/>
+              </a:ext>
+            </a:extLst>
+          </p:cNvPr>
+          <p:cNvPicPr>
+            <a:picLocks noChangeAspect="1"/>
+          </p:cNvPicPr>
+          <p:nvPr/>
+        </p:nvPicPr>
+        <p:blipFill>
+          <a:blip r:embed="rId3"/>
+          <a:stretch>
+            <a:fillRect/>
+          </a:stretch>
+        </p:blipFill>
+        <p:spPr>
+          <a:xfrm>
+            <a:off x="8063832" y="2794000"/>
+            <a:ext cx="635000" cy="635000"/>
+          </a:xfrm>
+          <a:prstGeom prst="rect">
+            <a:avLst/>
+          </a:prstGeom>
+        </p:spPr>
+      </p:pic>
     </p:spTree>
     <p:extLst>
       <p:ext uri="{BB962C8B-B14F-4D97-AF65-F5344CB8AC3E}">
@@ -6800,30 +7107,74 @@
                             </p:childTnLst>
                           </p:cTn>
                         </p:par>
+                        <p:par>
+                          <p:cTn id="24" fill="hold">
+                            <p:stCondLst>
+                              <p:cond delay="500"/>
+                            </p:stCondLst>
+                            <p:childTnLst>
+                              <p:par>
+                                <p:cTn id="25" presetID="9" presetClass="entr" presetSubtype="0" fill="hold" nodeType="afterEffect">
+                                  <p:stCondLst>
+                                    <p:cond delay="0"/>
+                                  </p:stCondLst>
+                                  <p:childTnLst>
+                                    <p:set>
+                                      <p:cBhvr>
+                                        <p:cTn id="26" dur="1" fill="hold">
+                                          <p:stCondLst>
+                                            <p:cond delay="0"/>
+                                          </p:stCondLst>
+                                        </p:cTn>
+                                        <p:tgtEl>
+                                          <p:spTgt spid="6"/>
+                                        </p:tgtEl>
+                                        <p:attrNameLst>
+                                          <p:attrName>style.visibility</p:attrName>
+                                        </p:attrNameLst>
+                                      </p:cBhvr>
+                                      <p:to>
+                                        <p:strVal val="visible"/>
+                                      </p:to>
+                                    </p:set>
+                                    <p:animEffect transition="in" filter="dissolve">
+                                      <p:cBhvr>
+                                        <p:cTn id="27" dur="500"/>
+                                        <p:tgtEl>
+                                          <p:spTgt spid="6"/>
+                                        </p:tgtEl>
+                                      </p:cBhvr>
+                                    </p:animEffect>
+                                  </p:childTnLst>
+                                </p:cTn>
+                              </p:par>
+                            </p:childTnLst>
+                          </p:cTn>
+                        </p:par>
                       </p:childTnLst>
                     </p:cTn>
                   </p:par>
                   <p:par>
-                    <p:cTn id="24" fill="hold">
+                    <p:cTn id="28" fill="hold">
                       <p:stCondLst>
                         <p:cond delay="indefinite"/>
                       </p:stCondLst>
                       <p:childTnLst>
                         <p:par>
-                          <p:cTn id="25" fill="hold">
+                          <p:cTn id="29" fill="hold">
                             <p:stCondLst>
                               <p:cond delay="0"/>
                             </p:stCondLst>
                             <p:childTnLst>
                               <p:par>
-                                <p:cTn id="26" presetID="9" presetClass="exit" presetSubtype="0" fill="hold" grpId="1" nodeType="clickEffect">
+                                <p:cTn id="30" presetID="9" presetClass="exit" presetSubtype="0" fill="hold" grpId="1" nodeType="clickEffect">
                                   <p:stCondLst>
                                     <p:cond delay="0"/>
                                   </p:stCondLst>
                                   <p:childTnLst>
                                     <p:animEffect transition="out" filter="dissolve">
                                       <p:cBhvr>
-                                        <p:cTn id="27" dur="500"/>
+                                        <p:cTn id="31" dur="500"/>
                                         <p:tgtEl>
                                           <p:spTgt spid="3">
                                             <p:txEl>
@@ -6835,7 +7186,7 @@
                                     </p:animEffect>
                                     <p:set>
                                       <p:cBhvr>
-                                        <p:cTn id="28" dur="1" fill="hold">
+                                        <p:cTn id="32" dur="1" fill="hold">
                                           <p:stCondLst>
                                             <p:cond delay="499"/>
                                           </p:stCondLst>
@@ -6859,14 +7210,41 @@
                                 </p:cTn>
                               </p:par>
                               <p:par>
-                                <p:cTn id="29" presetID="9" presetClass="entr" presetSubtype="0" fill="hold" grpId="0" nodeType="withEffect">
+                                <p:cTn id="33" presetID="1" presetClass="exit" presetSubtype="0" fill="hold" nodeType="withEffect">
                                   <p:stCondLst>
                                     <p:cond delay="0"/>
                                   </p:stCondLst>
                                   <p:childTnLst>
                                     <p:set>
                                       <p:cBhvr>
-                                        <p:cTn id="30" dur="1" fill="hold">
+                                        <p:cTn id="34" dur="1" fill="hold">
+                                          <p:stCondLst>
+                                            <p:cond delay="0"/>
+                                          </p:stCondLst>
+                                        </p:cTn>
+                                        <p:tgtEl>
+                                          <p:spTgt spid="6"/>
+                                        </p:tgtEl>
+                                        <p:attrNameLst>
+                                          <p:attrName>style.visibility</p:attrName>
+                                        </p:attrNameLst>
+                                      </p:cBhvr>
+                                      <p:to>
+                                        <p:strVal val="hidden"/>
+                                      </p:to>
+                                    </p:set>
+                                  </p:childTnLst>
+                                </p:cTn>
+                              </p:par>
+                              <p:par>
+                                <p:cTn id="35" presetID="9" presetClass="entr" presetSubtype="0" fill="hold" grpId="0" nodeType="withEffect">
+                                  <p:stCondLst>
+                                    <p:cond delay="0"/>
+                                  </p:stCondLst>
+                                  <p:childTnLst>
+                                    <p:set>
+                                      <p:cBhvr>
+                                        <p:cTn id="36" dur="1" fill="hold">
                                           <p:stCondLst>
                                             <p:cond delay="0"/>
                                           </p:stCondLst>
@@ -6888,7 +7266,7 @@
                                     </p:set>
                                     <p:animEffect transition="in" filter="dissolve">
                                       <p:cBhvr>
-                                        <p:cTn id="31" dur="500"/>
+                                        <p:cTn id="37" dur="500"/>
                                         <p:tgtEl>
                                           <p:spTgt spid="3">
                                             <p:txEl>
@@ -8562,7 +8940,7 @@
           <a:p>
             <a:r>
               <a:rPr lang="pt-BR" sz="2800" dirty="0"/>
-              <a:t>Clientes (usuários) pertencentes a um determinado domínio conectam em um servidor</a:t>
+              <a:t>Clientes pertencentes a um determinado domínio conectam em um servidor</a:t>
             </a:r>
           </a:p>
           <a:p>
@@ -8574,7 +8952,7 @@
           <a:p>
             <a:r>
               <a:rPr lang="pt-BR" sz="2800" dirty="0"/>
-              <a:t>Mensagens trocadas entre os clientes de um mesmo domínio são entregues por um servidor de tal domínio</a:t>
+              <a:t>Mensagens trocadas entre clientes de um mesmo domínio são entregues por um servidor de tal domínio</a:t>
             </a:r>
           </a:p>
         </p:txBody>
@@ -9007,13 +9385,37 @@
           <a:p>
             <a:r>
               <a:rPr lang="pt-BR" sz="2800" dirty="0"/>
-              <a:t>Como o XMPP é um protocolo aberto e interoperável, clientes de um domínio podem enviar mensagens para clientes de outro domínio</a:t>
-            </a:r>
-          </a:p>
-          <a:p>
+              <a:t>XMPP é aberto e </a:t>
+            </a:r>
+            <a:r>
+              <a:rPr lang="pt-BR" sz="2800" dirty="0" err="1"/>
+              <a:t>interoperável</a:t>
+            </a:r>
             <a:r>
               <a:rPr lang="pt-BR" sz="2800" dirty="0"/>
-              <a:t>Se o Cliente 1 enviar mensagem pro Cliente 8, a mesma passa pelo Servidor 1, que encaminha ao Servidor 3 para ser entregue ao Cliente 8</a:t>
+              <a:t>: clientes de um domínio podem enviar </a:t>
+            </a:r>
+            <a:r>
+              <a:rPr lang="pt-BR" sz="2800" dirty="0" err="1"/>
+              <a:t>msgs</a:t>
+            </a:r>
+            <a:r>
+              <a:rPr lang="pt-BR" sz="2800" dirty="0"/>
+              <a:t> para clientes de outro domínio</a:t>
+            </a:r>
+          </a:p>
+          <a:p>
+            <a:r>
+              <a:rPr lang="pt-BR" sz="2800" dirty="0"/>
+              <a:t>Se o Cliente 1 enviar </a:t>
+            </a:r>
+            <a:r>
+              <a:rPr lang="pt-BR" sz="2800" dirty="0" err="1"/>
+              <a:t>msg</a:t>
+            </a:r>
+            <a:r>
+              <a:rPr lang="pt-BR" sz="2800" dirty="0"/>
+              <a:t> pro Cliente 8, a mesma passa pelo Servidor 1, que encaminha ao Servidor 3 para ser entregue ao Cliente 8</a:t>
             </a:r>
           </a:p>
           <a:p>
@@ -9351,49 +9753,51 @@
           <a:p>
             <a:r>
               <a:rPr lang="pt-BR" sz="2800" dirty="0"/>
-              <a:t>Existem implementações gratuitas de servidores como os projetos como o </a:t>
-            </a:r>
-            <a:r>
-              <a:rPr lang="pt-BR" sz="2800" dirty="0">
-                <a:hlinkClick r:id="rId2"/>
-              </a:rPr>
-              <a:t>Openfire</a:t>
+              <a:t>Existem implementações </a:t>
+            </a:r>
+            <a:r>
+              <a:rPr lang="pt-BR" sz="2800" i="1" dirty="0"/>
+              <a:t>open </a:t>
+            </a:r>
+            <a:r>
+              <a:rPr lang="pt-BR" sz="2800" i="1" dirty="0" err="1"/>
+              <a:t>source</a:t>
             </a:r>
             <a:r>
               <a:rPr lang="pt-BR" sz="2800" dirty="0"/>
-              <a:t> ou </a:t>
+              <a:t> de servidores: </a:t>
             </a:r>
             <a:r>
               <a:rPr lang="pt-BR" sz="2800" dirty="0">
                 <a:hlinkClick r:id="rId3"/>
               </a:rPr>
-              <a:t>JabberD</a:t>
+              <a:t>Openfire</a:t>
             </a:r>
             <a:r>
               <a:rPr lang="pt-BR" sz="2800" dirty="0"/>
-              <a:t>.</a:t>
-            </a:r>
-          </a:p>
-          <a:p>
-            <a:r>
-              <a:rPr lang="pt-BR" sz="2800" dirty="0"/>
-              <a:t>Adicionalmente, existem inúmeros servidores gratuitos disponíveis na Web, onde você pode criar uma conta XMPP, como </a:t>
+              <a:t>, </a:t>
             </a:r>
             <a:r>
               <a:rPr lang="pt-BR" sz="2800" dirty="0">
                 <a:hlinkClick r:id="rId4"/>
               </a:rPr>
-              <a:t>xabber.com</a:t>
+              <a:t>JabberD</a:t>
             </a:r>
             <a:r>
               <a:rPr lang="pt-BR" sz="2800" dirty="0"/>
-              <a:t>, </a:t>
+              <a:t>, etc.</a:t>
+            </a:r>
+          </a:p>
+          <a:p>
+            <a:r>
+              <a:rPr lang="pt-BR" sz="2800" dirty="0"/>
+              <a:t>Inúmeros servidores gratuitos disponíveis na Web: </a:t>
             </a:r>
             <a:r>
               <a:rPr lang="pt-BR" sz="2800" dirty="0">
                 <a:hlinkClick r:id="rId5"/>
               </a:rPr>
-              <a:t>jabber.at</a:t>
+              <a:t>xabber.com</a:t>
             </a:r>
             <a:r>
               <a:rPr lang="pt-BR" sz="2800" dirty="0"/>
@@ -9403,7 +9807,7 @@
               <a:rPr lang="pt-BR" sz="2800" dirty="0">
                 <a:hlinkClick r:id="rId6"/>
               </a:rPr>
-              <a:t>jabbim.com</a:t>
+              <a:t>jabber.at</a:t>
             </a:r>
             <a:r>
               <a:rPr lang="pt-BR" sz="2800" dirty="0"/>
@@ -9413,16 +9817,32 @@
               <a:rPr lang="pt-BR" sz="2800" dirty="0">
                 <a:hlinkClick r:id="rId7"/>
               </a:rPr>
-              <a:t>chinwag.im</a:t>
+              <a:t>jabbim.com</a:t>
             </a:r>
             <a:r>
               <a:rPr lang="pt-BR" sz="2800" dirty="0"/>
-              <a:t> e inúmeros outros listados em </a:t>
+              <a:t>, </a:t>
             </a:r>
             <a:r>
               <a:rPr lang="pt-BR" sz="2800" dirty="0">
                 <a:hlinkClick r:id="rId8"/>
               </a:rPr>
+              <a:t>chinwag.im</a:t>
+            </a:r>
+            <a:r>
+              <a:rPr lang="pt-BR" sz="2800" dirty="0"/>
+              <a:t> </a:t>
+            </a:r>
+          </a:p>
+          <a:p>
+            <a:r>
+              <a:rPr lang="pt-BR" sz="2800" dirty="0"/>
+              <a:t>Outros listados em </a:t>
+            </a:r>
+            <a:r>
+              <a:rPr lang="pt-BR" sz="2800" dirty="0">
+                <a:hlinkClick r:id="rId9"/>
+              </a:rPr>
               <a:t>xmpp.net</a:t>
             </a:r>
             <a:r>
@@ -9431,7 +9851,7 @@
             </a:r>
             <a:r>
               <a:rPr lang="pt-BR" sz="2800" dirty="0">
-                <a:hlinkClick r:id="rId9"/>
+                <a:hlinkClick r:id="rId10"/>
               </a:rPr>
               <a:t>list.jabber.at</a:t>
             </a:r>
@@ -9752,6 +10172,49 @@
                                   </p:childTnLst>
                                 </p:cTn>
                               </p:par>
+                              <p:par>
+                                <p:cTn id="24" presetID="9" presetClass="entr" presetSubtype="0" fill="hold" grpId="0" nodeType="withEffect">
+                                  <p:stCondLst>
+                                    <p:cond delay="0"/>
+                                  </p:stCondLst>
+                                  <p:childTnLst>
+                                    <p:set>
+                                      <p:cBhvr>
+                                        <p:cTn id="25" dur="1" fill="hold">
+                                          <p:stCondLst>
+                                            <p:cond delay="0"/>
+                                          </p:stCondLst>
+                                        </p:cTn>
+                                        <p:tgtEl>
+                                          <p:spTgt spid="3">
+                                            <p:txEl>
+                                              <p:pRg st="3" end="3"/>
+                                            </p:txEl>
+                                          </p:spTgt>
+                                        </p:tgtEl>
+                                        <p:attrNameLst>
+                                          <p:attrName>style.visibility</p:attrName>
+                                        </p:attrNameLst>
+                                      </p:cBhvr>
+                                      <p:to>
+                                        <p:strVal val="visible"/>
+                                      </p:to>
+                                    </p:set>
+                                    <p:animEffect transition="in" filter="dissolve">
+                                      <p:cBhvr>
+                                        <p:cTn id="26" dur="500"/>
+                                        <p:tgtEl>
+                                          <p:spTgt spid="3">
+                                            <p:txEl>
+                                              <p:pRg st="3" end="3"/>
+                                            </p:txEl>
+                                          </p:spTgt>
+                                        </p:tgtEl>
+                                      </p:cBhvr>
+                                    </p:animEffect>
+                                  </p:childTnLst>
+                                </p:cTn>
+                              </p:par>
                             </p:childTnLst>
                           </p:cTn>
                         </p:par>
@@ -9895,13 +10358,21 @@
           <a:p>
             <a:r>
               <a:rPr lang="pt-BR" sz="2800" dirty="0"/>
-              <a:t>Normalmente não há cooperação entre servidores como ocorre na rede XMPP</a:t>
-            </a:r>
-          </a:p>
-          <a:p>
+              <a:t>Para </a:t>
+            </a:r>
+            <a:r>
+              <a:rPr lang="pt-BR" sz="2800" dirty="0" err="1"/>
+              <a:t>apps</a:t>
+            </a:r>
             <a:r>
               <a:rPr lang="pt-BR" sz="2800" dirty="0"/>
-              <a:t>O cliente comumente apenas acessa recursos em diferentes serviços (como páginas adicionais, arquivos </a:t>
+              <a:t> simples, não há cooperação entre servidores como ocorre na rede XMPP</a:t>
+            </a:r>
+          </a:p>
+          <a:p>
+            <a:r>
+              <a:rPr lang="pt-BR" sz="2800" dirty="0"/>
+              <a:t>Cliente comumente apenas acessa recursos em diferentes serviços (páginas adicionais, </a:t>
             </a:r>
             <a:r>
               <a:rPr lang="pt-BR" sz="2800" dirty="0" err="1"/>
@@ -9909,7 +10380,7 @@
             </a:r>
             <a:r>
               <a:rPr lang="pt-BR" sz="2800" dirty="0"/>
-              <a:t> e </a:t>
+              <a:t>, </a:t>
             </a:r>
             <a:r>
               <a:rPr lang="pt-BR" sz="2800" dirty="0" err="1"/>
@@ -9924,7 +10395,7 @@
           <a:p>
             <a:r>
               <a:rPr lang="pt-BR" sz="2800" dirty="0"/>
-              <a:t>Colaboração é ajuda </a:t>
+              <a:t>Mas colaboração é ajuda </a:t>
             </a:r>
             <a:r>
               <a:rPr lang="pt-BR" sz="2800" b="1" dirty="0"/>
@@ -10796,7 +11267,7 @@
                             </p:stCondLst>
                             <p:childTnLst>
                               <p:par>
-                                <p:cTn id="21" presetID="9" presetClass="entr" presetSubtype="0" fill="hold" grpId="0" nodeType="clickEffect">
+                                <p:cTn id="21" presetID="1" presetClass="exit" presetSubtype="0" fill="hold" nodeType="clickEffect">
                                   <p:stCondLst>
                                     <p:cond delay="0"/>
                                   </p:stCondLst>
@@ -10804,6 +11275,37 @@
                                     <p:set>
                                       <p:cBhvr>
                                         <p:cTn id="22" dur="1" fill="hold">
+                                          <p:stCondLst>
+                                            <p:cond delay="0"/>
+                                          </p:stCondLst>
+                                        </p:cTn>
+                                        <p:tgtEl>
+                                          <p:spTgt spid="66">
+                                            <p:txEl>
+                                              <p:pRg st="1" end="1"/>
+                                            </p:txEl>
+                                          </p:spTgt>
+                                        </p:tgtEl>
+                                        <p:attrNameLst>
+                                          <p:attrName>style.visibility</p:attrName>
+                                        </p:attrNameLst>
+                                      </p:cBhvr>
+                                      <p:to>
+                                        <p:strVal val="hidden"/>
+                                      </p:to>
+                                    </p:set>
+                                  </p:childTnLst>
+                                </p:cTn>
+                              </p:par>
+                              <p:par>
+                                <p:cTn id="23" presetID="9" presetClass="entr" presetSubtype="0" fill="hold" grpId="0" nodeType="withEffect">
+                                  <p:stCondLst>
+                                    <p:cond delay="0"/>
+                                  </p:stCondLst>
+                                  <p:childTnLst>
+                                    <p:set>
+                                      <p:cBhvr>
+                                        <p:cTn id="24" dur="1" fill="hold">
                                           <p:stCondLst>
                                             <p:cond delay="0"/>
                                           </p:stCondLst>
@@ -10825,7 +11327,7 @@
                                     </p:set>
                                     <p:animEffect transition="in" filter="dissolve">
                                       <p:cBhvr>
-                                        <p:cTn id="23" dur="500"/>
+                                        <p:cTn id="25" dur="500"/>
                                         <p:tgtEl>
                                           <p:spTgt spid="66">
                                             <p:txEl>
@@ -10845,26 +11347,57 @@
                     </p:cTn>
                   </p:par>
                   <p:par>
-                    <p:cTn id="24" fill="hold">
+                    <p:cTn id="26" fill="hold">
                       <p:stCondLst>
                         <p:cond delay="indefinite"/>
                       </p:stCondLst>
                       <p:childTnLst>
                         <p:par>
-                          <p:cTn id="25" fill="hold">
+                          <p:cTn id="27" fill="hold">
                             <p:stCondLst>
                               <p:cond delay="0"/>
                             </p:stCondLst>
                             <p:childTnLst>
                               <p:par>
-                                <p:cTn id="26" presetID="9" presetClass="entr" presetSubtype="0" fill="hold" grpId="0" nodeType="clickEffect">
+                                <p:cTn id="28" presetID="1" presetClass="exit" presetSubtype="0" fill="hold" nodeType="clickEffect">
                                   <p:stCondLst>
                                     <p:cond delay="0"/>
                                   </p:stCondLst>
                                   <p:childTnLst>
                                     <p:set>
                                       <p:cBhvr>
-                                        <p:cTn id="27" dur="1" fill="hold">
+                                        <p:cTn id="29" dur="1" fill="hold">
+                                          <p:stCondLst>
+                                            <p:cond delay="0"/>
+                                          </p:stCondLst>
+                                        </p:cTn>
+                                        <p:tgtEl>
+                                          <p:spTgt spid="66">
+                                            <p:txEl>
+                                              <p:pRg st="2" end="2"/>
+                                            </p:txEl>
+                                          </p:spTgt>
+                                        </p:tgtEl>
+                                        <p:attrNameLst>
+                                          <p:attrName>style.visibility</p:attrName>
+                                        </p:attrNameLst>
+                                      </p:cBhvr>
+                                      <p:to>
+                                        <p:strVal val="hidden"/>
+                                      </p:to>
+                                    </p:set>
+                                  </p:childTnLst>
+                                </p:cTn>
+                              </p:par>
+                              <p:par>
+                                <p:cTn id="30" presetID="9" presetClass="entr" presetSubtype="0" fill="hold" grpId="0" nodeType="withEffect">
+                                  <p:stCondLst>
+                                    <p:cond delay="0"/>
+                                  </p:stCondLst>
+                                  <p:childTnLst>
+                                    <p:set>
+                                      <p:cBhvr>
+                                        <p:cTn id="31" dur="1" fill="hold">
                                           <p:stCondLst>
                                             <p:cond delay="0"/>
                                           </p:stCondLst>
@@ -10886,7 +11419,7 @@
                                     </p:set>
                                     <p:animEffect transition="in" filter="dissolve">
                                       <p:cBhvr>
-                                        <p:cTn id="28" dur="500"/>
+                                        <p:cTn id="32" dur="500"/>
                                         <p:tgtEl>
                                           <p:spTgt spid="66">
                                             <p:txEl>
@@ -11036,25 +11569,38 @@
           <a:p>
             <a:r>
               <a:rPr lang="pt-BR" sz="2800" dirty="0"/>
-              <a:t>Redes de servidores de e-mail já têm uma arquitetura mais parecida com o XMPP</a:t>
+              <a:t>Redes de servidores de e-mail: arquitetura mais parecida com o XMPP</a:t>
             </a:r>
           </a:p>
           <a:p>
             <a:r>
               <a:rPr lang="pt-BR" sz="2800" dirty="0"/>
-              <a:t>Quando um cliente envia um e-mail, a mensagem pode passar por vários servidores até chegar ao cliente de destino</a:t>
-            </a:r>
-          </a:p>
-          <a:p>
+              <a:t>Quando um cliente envia um e-mail, a </a:t>
+            </a:r>
+            <a:r>
+              <a:rPr lang="pt-BR" sz="2800" dirty="0" err="1"/>
+              <a:t>msg</a:t>
+            </a:r>
             <a:r>
               <a:rPr lang="pt-BR" sz="2800" dirty="0"/>
-              <a:t>Os servidores estão interligados e cooperam para a entrega da mensagem</a:t>
+              <a:t> pode passar por vários servidores até chegar ao cliente de destino</a:t>
             </a:r>
           </a:p>
           <a:p>
             <a:r>
               <a:rPr lang="pt-BR" sz="2800" dirty="0"/>
-              <a:t>Este é o mesmo modelo usado por servidores DNS</a:t>
+              <a:t>Servidores interligados: cooperam pra entrega da </a:t>
+            </a:r>
+            <a:r>
+              <a:rPr lang="pt-BR" sz="2800" dirty="0" err="1"/>
+              <a:t>msg</a:t>
+            </a:r>
+            <a:endParaRPr lang="pt-BR" sz="2800" dirty="0"/>
+          </a:p>
+          <a:p>
+            <a:r>
+              <a:rPr lang="pt-BR" sz="2800" dirty="0"/>
+              <a:t>Mesmo modelo usado pelo DNS</a:t>
             </a:r>
           </a:p>
         </p:txBody>
@@ -12244,7 +12790,7 @@
             <p:ph idx="1"/>
             <p:extLst>
               <p:ext uri="{D42A27DB-BD31-4B8C-83A1-F6EECF244321}">
-                <p14:modId xmlns:p14="http://schemas.microsoft.com/office/powerpoint/2010/main" val="4056043790"/>
+                <p14:modId xmlns:p14="http://schemas.microsoft.com/office/powerpoint/2010/main" val="3603248921"/>
               </p:ext>
             </p:extLst>
           </p:nvPr>
@@ -12421,7 +12967,15 @@
                     <a:p>
                       <a:r>
                         <a:rPr lang="pt-BR" sz="2800" dirty="0"/>
-                        <a:t>Número de saltos (hops) para entrega de mensagens</a:t>
+                        <a:t>Número de saltos (</a:t>
+                      </a:r>
+                      <a:r>
+                        <a:rPr lang="pt-BR" sz="2800" i="1" dirty="0"/>
+                        <a:t>hops</a:t>
+                      </a:r>
+                      <a:r>
+                        <a:rPr lang="pt-BR" sz="2800" dirty="0"/>
+                        <a:t>) para entrega de mensagens</a:t>
                       </a:r>
                     </a:p>
                   </a:txBody>
@@ -12579,7 +13133,15 @@
             <a:pPr algn="ctr"/>
             <a:r>
               <a:rPr lang="pt-BR" sz="3200" dirty="0"/>
-              <a:t>Saltos (hops) é o número de servidores acessados</a:t>
+              <a:t>Saltos (</a:t>
+            </a:r>
+            <a:r>
+              <a:rPr lang="pt-BR" sz="3200" i="1" dirty="0"/>
+              <a:t>hops</a:t>
+            </a:r>
+            <a:r>
+              <a:rPr lang="pt-BR" sz="3200" dirty="0"/>
+              <a:t>) é o número de servidores acessados</a:t>
             </a:r>
           </a:p>
         </p:txBody>
@@ -14225,35 +14787,29 @@
           <a:p>
             <a:r>
               <a:rPr lang="pt-BR" sz="2800" dirty="0"/>
-              <a:t>Para transferência de arquivos e chamadas de voz e vídeo, existe uma extensão XMPP chamada </a:t>
+              <a:t>Transferência de arquivos e chamadas de voz e vídeo: extensão </a:t>
             </a:r>
             <a:r>
               <a:rPr lang="pt-BR" sz="2800" dirty="0">
-                <a:hlinkClick r:id="rId2"/>
+                <a:hlinkClick r:id="rId3"/>
               </a:rPr>
               <a:t>Jingle</a:t>
             </a:r>
             <a:r>
               <a:rPr lang="pt-BR" sz="2800" dirty="0"/>
-              <a:t> que permite a comunicação ponto-a-ponto (P2P) entre dois clientes</a:t>
+              <a:t> = P2P entre dois clientes</a:t>
             </a:r>
           </a:p>
           <a:p>
             <a:r>
               <a:rPr lang="pt-BR" sz="2800" dirty="0"/>
-              <a:t>Desta forma, após a conexão ser estabelecida, não há intermediação dos servidores</a:t>
+              <a:t>Após a conexão ser estabelecida, não há intermediação dos servidores</a:t>
             </a:r>
           </a:p>
           <a:p>
             <a:r>
               <a:rPr lang="pt-BR" sz="2800" dirty="0"/>
-              <a:t>Isto torna a comunicação mais rápida (por remover intermediários) e evita sobrecarga do servidor</a:t>
-            </a:r>
-          </a:p>
-          <a:p>
-            <a:r>
-              <a:rPr lang="pt-BR" sz="2800" dirty="0"/>
-              <a:t>O WhatsApp possivelmente usa tal recurso para voz e vídeo. </a:t>
+              <a:t>Torna a comunicação mais rápida (sem intermediários) e evita sobrecarga do servidor</a:t>
             </a:r>
           </a:p>
         </p:txBody>
@@ -14289,10 +14845,10 @@
       </p:sp>
       <p:grpSp>
         <p:nvGrpSpPr>
-          <p:cNvPr id="10" name="Group 9">
+          <p:cNvPr id="4" name="Group 3">
             <a:extLst>
               <a:ext uri="{FF2B5EF4-FFF2-40B4-BE49-F238E27FC236}">
-                <a16:creationId xmlns:a16="http://schemas.microsoft.com/office/drawing/2014/main" id="{26297A48-6531-9643-9B8A-8896A2B42AF6}"/>
+                <a16:creationId xmlns:a16="http://schemas.microsoft.com/office/drawing/2014/main" id="{2637B0F0-20E9-A54F-BAFE-E8E6340C92D9}"/>
               </a:ext>
             </a:extLst>
           </p:cNvPr>
@@ -14303,322 +14859,343 @@
           <a:xfrm>
             <a:off x="9466457" y="1823456"/>
             <a:ext cx="2601994" cy="4373089"/>
-            <a:chOff x="9451467" y="2228188"/>
+            <a:chOff x="9466457" y="1823456"/>
             <a:chExt cx="2601994" cy="4373089"/>
           </a:xfrm>
         </p:grpSpPr>
-        <p:pic>
-          <p:nvPicPr>
-            <p:cNvPr id="70" name="Picture 69" descr="An open computer sitting on a table&#13;&#10;&#13;&#10;Description automatically generated">
+        <p:grpSp>
+          <p:nvGrpSpPr>
+            <p:cNvPr id="10" name="Group 9">
               <a:extLst>
                 <a:ext uri="{FF2B5EF4-FFF2-40B4-BE49-F238E27FC236}">
-                  <a16:creationId xmlns:a16="http://schemas.microsoft.com/office/drawing/2014/main" id="{41AB3B17-C3C6-E247-B359-2D49CD0A40E9}"/>
+                  <a16:creationId xmlns:a16="http://schemas.microsoft.com/office/drawing/2014/main" id="{26297A48-6531-9643-9B8A-8896A2B42AF6}"/>
                 </a:ext>
               </a:extLst>
             </p:cNvPr>
-            <p:cNvPicPr>
-              <a:picLocks noChangeAspect="1"/>
-            </p:cNvPicPr>
+            <p:cNvGrpSpPr/>
             <p:nvPr/>
-          </p:nvPicPr>
-          <p:blipFill>
-            <a:blip r:embed="rId3"/>
-            <a:stretch>
-              <a:fillRect/>
-            </a:stretch>
-          </p:blipFill>
-          <p:spPr>
+          </p:nvGrpSpPr>
+          <p:grpSpPr>
             <a:xfrm>
-              <a:off x="10403734" y="5672758"/>
-              <a:ext cx="671808" cy="516876"/>
+              <a:off x="9466457" y="1823456"/>
+              <a:ext cx="2601994" cy="4373089"/>
+              <a:chOff x="9451467" y="2228188"/>
+              <a:chExt cx="2601994" cy="4373089"/>
             </a:xfrm>
-            <a:prstGeom prst="rect">
-              <a:avLst/>
-            </a:prstGeom>
-          </p:spPr>
-        </p:pic>
-        <p:pic>
-          <p:nvPicPr>
-            <p:cNvPr id="71" name="Picture 70" descr="Screen of a cell phone&#13;&#10;&#13;&#10;Description automatically generated">
+          </p:grpSpPr>
+          <p:pic>
+            <p:nvPicPr>
+              <p:cNvPr id="70" name="Picture 69" descr="An open computer sitting on a table&#13;&#10;&#13;&#10;Description automatically generated">
+                <a:extLst>
+                  <a:ext uri="{FF2B5EF4-FFF2-40B4-BE49-F238E27FC236}">
+                    <a16:creationId xmlns:a16="http://schemas.microsoft.com/office/drawing/2014/main" id="{41AB3B17-C3C6-E247-B359-2D49CD0A40E9}"/>
+                  </a:ext>
+                </a:extLst>
+              </p:cNvPr>
+              <p:cNvPicPr>
+                <a:picLocks noChangeAspect="1"/>
+              </p:cNvPicPr>
+              <p:nvPr/>
+            </p:nvPicPr>
+            <p:blipFill>
+              <a:blip r:embed="rId4"/>
+              <a:stretch>
+                <a:fillRect/>
+              </a:stretch>
+            </p:blipFill>
+            <p:spPr>
+              <a:xfrm>
+                <a:off x="10403734" y="5672758"/>
+                <a:ext cx="671808" cy="516876"/>
+              </a:xfrm>
+              <a:prstGeom prst="rect">
+                <a:avLst/>
+              </a:prstGeom>
+            </p:spPr>
+          </p:pic>
+          <p:pic>
+            <p:nvPicPr>
+              <p:cNvPr id="71" name="Picture 70" descr="Screen of a cell phone&#13;&#10;&#13;&#10;Description automatically generated">
+                <a:extLst>
+                  <a:ext uri="{FF2B5EF4-FFF2-40B4-BE49-F238E27FC236}">
+                    <a16:creationId xmlns:a16="http://schemas.microsoft.com/office/drawing/2014/main" id="{424D59C7-7A58-BE42-8B73-2373AD2F04CC}"/>
+                  </a:ext>
+                </a:extLst>
+              </p:cNvPr>
+              <p:cNvPicPr>
+                <a:picLocks noChangeAspect="1"/>
+              </p:cNvPicPr>
+              <p:nvPr/>
+            </p:nvPicPr>
+            <p:blipFill>
+              <a:blip r:embed="rId5"/>
+              <a:stretch>
+                <a:fillRect/>
+              </a:stretch>
+            </p:blipFill>
+            <p:spPr>
+              <a:xfrm>
+                <a:off x="10616173" y="2228188"/>
+                <a:ext cx="180695" cy="361393"/>
+              </a:xfrm>
+              <a:prstGeom prst="rect">
+                <a:avLst/>
+              </a:prstGeom>
+            </p:spPr>
+          </p:pic>
+          <p:sp>
+            <p:nvSpPr>
+              <p:cNvPr id="105" name="TextBox 104">
+                <a:extLst>
+                  <a:ext uri="{FF2B5EF4-FFF2-40B4-BE49-F238E27FC236}">
+                    <a16:creationId xmlns:a16="http://schemas.microsoft.com/office/drawing/2014/main" id="{3CDB4B8F-DE15-C04C-A1E5-B62AEC11810E}"/>
+                  </a:ext>
+                </a:extLst>
+              </p:cNvPr>
+              <p:cNvSpPr txBox="1"/>
+              <p:nvPr/>
+            </p:nvSpPr>
+            <p:spPr>
+              <a:xfrm>
+                <a:off x="9509178" y="2688873"/>
+                <a:ext cx="2460931" cy="369332"/>
+              </a:xfrm>
+              <a:prstGeom prst="rect">
+                <a:avLst/>
+              </a:prstGeom>
+              <a:noFill/>
+            </p:spPr>
+            <p:txBody>
+              <a:bodyPr vert="horz" wrap="none" rtlCol="0">
+                <a:spAutoFit/>
+              </a:bodyPr>
+              <a:lstStyle/>
+              <a:p>
+                <a:pPr algn="ctr"/>
+                <a:r>
+                  <a:rPr lang="en-US" dirty="0"/>
+                  <a:t>joão@servidor1.com</a:t>
+                </a:r>
+                <a:endParaRPr lang="pt-BR" sz="1600" b="1" dirty="0"/>
+              </a:p>
+            </p:txBody>
+          </p:sp>
+          <p:sp>
+            <p:nvSpPr>
+              <p:cNvPr id="106" name="TextBox 105">
+                <a:extLst>
+                  <a:ext uri="{FF2B5EF4-FFF2-40B4-BE49-F238E27FC236}">
+                    <a16:creationId xmlns:a16="http://schemas.microsoft.com/office/drawing/2014/main" id="{97B548FE-CFEA-684F-B028-6D45799AE056}"/>
+                  </a:ext>
+                </a:extLst>
+              </p:cNvPr>
+              <p:cNvSpPr txBox="1"/>
+              <p:nvPr/>
+            </p:nvSpPr>
+            <p:spPr>
+              <a:xfrm>
+                <a:off x="9451467" y="6231945"/>
+                <a:ext cx="2601994" cy="369332"/>
+              </a:xfrm>
+              <a:prstGeom prst="rect">
+                <a:avLst/>
+              </a:prstGeom>
+              <a:noFill/>
+            </p:spPr>
+            <p:txBody>
+              <a:bodyPr vert="horz" wrap="none" rtlCol="0">
+                <a:spAutoFit/>
+              </a:bodyPr>
+              <a:lstStyle/>
+              <a:p>
+                <a:pPr algn="ctr"/>
+                <a:r>
+                  <a:rPr lang="en-US" dirty="0"/>
+                  <a:t>maria@servidor2.com</a:t>
+                </a:r>
+                <a:endParaRPr lang="pt-BR" sz="1600" b="1" dirty="0"/>
+              </a:p>
+            </p:txBody>
+          </p:sp>
+          <p:cxnSp>
+            <p:nvCxnSpPr>
+              <p:cNvPr id="61" name="Curved Connector 60">
+                <a:extLst>
+                  <a:ext uri="{FF2B5EF4-FFF2-40B4-BE49-F238E27FC236}">
+                    <a16:creationId xmlns:a16="http://schemas.microsoft.com/office/drawing/2014/main" id="{E505FC33-66C4-3142-BE3C-80B261E42378}"/>
+                  </a:ext>
+                </a:extLst>
+              </p:cNvPr>
+              <p:cNvCxnSpPr>
+                <a:cxnSpLocks/>
+                <a:stCxn id="105" idx="2"/>
+                <a:endCxn id="70" idx="0"/>
+              </p:cNvCxnSpPr>
+              <p:nvPr/>
+            </p:nvCxnSpPr>
+            <p:spPr>
+              <a:xfrm rot="5400000">
+                <a:off x="9432365" y="4365478"/>
+                <a:ext cx="2614553" cy="6"/>
+              </a:xfrm>
+              <a:prstGeom prst="curvedConnector3">
+                <a:avLst>
+                  <a:gd name="adj1" fmla="val 50000"/>
+                </a:avLst>
+              </a:prstGeom>
+              <a:ln w="34925">
+                <a:solidFill>
+                  <a:srgbClr val="00B0F0"/>
+                </a:solidFill>
+                <a:headEnd type="triangle"/>
+                <a:tailEnd type="triangle"/>
+              </a:ln>
+            </p:spPr>
+            <p:style>
+              <a:lnRef idx="1">
+                <a:schemeClr val="accent1"/>
+              </a:lnRef>
+              <a:fillRef idx="0">
+                <a:schemeClr val="accent1"/>
+              </a:fillRef>
+              <a:effectRef idx="0">
+                <a:schemeClr val="accent1"/>
+              </a:effectRef>
+              <a:fontRef idx="minor">
+                <a:schemeClr val="tx1"/>
+              </a:fontRef>
+            </p:style>
+          </p:cxnSp>
+        </p:grpSp>
+        <p:grpSp>
+          <p:nvGrpSpPr>
+            <p:cNvPr id="13" name="Group 12">
               <a:extLst>
                 <a:ext uri="{FF2B5EF4-FFF2-40B4-BE49-F238E27FC236}">
-                  <a16:creationId xmlns:a16="http://schemas.microsoft.com/office/drawing/2014/main" id="{424D59C7-7A58-BE42-8B73-2373AD2F04CC}"/>
+                  <a16:creationId xmlns:a16="http://schemas.microsoft.com/office/drawing/2014/main" id="{9FCC5113-9F8F-484F-8F3C-4FB7F3AAAF80}"/>
                 </a:ext>
               </a:extLst>
             </p:cNvPr>
-            <p:cNvPicPr>
-              <a:picLocks noChangeAspect="1"/>
-            </p:cNvPicPr>
+            <p:cNvGrpSpPr/>
             <p:nvPr/>
-          </p:nvPicPr>
-          <p:blipFill>
-            <a:blip r:embed="rId4"/>
-            <a:stretch>
-              <a:fillRect/>
-            </a:stretch>
-          </p:blipFill>
-          <p:spPr>
+          </p:nvGrpSpPr>
+          <p:grpSpPr>
             <a:xfrm>
-              <a:off x="10616173" y="2228188"/>
-              <a:ext cx="180695" cy="361393"/>
+              <a:off x="10190414" y="3396066"/>
+              <a:ext cx="1211351" cy="1088250"/>
+              <a:chOff x="10190414" y="3396066"/>
+              <a:chExt cx="1211351" cy="1088250"/>
             </a:xfrm>
-            <a:prstGeom prst="rect">
-              <a:avLst/>
-            </a:prstGeom>
-          </p:spPr>
-        </p:pic>
-        <p:sp>
-          <p:nvSpPr>
-            <p:cNvPr id="105" name="TextBox 104">
-              <a:extLst>
-                <a:ext uri="{FF2B5EF4-FFF2-40B4-BE49-F238E27FC236}">
-                  <a16:creationId xmlns:a16="http://schemas.microsoft.com/office/drawing/2014/main" id="{3CDB4B8F-DE15-C04C-A1E5-B62AEC11810E}"/>
-                </a:ext>
-              </a:extLst>
-            </p:cNvPr>
-            <p:cNvSpPr txBox="1"/>
-            <p:nvPr/>
-          </p:nvSpPr>
-          <p:spPr>
-            <a:xfrm>
-              <a:off x="9509178" y="2688873"/>
-              <a:ext cx="2460931" cy="369332"/>
-            </a:xfrm>
-            <a:prstGeom prst="rect">
-              <a:avLst/>
-            </a:prstGeom>
-            <a:noFill/>
-          </p:spPr>
-          <p:txBody>
-            <a:bodyPr vert="horz" wrap="none" rtlCol="0">
-              <a:spAutoFit/>
-            </a:bodyPr>
-            <a:lstStyle/>
-            <a:p>
-              <a:pPr algn="ctr"/>
-              <a:r>
-                <a:rPr lang="en-US" dirty="0"/>
-                <a:t>joão@servidor1.com</a:t>
-              </a:r>
-              <a:endParaRPr lang="pt-BR" sz="1600" b="1" dirty="0"/>
-            </a:p>
-          </p:txBody>
-        </p:sp>
-        <p:sp>
-          <p:nvSpPr>
-            <p:cNvPr id="106" name="TextBox 105">
-              <a:extLst>
-                <a:ext uri="{FF2B5EF4-FFF2-40B4-BE49-F238E27FC236}">
-                  <a16:creationId xmlns:a16="http://schemas.microsoft.com/office/drawing/2014/main" id="{97B548FE-CFEA-684F-B028-6D45799AE056}"/>
-                </a:ext>
-              </a:extLst>
-            </p:cNvPr>
-            <p:cNvSpPr txBox="1"/>
-            <p:nvPr/>
-          </p:nvSpPr>
-          <p:spPr>
-            <a:xfrm>
-              <a:off x="9451467" y="6231945"/>
-              <a:ext cx="2601994" cy="369332"/>
-            </a:xfrm>
-            <a:prstGeom prst="rect">
-              <a:avLst/>
-            </a:prstGeom>
-            <a:noFill/>
-          </p:spPr>
-          <p:txBody>
-            <a:bodyPr vert="horz" wrap="none" rtlCol="0">
-              <a:spAutoFit/>
-            </a:bodyPr>
-            <a:lstStyle/>
-            <a:p>
-              <a:pPr algn="ctr"/>
-              <a:r>
-                <a:rPr lang="en-US" dirty="0"/>
-                <a:t>maria@servidor2.com</a:t>
-              </a:r>
-              <a:endParaRPr lang="pt-BR" sz="1600" b="1" dirty="0"/>
-            </a:p>
-          </p:txBody>
-        </p:sp>
-        <p:cxnSp>
-          <p:nvCxnSpPr>
-            <p:cNvPr id="61" name="Curved Connector 60">
-              <a:extLst>
-                <a:ext uri="{FF2B5EF4-FFF2-40B4-BE49-F238E27FC236}">
-                  <a16:creationId xmlns:a16="http://schemas.microsoft.com/office/drawing/2014/main" id="{E505FC33-66C4-3142-BE3C-80B261E42378}"/>
-                </a:ext>
-              </a:extLst>
-            </p:cNvPr>
-            <p:cNvCxnSpPr>
-              <a:cxnSpLocks/>
-              <a:stCxn id="105" idx="2"/>
-              <a:endCxn id="70" idx="0"/>
-            </p:cNvCxnSpPr>
-            <p:nvPr/>
-          </p:nvCxnSpPr>
-          <p:spPr>
-            <a:xfrm rot="5400000">
-              <a:off x="9432365" y="4365478"/>
-              <a:ext cx="2614553" cy="6"/>
-            </a:xfrm>
-            <a:prstGeom prst="curvedConnector3">
-              <a:avLst>
-                <a:gd name="adj1" fmla="val 50000"/>
-              </a:avLst>
-            </a:prstGeom>
-            <a:ln w="34925">
-              <a:solidFill>
-                <a:srgbClr val="00B0F0"/>
-              </a:solidFill>
-              <a:headEnd type="triangle"/>
-              <a:tailEnd type="triangle"/>
-            </a:ln>
-          </p:spPr>
-          <p:style>
-            <a:lnRef idx="1">
-              <a:schemeClr val="accent1"/>
-            </a:lnRef>
-            <a:fillRef idx="0">
-              <a:schemeClr val="accent1"/>
-            </a:fillRef>
-            <a:effectRef idx="0">
-              <a:schemeClr val="accent1"/>
-            </a:effectRef>
-            <a:fontRef idx="minor">
-              <a:schemeClr val="tx1"/>
-            </a:fontRef>
-          </p:style>
-        </p:cxnSp>
-      </p:grpSp>
-      <p:grpSp>
-        <p:nvGrpSpPr>
-          <p:cNvPr id="13" name="Group 12">
-            <a:extLst>
-              <a:ext uri="{FF2B5EF4-FFF2-40B4-BE49-F238E27FC236}">
-                <a16:creationId xmlns:a16="http://schemas.microsoft.com/office/drawing/2014/main" id="{9FCC5113-9F8F-484F-8F3C-4FB7F3AAAF80}"/>
-              </a:ext>
-            </a:extLst>
-          </p:cNvPr>
-          <p:cNvGrpSpPr/>
-          <p:nvPr/>
-        </p:nvGrpSpPr>
-        <p:grpSpPr>
-          <a:xfrm>
-            <a:off x="10190414" y="3396066"/>
-            <a:ext cx="1211351" cy="1088250"/>
-            <a:chOff x="10190414" y="3396066"/>
-            <a:chExt cx="1211351" cy="1088250"/>
-          </a:xfrm>
-        </p:grpSpPr>
-        <p:pic>
-          <p:nvPicPr>
-            <p:cNvPr id="5" name="Picture 4" descr="A close up of a logo&#10;&#10;Description automatically generated">
-              <a:extLst>
-                <a:ext uri="{FF2B5EF4-FFF2-40B4-BE49-F238E27FC236}">
-                  <a16:creationId xmlns:a16="http://schemas.microsoft.com/office/drawing/2014/main" id="{B91FCF4D-55DD-AB46-A224-52A591C64C1B}"/>
-                </a:ext>
-              </a:extLst>
-            </p:cNvPr>
-            <p:cNvPicPr>
-              <a:picLocks noChangeAspect="1"/>
-            </p:cNvPicPr>
-            <p:nvPr/>
-          </p:nvPicPr>
-          <p:blipFill>
-            <a:blip r:embed="rId5">
-              <a:extLst>
-                <a:ext uri="{837473B0-CC2E-450A-ABE3-18F120FF3D39}">
-                  <a1611:picAttrSrcUrl xmlns:a1611="http://schemas.microsoft.com/office/drawing/2016/11/main" r:id="rId6"/>
-                </a:ext>
-              </a:extLst>
-            </a:blip>
-            <a:stretch>
-              <a:fillRect/>
-            </a:stretch>
-          </p:blipFill>
-          <p:spPr>
-            <a:xfrm>
-              <a:off x="10190414" y="3670162"/>
-              <a:ext cx="529386" cy="529386"/>
-            </a:xfrm>
-            <a:prstGeom prst="rect">
-              <a:avLst/>
-            </a:prstGeom>
-          </p:spPr>
-        </p:pic>
-        <p:pic>
-          <p:nvPicPr>
-            <p:cNvPr id="8" name="Picture 7">
-              <a:extLst>
-                <a:ext uri="{FF2B5EF4-FFF2-40B4-BE49-F238E27FC236}">
-                  <a16:creationId xmlns:a16="http://schemas.microsoft.com/office/drawing/2014/main" id="{CF63524D-0E05-B641-B4FB-868D2B564ABB}"/>
-                </a:ext>
-              </a:extLst>
-            </p:cNvPr>
-            <p:cNvPicPr>
-              <a:picLocks noChangeAspect="1"/>
-            </p:cNvPicPr>
-            <p:nvPr/>
-          </p:nvPicPr>
-          <p:blipFill>
-            <a:blip r:embed="rId7">
-              <a:extLst>
-                <a:ext uri="{837473B0-CC2E-450A-ABE3-18F120FF3D39}">
-                  <a1611:picAttrSrcUrl xmlns:a1611="http://schemas.microsoft.com/office/drawing/2016/11/main" r:id="rId8"/>
-                </a:ext>
-              </a:extLst>
-            </a:blip>
-            <a:stretch>
-              <a:fillRect/>
-            </a:stretch>
-          </p:blipFill>
-          <p:spPr>
-            <a:xfrm>
-              <a:off x="10857629" y="3954972"/>
-              <a:ext cx="529344" cy="529344"/>
-            </a:xfrm>
-            <a:prstGeom prst="rect">
-              <a:avLst/>
-            </a:prstGeom>
-          </p:spPr>
-        </p:pic>
-        <p:pic>
-          <p:nvPicPr>
-            <p:cNvPr id="11" name="Picture 10">
-              <a:extLst>
-                <a:ext uri="{FF2B5EF4-FFF2-40B4-BE49-F238E27FC236}">
-                  <a16:creationId xmlns:a16="http://schemas.microsoft.com/office/drawing/2014/main" id="{4B8CD5A4-CC11-7941-9590-1EE9DEDF6B06}"/>
-                </a:ext>
-              </a:extLst>
-            </p:cNvPr>
-            <p:cNvPicPr>
-              <a:picLocks noChangeAspect="1"/>
-            </p:cNvPicPr>
-            <p:nvPr/>
-          </p:nvPicPr>
-          <p:blipFill>
-            <a:blip r:embed="rId9">
-              <a:extLst>
-                <a:ext uri="{837473B0-CC2E-450A-ABE3-18F120FF3D39}">
-                  <a1611:picAttrSrcUrl xmlns:a1611="http://schemas.microsoft.com/office/drawing/2016/11/main" r:id="rId10"/>
-                </a:ext>
-              </a:extLst>
-            </a:blip>
-            <a:stretch>
-              <a:fillRect/>
-            </a:stretch>
-          </p:blipFill>
-          <p:spPr>
-            <a:xfrm>
-              <a:off x="10872379" y="3396066"/>
-              <a:ext cx="529386" cy="529386"/>
-            </a:xfrm>
-            <a:prstGeom prst="rect">
-              <a:avLst/>
-            </a:prstGeom>
-          </p:spPr>
-        </p:pic>
+          </p:grpSpPr>
+          <p:pic>
+            <p:nvPicPr>
+              <p:cNvPr id="5" name="Picture 4" descr="A close up of a logo&#10;&#10;Description automatically generated">
+                <a:extLst>
+                  <a:ext uri="{FF2B5EF4-FFF2-40B4-BE49-F238E27FC236}">
+                    <a16:creationId xmlns:a16="http://schemas.microsoft.com/office/drawing/2014/main" id="{B91FCF4D-55DD-AB46-A224-52A591C64C1B}"/>
+                  </a:ext>
+                </a:extLst>
+              </p:cNvPr>
+              <p:cNvPicPr>
+                <a:picLocks noChangeAspect="1"/>
+              </p:cNvPicPr>
+              <p:nvPr/>
+            </p:nvPicPr>
+            <p:blipFill>
+              <a:blip r:embed="rId6">
+                <a:extLst>
+                  <a:ext uri="{837473B0-CC2E-450A-ABE3-18F120FF3D39}">
+                    <a1611:picAttrSrcUrl xmlns:a1611="http://schemas.microsoft.com/office/drawing/2016/11/main" r:id="rId7"/>
+                  </a:ext>
+                </a:extLst>
+              </a:blip>
+              <a:stretch>
+                <a:fillRect/>
+              </a:stretch>
+            </p:blipFill>
+            <p:spPr>
+              <a:xfrm>
+                <a:off x="10190414" y="3670162"/>
+                <a:ext cx="529386" cy="529386"/>
+              </a:xfrm>
+              <a:prstGeom prst="rect">
+                <a:avLst/>
+              </a:prstGeom>
+            </p:spPr>
+          </p:pic>
+          <p:pic>
+            <p:nvPicPr>
+              <p:cNvPr id="8" name="Picture 7">
+                <a:extLst>
+                  <a:ext uri="{FF2B5EF4-FFF2-40B4-BE49-F238E27FC236}">
+                    <a16:creationId xmlns:a16="http://schemas.microsoft.com/office/drawing/2014/main" id="{CF63524D-0E05-B641-B4FB-868D2B564ABB}"/>
+                  </a:ext>
+                </a:extLst>
+              </p:cNvPr>
+              <p:cNvPicPr>
+                <a:picLocks noChangeAspect="1"/>
+              </p:cNvPicPr>
+              <p:nvPr/>
+            </p:nvPicPr>
+            <p:blipFill>
+              <a:blip r:embed="rId8">
+                <a:extLst>
+                  <a:ext uri="{837473B0-CC2E-450A-ABE3-18F120FF3D39}">
+                    <a1611:picAttrSrcUrl xmlns:a1611="http://schemas.microsoft.com/office/drawing/2016/11/main" r:id="rId9"/>
+                  </a:ext>
+                </a:extLst>
+              </a:blip>
+              <a:stretch>
+                <a:fillRect/>
+              </a:stretch>
+            </p:blipFill>
+            <p:spPr>
+              <a:xfrm>
+                <a:off x="10857629" y="3954972"/>
+                <a:ext cx="529344" cy="529344"/>
+              </a:xfrm>
+              <a:prstGeom prst="rect">
+                <a:avLst/>
+              </a:prstGeom>
+            </p:spPr>
+          </p:pic>
+          <p:pic>
+            <p:nvPicPr>
+              <p:cNvPr id="11" name="Picture 10">
+                <a:extLst>
+                  <a:ext uri="{FF2B5EF4-FFF2-40B4-BE49-F238E27FC236}">
+                    <a16:creationId xmlns:a16="http://schemas.microsoft.com/office/drawing/2014/main" id="{4B8CD5A4-CC11-7941-9590-1EE9DEDF6B06}"/>
+                  </a:ext>
+                </a:extLst>
+              </p:cNvPr>
+              <p:cNvPicPr>
+                <a:picLocks noChangeAspect="1"/>
+              </p:cNvPicPr>
+              <p:nvPr/>
+            </p:nvPicPr>
+            <p:blipFill>
+              <a:blip r:embed="rId10">
+                <a:extLst>
+                  <a:ext uri="{837473B0-CC2E-450A-ABE3-18F120FF3D39}">
+                    <a1611:picAttrSrcUrl xmlns:a1611="http://schemas.microsoft.com/office/drawing/2016/11/main" r:id="rId11"/>
+                  </a:ext>
+                </a:extLst>
+              </a:blip>
+              <a:stretch>
+                <a:fillRect/>
+              </a:stretch>
+            </p:blipFill>
+            <p:spPr>
+              <a:xfrm>
+                <a:off x="10872379" y="3396066"/>
+                <a:ext cx="529386" cy="529386"/>
+              </a:xfrm>
+              <a:prstGeom prst="rect">
+                <a:avLst/>
+              </a:prstGeom>
+            </p:spPr>
+          </p:pic>
+        </p:grpSp>
       </p:grpSp>
     </p:spTree>
     <p:extLst>
@@ -14694,7 +15271,7 @@
                                 </p:cTn>
                               </p:par>
                               <p:par>
-                                <p:cTn id="8" presetID="9" presetClass="entr" presetSubtype="0" fill="hold" nodeType="withEffect">
+                                <p:cTn id="8" presetID="12" presetClass="entr" presetSubtype="2" fill="hold" nodeType="withEffect">
                                   <p:stCondLst>
                                     <p:cond delay="0"/>
                                   </p:stCondLst>
@@ -14707,7 +15284,7 @@
                                           </p:stCondLst>
                                         </p:cTn>
                                         <p:tgtEl>
-                                          <p:spTgt spid="10"/>
+                                          <p:spTgt spid="4"/>
                                         </p:tgtEl>
                                         <p:attrNameLst>
                                           <p:attrName>style.visibility</p:attrName>
@@ -14717,11 +15294,34 @@
                                         <p:strVal val="visible"/>
                                       </p:to>
                                     </p:set>
-                                    <p:animEffect transition="in" filter="dissolve">
-                                      <p:cBhvr>
+                                    <p:anim calcmode="lin" valueType="num">
+                                      <p:cBhvr additive="base">
                                         <p:cTn id="10" dur="500"/>
                                         <p:tgtEl>
-                                          <p:spTgt spid="10"/>
+                                          <p:spTgt spid="4"/>
+                                        </p:tgtEl>
+                                        <p:attrNameLst>
+                                          <p:attrName>ppt_x</p:attrName>
+                                        </p:attrNameLst>
+                                      </p:cBhvr>
+                                      <p:tavLst>
+                                        <p:tav tm="0">
+                                          <p:val>
+                                            <p:strVal val="#ppt_x+#ppt_w*1.125000"/>
+                                          </p:val>
+                                        </p:tav>
+                                        <p:tav tm="100000">
+                                          <p:val>
+                                            <p:strVal val="#ppt_x"/>
+                                          </p:val>
+                                        </p:tav>
+                                      </p:tavLst>
+                                    </p:anim>
+                                    <p:animEffect transition="in" filter="wipe(left)">
+                                      <p:cBhvr>
+                                        <p:cTn id="11" dur="500"/>
+                                        <p:tgtEl>
+                                          <p:spTgt spid="4"/>
                                         </p:tgtEl>
                                       </p:cBhvr>
                                     </p:animEffect>
@@ -14735,26 +15335,26 @@
                     </p:cTn>
                   </p:par>
                   <p:par>
-                    <p:cTn id="11" fill="hold">
+                    <p:cTn id="12" fill="hold">
                       <p:stCondLst>
                         <p:cond delay="indefinite"/>
                       </p:stCondLst>
                       <p:childTnLst>
                         <p:par>
-                          <p:cTn id="12" fill="hold">
+                          <p:cTn id="13" fill="hold">
                             <p:stCondLst>
                               <p:cond delay="0"/>
                             </p:stCondLst>
                             <p:childTnLst>
                               <p:par>
-                                <p:cTn id="13" presetID="9" presetClass="exit" presetSubtype="0" fill="hold" grpId="1" nodeType="clickEffect">
+                                <p:cTn id="14" presetID="9" presetClass="exit" presetSubtype="0" fill="hold" grpId="1" nodeType="clickEffect">
                                   <p:stCondLst>
                                     <p:cond delay="0"/>
                                   </p:stCondLst>
                                   <p:childTnLst>
                                     <p:animEffect transition="out" filter="dissolve">
                                       <p:cBhvr>
-                                        <p:cTn id="14" dur="500"/>
+                                        <p:cTn id="15" dur="500"/>
                                         <p:tgtEl>
                                           <p:spTgt spid="66">
                                             <p:txEl>
@@ -14766,7 +15366,7 @@
                                     </p:animEffect>
                                     <p:set>
                                       <p:cBhvr>
-                                        <p:cTn id="15" dur="1" fill="hold">
+                                        <p:cTn id="16" dur="1" fill="hold">
                                           <p:stCondLst>
                                             <p:cond delay="499"/>
                                           </p:stCondLst>
@@ -14790,14 +15390,14 @@
                                 </p:cTn>
                               </p:par>
                               <p:par>
-                                <p:cTn id="16" presetID="9" presetClass="entr" presetSubtype="0" fill="hold" grpId="0" nodeType="withEffect">
+                                <p:cTn id="17" presetID="9" presetClass="entr" presetSubtype="0" fill="hold" grpId="0" nodeType="withEffect">
                                   <p:stCondLst>
                                     <p:cond delay="0"/>
                                   </p:stCondLst>
                                   <p:childTnLst>
                                     <p:set>
                                       <p:cBhvr>
-                                        <p:cTn id="17" dur="1" fill="hold">
+                                        <p:cTn id="18" dur="1" fill="hold">
                                           <p:stCondLst>
                                             <p:cond delay="0"/>
                                           </p:stCondLst>
@@ -14819,7 +15419,7 @@
                                     </p:set>
                                     <p:animEffect transition="in" filter="dissolve">
                                       <p:cBhvr>
-                                        <p:cTn id="18" dur="500"/>
+                                        <p:cTn id="19" dur="500"/>
                                         <p:tgtEl>
                                           <p:spTgt spid="66">
                                             <p:txEl>
@@ -14839,26 +15439,26 @@
                     </p:cTn>
                   </p:par>
                   <p:par>
-                    <p:cTn id="19" fill="hold">
+                    <p:cTn id="20" fill="hold">
                       <p:stCondLst>
                         <p:cond delay="indefinite"/>
                       </p:stCondLst>
                       <p:childTnLst>
                         <p:par>
-                          <p:cTn id="20" fill="hold">
+                          <p:cTn id="21" fill="hold">
                             <p:stCondLst>
                               <p:cond delay="0"/>
                             </p:stCondLst>
                             <p:childTnLst>
                               <p:par>
-                                <p:cTn id="21" presetID="9" presetClass="exit" presetSubtype="0" fill="hold" grpId="1" nodeType="clickEffect">
+                                <p:cTn id="22" presetID="9" presetClass="exit" presetSubtype="0" fill="hold" grpId="1" nodeType="clickEffect">
                                   <p:stCondLst>
                                     <p:cond delay="0"/>
                                   </p:stCondLst>
                                   <p:childTnLst>
                                     <p:animEffect transition="out" filter="dissolve">
                                       <p:cBhvr>
-                                        <p:cTn id="22" dur="500"/>
+                                        <p:cTn id="23" dur="500"/>
                                         <p:tgtEl>
                                           <p:spTgt spid="66">
                                             <p:txEl>
@@ -14870,7 +15470,7 @@
                                     </p:animEffect>
                                     <p:set>
                                       <p:cBhvr>
-                                        <p:cTn id="23" dur="1" fill="hold">
+                                        <p:cTn id="24" dur="1" fill="hold">
                                           <p:stCondLst>
                                             <p:cond delay="499"/>
                                           </p:stCondLst>
@@ -14894,14 +15494,14 @@
                                 </p:cTn>
                               </p:par>
                               <p:par>
-                                <p:cTn id="24" presetID="9" presetClass="entr" presetSubtype="0" fill="hold" grpId="0" nodeType="withEffect">
+                                <p:cTn id="25" presetID="9" presetClass="entr" presetSubtype="0" fill="hold" grpId="0" nodeType="withEffect">
                                   <p:stCondLst>
                                     <p:cond delay="0"/>
                                   </p:stCondLst>
                                   <p:childTnLst>
                                     <p:set>
                                       <p:cBhvr>
-                                        <p:cTn id="25" dur="1" fill="hold">
+                                        <p:cTn id="26" dur="1" fill="hold">
                                           <p:stCondLst>
                                             <p:cond delay="0"/>
                                           </p:stCondLst>
@@ -14923,72 +15523,11 @@
                                     </p:set>
                                     <p:animEffect transition="in" filter="dissolve">
                                       <p:cBhvr>
-                                        <p:cTn id="26" dur="500"/>
+                                        <p:cTn id="27" dur="500"/>
                                         <p:tgtEl>
                                           <p:spTgt spid="66">
                                             <p:txEl>
                                               <p:pRg st="2" end="2"/>
-                                            </p:txEl>
-                                          </p:spTgt>
-                                        </p:tgtEl>
-                                      </p:cBhvr>
-                                    </p:animEffect>
-                                  </p:childTnLst>
-                                </p:cTn>
-                              </p:par>
-                            </p:childTnLst>
-                          </p:cTn>
-                        </p:par>
-                      </p:childTnLst>
-                    </p:cTn>
-                  </p:par>
-                  <p:par>
-                    <p:cTn id="27" fill="hold">
-                      <p:stCondLst>
-                        <p:cond delay="indefinite"/>
-                      </p:stCondLst>
-                      <p:childTnLst>
-                        <p:par>
-                          <p:cTn id="28" fill="hold">
-                            <p:stCondLst>
-                              <p:cond delay="0"/>
-                            </p:stCondLst>
-                            <p:childTnLst>
-                              <p:par>
-                                <p:cTn id="29" presetID="9" presetClass="entr" presetSubtype="0" fill="hold" grpId="0" nodeType="clickEffect">
-                                  <p:stCondLst>
-                                    <p:cond delay="0"/>
-                                  </p:stCondLst>
-                                  <p:childTnLst>
-                                    <p:set>
-                                      <p:cBhvr>
-                                        <p:cTn id="30" dur="1" fill="hold">
-                                          <p:stCondLst>
-                                            <p:cond delay="0"/>
-                                          </p:stCondLst>
-                                        </p:cTn>
-                                        <p:tgtEl>
-                                          <p:spTgt spid="66">
-                                            <p:txEl>
-                                              <p:pRg st="3" end="3"/>
-                                            </p:txEl>
-                                          </p:spTgt>
-                                        </p:tgtEl>
-                                        <p:attrNameLst>
-                                          <p:attrName>style.visibility</p:attrName>
-                                        </p:attrNameLst>
-                                      </p:cBhvr>
-                                      <p:to>
-                                        <p:strVal val="visible"/>
-                                      </p:to>
-                                    </p:set>
-                                    <p:animEffect transition="in" filter="dissolve">
-                                      <p:cBhvr>
-                                        <p:cTn id="31" dur="500"/>
-                                        <p:tgtEl>
-                                          <p:spTgt spid="66">
-                                            <p:txEl>
-                                              <p:pRg st="3" end="3"/>
                                             </p:txEl>
                                           </p:spTgt>
                                         </p:tgtEl>
@@ -15085,20 +15624,33 @@
           <a:p>
             <a:r>
               <a:rPr lang="pt-BR" sz="2800" dirty="0"/>
-              <a:t>Amplamente utilizado para desenvolvimento de aplicações de mensagens instantâneas distribuídas e altamente escaláveis</a:t>
-            </a:r>
-          </a:p>
-          <a:p>
+              <a:t>Aplicações de </a:t>
+            </a:r>
+            <a:r>
+              <a:rPr lang="pt-BR" sz="2800" dirty="0" err="1"/>
+              <a:t>msgs</a:t>
+            </a:r>
             <a:r>
               <a:rPr lang="pt-BR" sz="2800" dirty="0"/>
-              <a:t>XMPP é um protocolo (especificação) padronizado, aberto e em constante atualização </a:t>
+              <a:t> instantâneas distribuídas e altamente escaláveis</a:t>
             </a:r>
           </a:p>
           <a:p>
             <a:r>
               <a:rPr lang="pt-BR" sz="2800" dirty="0"/>
-              <a:t>É um dos protocolos escaláveis mais modernos para troca de mensagens</a:t>
-            </a:r>
+              <a:t>XMPP: protocolo padronizado, aberto e em constante atualização </a:t>
+            </a:r>
+          </a:p>
+          <a:p>
+            <a:r>
+              <a:rPr lang="pt-BR" sz="2800" dirty="0"/>
+              <a:t>Um dos protocolos escaláveis mais modernos pra troca de </a:t>
+            </a:r>
+            <a:r>
+              <a:rPr lang="pt-BR" sz="2800" dirty="0" err="1"/>
+              <a:t>msgs</a:t>
+            </a:r>
+            <a:endParaRPr lang="pt-BR" sz="2800" dirty="0"/>
           </a:p>
         </p:txBody>
       </p:sp>
@@ -15765,19 +16317,19 @@
           <a:p>
             <a:r>
               <a:rPr lang="pt-BR" sz="2800" dirty="0"/>
-              <a:t>No caso de chamadas de voz e vídeo, normalmente é utilizado UDP como protocolo de transporte que não garante entrega</a:t>
+              <a:t>Chamadas de voz e vídeo: normalmente é utilizado UDP como protocolo de transporte</a:t>
             </a:r>
           </a:p>
           <a:p>
             <a:r>
               <a:rPr lang="pt-BR" sz="2800" dirty="0"/>
-              <a:t>Se um pacote de voz for perdido, isto não afeta a qualidade da conversa</a:t>
+              <a:t>Um pacote de voz for perdido não afeta a qualidade da conversa</a:t>
             </a:r>
           </a:p>
           <a:p>
             <a:r>
               <a:rPr lang="pt-BR" sz="2800" dirty="0"/>
-              <a:t>Se a perda for grande, vai tornar a comunicação difícil</a:t>
+              <a:t>Grandes perdas: torna a comunicação difícil</a:t>
             </a:r>
           </a:p>
         </p:txBody>
@@ -16517,7 +17069,7 @@
                   </a:outerShdw>
                 </a:effectLst>
               </a:rPr>
-              <a:t>segurança</a:t>
+              <a:t>Transporte</a:t>
             </a:r>
             <a:endParaRPr lang="pt-BR" dirty="0">
               <a:solidFill>
@@ -16562,43 +17114,41 @@
           <a:p>
             <a:r>
               <a:rPr lang="pt-BR" sz="2800" dirty="0"/>
-              <a:t>A comunicação pode ser criptografada fim-a-fim</a:t>
+              <a:t>TCP por uma porta específica: 5222, 5223 (TLS)</a:t>
             </a:r>
           </a:p>
           <a:p>
             <a:r>
               <a:rPr lang="pt-BR" sz="2800" dirty="0"/>
-              <a:t>Neste caso, somente o emissor e receptor podem </a:t>
+              <a:t>Firewall </a:t>
             </a:r>
             <a:r>
               <a:rPr lang="pt-BR" sz="2800" dirty="0" err="1"/>
-              <a:t>descriptografar</a:t>
+              <a:t>friendly</a:t>
+            </a:r>
+            <a:r>
+              <a:rPr lang="pt-BR" sz="2800" dirty="0"/>
+              <a:t> com HTTP</a:t>
+            </a:r>
+          </a:p>
+          <a:p>
+            <a:r>
+              <a:rPr lang="pt-BR" sz="2800" dirty="0"/>
+              <a:t>Firewall </a:t>
+            </a:r>
+            <a:r>
+              <a:rPr lang="pt-BR" sz="2800" dirty="0" err="1"/>
+              <a:t>friendly</a:t>
+            </a:r>
+            <a:r>
+              <a:rPr lang="pt-BR" sz="2800" dirty="0"/>
+              <a:t> com </a:t>
+            </a:r>
+            <a:r>
+              <a:rPr lang="pt-BR" sz="2800" dirty="0" err="1"/>
+              <a:t>WebSocket</a:t>
             </a:r>
             <a:endParaRPr lang="pt-BR" sz="2800" dirty="0"/>
-          </a:p>
-          <a:p>
-            <a:r>
-              <a:rPr lang="pt-BR" sz="2800" dirty="0"/>
-              <a:t>O WhatsApp utiliza tal recurso, sendo que nem mesmo a empresa pode ler as </a:t>
-            </a:r>
-            <a:r>
-              <a:rPr lang="pt-BR" sz="2800" dirty="0" err="1"/>
-              <a:t>msgs</a:t>
-            </a:r>
-            <a:r>
-              <a:rPr lang="pt-BR" sz="2800" dirty="0"/>
-              <a:t> dos usuários </a:t>
-            </a:r>
-            <a:r>
-              <a:rPr lang="pt-BR" sz="2800" dirty="0">
-                <a:hlinkClick r:id="rId2"/>
-              </a:rPr>
-              <a:t>https://youtu.be/8PW3O2mqTn8</a:t>
-            </a:r>
-            <a:r>
-              <a:rPr lang="pt-BR" sz="2800" dirty="0"/>
-              <a:t> </a:t>
-            </a:r>
           </a:p>
         </p:txBody>
       </p:sp>
@@ -16633,10 +17183,10 @@
       </p:sp>
       <p:grpSp>
         <p:nvGrpSpPr>
-          <p:cNvPr id="11" name="Group 10">
+          <p:cNvPr id="10" name="Group 9">
             <a:extLst>
               <a:ext uri="{FF2B5EF4-FFF2-40B4-BE49-F238E27FC236}">
-                <a16:creationId xmlns:a16="http://schemas.microsoft.com/office/drawing/2014/main" id="{30227624-EE6B-4541-8524-0E247FB476DD}"/>
+                <a16:creationId xmlns:a16="http://schemas.microsoft.com/office/drawing/2014/main" id="{557C2993-79F4-EA47-96C9-57A75D103516}"/>
               </a:ext>
             </a:extLst>
           </p:cNvPr>
@@ -16645,18 +17195,18 @@
         </p:nvGrpSpPr>
         <p:grpSpPr>
           <a:xfrm>
-            <a:off x="9466457" y="1823456"/>
-            <a:ext cx="2601994" cy="4373089"/>
-            <a:chOff x="9451467" y="2228188"/>
-            <a:chExt cx="2601994" cy="4373089"/>
+            <a:off x="329098" y="4699541"/>
+            <a:ext cx="2882520" cy="1908750"/>
+            <a:chOff x="9238102" y="4873642"/>
+            <a:chExt cx="2882520" cy="1908750"/>
           </a:xfrm>
         </p:grpSpPr>
         <p:pic>
           <p:nvPicPr>
-            <p:cNvPr id="12" name="Picture 11" descr="An open computer sitting on a table&#13;&#10;&#13;&#10;Description automatically generated">
+            <p:cNvPr id="6" name="Picture 5" descr="Delivery">
               <a:extLst>
                 <a:ext uri="{FF2B5EF4-FFF2-40B4-BE49-F238E27FC236}">
-                  <a16:creationId xmlns:a16="http://schemas.microsoft.com/office/drawing/2014/main" id="{ABFDDB4A-2D68-3146-AC99-F90C4FE4CD7D}"/>
+                  <a16:creationId xmlns:a16="http://schemas.microsoft.com/office/drawing/2014/main" id="{04A80ACB-E3AA-074A-BAD6-4C75675A610E}"/>
                 </a:ext>
               </a:extLst>
             </p:cNvPr>
@@ -16666,45 +17216,15 @@
             <p:nvPr/>
           </p:nvPicPr>
           <p:blipFill>
-            <a:blip r:embed="rId3"/>
+            <a:blip r:embed="rId2"/>
             <a:stretch>
               <a:fillRect/>
             </a:stretch>
           </p:blipFill>
           <p:spPr>
             <a:xfrm>
-              <a:off x="10403734" y="5672758"/>
-              <a:ext cx="671808" cy="516876"/>
-            </a:xfrm>
-            <a:prstGeom prst="rect">
-              <a:avLst/>
-            </a:prstGeom>
-          </p:spPr>
-        </p:pic>
-        <p:pic>
-          <p:nvPicPr>
-            <p:cNvPr id="13" name="Picture 12" descr="Screen of a cell phone&#13;&#10;&#13;&#10;Description automatically generated">
-              <a:extLst>
-                <a:ext uri="{FF2B5EF4-FFF2-40B4-BE49-F238E27FC236}">
-                  <a16:creationId xmlns:a16="http://schemas.microsoft.com/office/drawing/2014/main" id="{0046F209-F0F7-7749-BD16-20D9EE597AE3}"/>
-                </a:ext>
-              </a:extLst>
-            </p:cNvPr>
-            <p:cNvPicPr>
-              <a:picLocks noChangeAspect="1"/>
-            </p:cNvPicPr>
-            <p:nvPr/>
-          </p:nvPicPr>
-          <p:blipFill>
-            <a:blip r:embed="rId4"/>
-            <a:stretch>
-              <a:fillRect/>
-            </a:stretch>
-          </p:blipFill>
-          <p:spPr>
-            <a:xfrm>
-              <a:off x="10616173" y="2228188"/>
-              <a:ext cx="180695" cy="361393"/>
+              <a:off x="9368590" y="4873642"/>
+              <a:ext cx="2589460" cy="1618413"/>
             </a:xfrm>
             <a:prstGeom prst="rect">
               <a:avLst/>
@@ -16713,10 +17233,10 @@
         </p:pic>
         <p:sp>
           <p:nvSpPr>
-            <p:cNvPr id="14" name="TextBox 13">
+            <p:cNvPr id="7" name="TextBox 6">
               <a:extLst>
                 <a:ext uri="{FF2B5EF4-FFF2-40B4-BE49-F238E27FC236}">
-                  <a16:creationId xmlns:a16="http://schemas.microsoft.com/office/drawing/2014/main" id="{BFF4F7B4-73EA-3B45-8EBE-497DB9631F24}"/>
+                  <a16:creationId xmlns:a16="http://schemas.microsoft.com/office/drawing/2014/main" id="{9569754A-D69D-0047-AB60-C169D2E55E3D}"/>
                 </a:ext>
               </a:extLst>
             </p:cNvPr>
@@ -16725,8 +17245,8 @@
           </p:nvSpPr>
           <p:spPr>
             <a:xfrm>
-              <a:off x="9509178" y="2688873"/>
-              <a:ext cx="2460931" cy="369332"/>
+              <a:off x="9238102" y="6536171"/>
+              <a:ext cx="2882520" cy="246221"/>
             </a:xfrm>
             <a:prstGeom prst="rect">
               <a:avLst/>
@@ -16734,242 +17254,38 @@
             <a:noFill/>
           </p:spPr>
           <p:txBody>
-            <a:bodyPr vert="horz" wrap="none" rtlCol="0">
+            <a:bodyPr wrap="none" rtlCol="0">
               <a:spAutoFit/>
             </a:bodyPr>
             <a:lstStyle/>
             <a:p>
-              <a:pPr algn="ctr"/>
               <a:r>
-                <a:rPr lang="en-US" dirty="0"/>
-                <a:t>joão@servidor1.com</a:t>
+                <a:rPr lang="pt-BR" sz="1000" dirty="0"/>
+                <a:t>Imagem: </a:t>
               </a:r>
-              <a:endParaRPr lang="pt-BR" sz="1600" b="1" dirty="0"/>
+              <a:r>
+                <a:rPr lang="pt-BR" sz="1000" dirty="0" err="1"/>
+                <a:t>https</a:t>
+              </a:r>
+              <a:r>
+                <a:rPr lang="pt-BR" sz="1000" dirty="0"/>
+                <a:t>://</a:t>
+              </a:r>
+              <a:r>
+                <a:rPr lang="pt-BR" sz="1000" dirty="0" err="1"/>
+                <a:t>blog.deliverydireto.com.br</a:t>
+              </a:r>
+              <a:endParaRPr lang="pt-BR" sz="1000" dirty="0"/>
             </a:p>
           </p:txBody>
         </p:sp>
-        <p:sp>
-          <p:nvSpPr>
-            <p:cNvPr id="15" name="TextBox 14">
-              <a:extLst>
-                <a:ext uri="{FF2B5EF4-FFF2-40B4-BE49-F238E27FC236}">
-                  <a16:creationId xmlns:a16="http://schemas.microsoft.com/office/drawing/2014/main" id="{F8A4B86C-554B-A540-87C7-70EFE90A29BD}"/>
-                </a:ext>
-              </a:extLst>
-            </p:cNvPr>
-            <p:cNvSpPr txBox="1"/>
-            <p:nvPr/>
-          </p:nvSpPr>
-          <p:spPr>
-            <a:xfrm>
-              <a:off x="9451467" y="6231945"/>
-              <a:ext cx="2601994" cy="369332"/>
-            </a:xfrm>
-            <a:prstGeom prst="rect">
-              <a:avLst/>
-            </a:prstGeom>
-            <a:noFill/>
-          </p:spPr>
-          <p:txBody>
-            <a:bodyPr vert="horz" wrap="none" rtlCol="0">
-              <a:spAutoFit/>
-            </a:bodyPr>
-            <a:lstStyle/>
-            <a:p>
-              <a:pPr algn="ctr"/>
-              <a:r>
-                <a:rPr lang="en-US" dirty="0"/>
-                <a:t>maria@servidor2.com</a:t>
-              </a:r>
-              <a:endParaRPr lang="pt-BR" sz="1600" b="1" dirty="0"/>
-            </a:p>
-          </p:txBody>
-        </p:sp>
-        <p:cxnSp>
-          <p:nvCxnSpPr>
-            <p:cNvPr id="16" name="Curved Connector 15">
-              <a:extLst>
-                <a:ext uri="{FF2B5EF4-FFF2-40B4-BE49-F238E27FC236}">
-                  <a16:creationId xmlns:a16="http://schemas.microsoft.com/office/drawing/2014/main" id="{2950E4E6-D813-EE41-9227-52A96521E923}"/>
-                </a:ext>
-              </a:extLst>
-            </p:cNvPr>
-            <p:cNvCxnSpPr>
-              <a:cxnSpLocks/>
-              <a:stCxn id="14" idx="2"/>
-              <a:endCxn id="12" idx="0"/>
-            </p:cNvCxnSpPr>
-            <p:nvPr/>
-          </p:nvCxnSpPr>
-          <p:spPr>
-            <a:xfrm rot="5400000">
-              <a:off x="9432365" y="4365478"/>
-              <a:ext cx="2614553" cy="6"/>
-            </a:xfrm>
-            <a:prstGeom prst="curvedConnector3">
-              <a:avLst>
-                <a:gd name="adj1" fmla="val 50000"/>
-              </a:avLst>
-            </a:prstGeom>
-            <a:ln w="34925">
-              <a:solidFill>
-                <a:srgbClr val="00B0F0"/>
-              </a:solidFill>
-              <a:headEnd type="triangle"/>
-              <a:tailEnd type="triangle"/>
-            </a:ln>
-          </p:spPr>
-          <p:style>
-            <a:lnRef idx="1">
-              <a:schemeClr val="accent1"/>
-            </a:lnRef>
-            <a:fillRef idx="0">
-              <a:schemeClr val="accent1"/>
-            </a:fillRef>
-            <a:effectRef idx="0">
-              <a:schemeClr val="accent1"/>
-            </a:effectRef>
-            <a:fontRef idx="minor">
-              <a:schemeClr val="tx1"/>
-            </a:fontRef>
-          </p:style>
-        </p:cxnSp>
-      </p:grpSp>
-      <p:grpSp>
-        <p:nvGrpSpPr>
-          <p:cNvPr id="17" name="Group 16">
-            <a:extLst>
-              <a:ext uri="{FF2B5EF4-FFF2-40B4-BE49-F238E27FC236}">
-                <a16:creationId xmlns:a16="http://schemas.microsoft.com/office/drawing/2014/main" id="{A0B742D1-489E-B046-9A79-9C35191862CB}"/>
-              </a:ext>
-            </a:extLst>
-          </p:cNvPr>
-          <p:cNvGrpSpPr/>
-          <p:nvPr/>
-        </p:nvGrpSpPr>
-        <p:grpSpPr>
-          <a:xfrm>
-            <a:off x="10190414" y="3396066"/>
-            <a:ext cx="1211351" cy="1088250"/>
-            <a:chOff x="10190414" y="3396066"/>
-            <a:chExt cx="1211351" cy="1088250"/>
-          </a:xfrm>
-        </p:grpSpPr>
-        <p:pic>
-          <p:nvPicPr>
-            <p:cNvPr id="18" name="Picture 17" descr="A close up of a logo&#10;&#10;Description automatically generated">
-              <a:extLst>
-                <a:ext uri="{FF2B5EF4-FFF2-40B4-BE49-F238E27FC236}">
-                  <a16:creationId xmlns:a16="http://schemas.microsoft.com/office/drawing/2014/main" id="{AA16C49B-6940-1E48-8F08-3B6EC0D24A54}"/>
-                </a:ext>
-              </a:extLst>
-            </p:cNvPr>
-            <p:cNvPicPr>
-              <a:picLocks noChangeAspect="1"/>
-            </p:cNvPicPr>
-            <p:nvPr/>
-          </p:nvPicPr>
-          <p:blipFill>
-            <a:blip r:embed="rId5">
-              <a:extLst>
-                <a:ext uri="{837473B0-CC2E-450A-ABE3-18F120FF3D39}">
-                  <a1611:picAttrSrcUrl xmlns:a1611="http://schemas.microsoft.com/office/drawing/2016/11/main" r:id="rId6"/>
-                </a:ext>
-              </a:extLst>
-            </a:blip>
-            <a:stretch>
-              <a:fillRect/>
-            </a:stretch>
-          </p:blipFill>
-          <p:spPr>
-            <a:xfrm>
-              <a:off x="10190414" y="3670162"/>
-              <a:ext cx="529386" cy="529386"/>
-            </a:xfrm>
-            <a:prstGeom prst="rect">
-              <a:avLst/>
-            </a:prstGeom>
-          </p:spPr>
-        </p:pic>
-        <p:pic>
-          <p:nvPicPr>
-            <p:cNvPr id="19" name="Picture 18">
-              <a:extLst>
-                <a:ext uri="{FF2B5EF4-FFF2-40B4-BE49-F238E27FC236}">
-                  <a16:creationId xmlns:a16="http://schemas.microsoft.com/office/drawing/2014/main" id="{064EA254-55CA-824B-8204-F6B3C19833D5}"/>
-                </a:ext>
-              </a:extLst>
-            </p:cNvPr>
-            <p:cNvPicPr>
-              <a:picLocks noChangeAspect="1"/>
-            </p:cNvPicPr>
-            <p:nvPr/>
-          </p:nvPicPr>
-          <p:blipFill>
-            <a:blip r:embed="rId7">
-              <a:extLst>
-                <a:ext uri="{837473B0-CC2E-450A-ABE3-18F120FF3D39}">
-                  <a1611:picAttrSrcUrl xmlns:a1611="http://schemas.microsoft.com/office/drawing/2016/11/main" r:id="rId8"/>
-                </a:ext>
-              </a:extLst>
-            </a:blip>
-            <a:stretch>
-              <a:fillRect/>
-            </a:stretch>
-          </p:blipFill>
-          <p:spPr>
-            <a:xfrm>
-              <a:off x="10857629" y="3954972"/>
-              <a:ext cx="529344" cy="529344"/>
-            </a:xfrm>
-            <a:prstGeom prst="rect">
-              <a:avLst/>
-            </a:prstGeom>
-          </p:spPr>
-        </p:pic>
-        <p:pic>
-          <p:nvPicPr>
-            <p:cNvPr id="20" name="Picture 19">
-              <a:extLst>
-                <a:ext uri="{FF2B5EF4-FFF2-40B4-BE49-F238E27FC236}">
-                  <a16:creationId xmlns:a16="http://schemas.microsoft.com/office/drawing/2014/main" id="{AC05F15F-1717-0C42-9851-64EADD11E0C3}"/>
-                </a:ext>
-              </a:extLst>
-            </p:cNvPr>
-            <p:cNvPicPr>
-              <a:picLocks noChangeAspect="1"/>
-            </p:cNvPicPr>
-            <p:nvPr/>
-          </p:nvPicPr>
-          <p:blipFill>
-            <a:blip r:embed="rId9">
-              <a:extLst>
-                <a:ext uri="{837473B0-CC2E-450A-ABE3-18F120FF3D39}">
-                  <a1611:picAttrSrcUrl xmlns:a1611="http://schemas.microsoft.com/office/drawing/2016/11/main" r:id="rId10"/>
-                </a:ext>
-              </a:extLst>
-            </a:blip>
-            <a:stretch>
-              <a:fillRect/>
-            </a:stretch>
-          </p:blipFill>
-          <p:spPr>
-            <a:xfrm>
-              <a:off x="10872379" y="3396066"/>
-              <a:ext cx="529386" cy="529386"/>
-            </a:xfrm>
-            <a:prstGeom prst="rect">
-              <a:avLst/>
-            </a:prstGeom>
-          </p:spPr>
-        </p:pic>
       </p:grpSp>
       <p:pic>
         <p:nvPicPr>
-          <p:cNvPr id="5" name="Picture 4" descr="A picture containing indoor, table, sitting, computer&#10;&#10;Description automatically generated">
+          <p:cNvPr id="9" name="Picture 8" descr="A picture containing drawing&#10;&#10;Description automatically generated">
             <a:extLst>
               <a:ext uri="{FF2B5EF4-FFF2-40B4-BE49-F238E27FC236}">
-                <a16:creationId xmlns:a16="http://schemas.microsoft.com/office/drawing/2014/main" id="{ACB4243A-2954-A04E-88FB-6F496147AF65}"/>
+                <a16:creationId xmlns:a16="http://schemas.microsoft.com/office/drawing/2014/main" id="{594EF611-CC3C-FB41-911E-CE68B52E27D7}"/>
               </a:ext>
             </a:extLst>
           </p:cNvPr>
@@ -16979,57 +17295,15 @@
           <p:nvPr/>
         </p:nvPicPr>
         <p:blipFill>
-          <a:blip r:embed="rId11">
-            <a:extLst>
-              <a:ext uri="{837473B0-CC2E-450A-ABE3-18F120FF3D39}">
-                <a1611:picAttrSrcUrl xmlns:a1611="http://schemas.microsoft.com/office/drawing/2016/11/main" r:id="rId12"/>
-              </a:ext>
-            </a:extLst>
-          </a:blip>
+          <a:blip r:embed="rId3"/>
           <a:stretch>
             <a:fillRect/>
           </a:stretch>
         </p:blipFill>
         <p:spPr>
           <a:xfrm>
-            <a:off x="10238366" y="2577927"/>
-            <a:ext cx="516262" cy="516262"/>
-          </a:xfrm>
-          <a:prstGeom prst="rect">
-            <a:avLst/>
-          </a:prstGeom>
-        </p:spPr>
-      </p:pic>
-      <p:pic>
-        <p:nvPicPr>
-          <p:cNvPr id="21" name="Picture 20" descr="A picture containing indoor, table, sitting, computer&#10;&#10;Description automatically generated">
-            <a:extLst>
-              <a:ext uri="{FF2B5EF4-FFF2-40B4-BE49-F238E27FC236}">
-                <a16:creationId xmlns:a16="http://schemas.microsoft.com/office/drawing/2014/main" id="{5A04AA45-20AD-5148-A90F-5DB29A1E25C4}"/>
-              </a:ext>
-            </a:extLst>
-          </p:cNvPr>
-          <p:cNvPicPr>
-            <a:picLocks noChangeAspect="1"/>
-          </p:cNvPicPr>
-          <p:nvPr/>
-        </p:nvPicPr>
-        <p:blipFill>
-          <a:blip r:embed="rId11">
-            <a:extLst>
-              <a:ext uri="{837473B0-CC2E-450A-ABE3-18F120FF3D39}">
-                <a1611:picAttrSrcUrl xmlns:a1611="http://schemas.microsoft.com/office/drawing/2016/11/main" r:id="rId12"/>
-              </a:ext>
-            </a:extLst>
-          </a:blip>
-          <a:stretch>
-            <a:fillRect/>
-          </a:stretch>
-        </p:blipFill>
-        <p:spPr>
-          <a:xfrm>
-            <a:off x="10202339" y="4614095"/>
-            <a:ext cx="516262" cy="516262"/>
+            <a:off x="7643014" y="5428954"/>
+            <a:ext cx="4089400" cy="889000"/>
           </a:xfrm>
           <a:prstGeom prst="rect">
             <a:avLst/>
@@ -17058,6 +17332,9 @@
                     <p:cTn id="3" fill="hold">
                       <p:stCondLst>
                         <p:cond delay="indefinite"/>
+                        <p:cond evt="onBegin" delay="0">
+                          <p:tn val="2"/>
+                        </p:cond>
                       </p:stCondLst>
                       <p:childTnLst>
                         <p:par>
@@ -17067,7 +17344,7 @@
                             </p:stCondLst>
                             <p:childTnLst>
                               <p:par>
-                                <p:cTn id="5" presetID="9" presetClass="entr" presetSubtype="0" fill="hold" grpId="0" nodeType="clickEffect">
+                                <p:cTn id="5" presetID="2" presetClass="entr" presetSubtype="8" fill="hold" nodeType="afterEffect">
                                   <p:stCondLst>
                                     <p:cond delay="0"/>
                                   </p:stCondLst>
@@ -17075,6 +17352,97 @@
                                     <p:set>
                                       <p:cBhvr>
                                         <p:cTn id="6" dur="1" fill="hold">
+                                          <p:stCondLst>
+                                            <p:cond delay="0"/>
+                                          </p:stCondLst>
+                                        </p:cTn>
+                                        <p:tgtEl>
+                                          <p:spTgt spid="10"/>
+                                        </p:tgtEl>
+                                        <p:attrNameLst>
+                                          <p:attrName>style.visibility</p:attrName>
+                                        </p:attrNameLst>
+                                      </p:cBhvr>
+                                      <p:to>
+                                        <p:strVal val="visible"/>
+                                      </p:to>
+                                    </p:set>
+                                    <p:anim calcmode="lin" valueType="num">
+                                      <p:cBhvr additive="base">
+                                        <p:cTn id="7" dur="500" fill="hold"/>
+                                        <p:tgtEl>
+                                          <p:spTgt spid="10"/>
+                                        </p:tgtEl>
+                                        <p:attrNameLst>
+                                          <p:attrName>ppt_x</p:attrName>
+                                        </p:attrNameLst>
+                                      </p:cBhvr>
+                                      <p:tavLst>
+                                        <p:tav tm="0">
+                                          <p:val>
+                                            <p:strVal val="0-#ppt_w/2"/>
+                                          </p:val>
+                                        </p:tav>
+                                        <p:tav tm="100000">
+                                          <p:val>
+                                            <p:strVal val="#ppt_x"/>
+                                          </p:val>
+                                        </p:tav>
+                                      </p:tavLst>
+                                    </p:anim>
+                                    <p:anim calcmode="lin" valueType="num">
+                                      <p:cBhvr additive="base">
+                                        <p:cTn id="8" dur="500" fill="hold"/>
+                                        <p:tgtEl>
+                                          <p:spTgt spid="10"/>
+                                        </p:tgtEl>
+                                        <p:attrNameLst>
+                                          <p:attrName>ppt_y</p:attrName>
+                                        </p:attrNameLst>
+                                      </p:cBhvr>
+                                      <p:tavLst>
+                                        <p:tav tm="0">
+                                          <p:val>
+                                            <p:strVal val="#ppt_y"/>
+                                          </p:val>
+                                        </p:tav>
+                                        <p:tav tm="100000">
+                                          <p:val>
+                                            <p:strVal val="#ppt_y"/>
+                                          </p:val>
+                                        </p:tav>
+                                      </p:tavLst>
+                                    </p:anim>
+                                  </p:childTnLst>
+                                </p:cTn>
+                              </p:par>
+                            </p:childTnLst>
+                          </p:cTn>
+                        </p:par>
+                      </p:childTnLst>
+                    </p:cTn>
+                  </p:par>
+                  <p:par>
+                    <p:cTn id="9" fill="hold">
+                      <p:stCondLst>
+                        <p:cond delay="indefinite"/>
+                      </p:stCondLst>
+                      <p:childTnLst>
+                        <p:par>
+                          <p:cTn id="10" fill="hold">
+                            <p:stCondLst>
+                              <p:cond delay="0"/>
+                            </p:stCondLst>
+                            <p:childTnLst>
+                              <p:par>
+                                <p:cTn id="11" presetID="9" presetClass="entr" presetSubtype="0" fill="hold" grpId="0" nodeType="clickEffect">
+                                  <p:stCondLst>
+                                    <p:cond delay="0"/>
+                                  </p:stCondLst>
+                                  <p:childTnLst>
+                                    <p:set>
+                                      <p:cBhvr>
+                                        <p:cTn id="12" dur="1" fill="hold">
                                           <p:stCondLst>
                                             <p:cond delay="0"/>
                                           </p:stCondLst>
@@ -17096,7 +17464,7 @@
                                     </p:set>
                                     <p:animEffect transition="in" filter="dissolve">
                                       <p:cBhvr>
-                                        <p:cTn id="7" dur="500"/>
+                                        <p:cTn id="13" dur="500"/>
                                         <p:tgtEl>
                                           <p:spTgt spid="66">
                                             <p:txEl>
@@ -17116,26 +17484,57 @@
                     </p:cTn>
                   </p:par>
                   <p:par>
-                    <p:cTn id="8" fill="hold">
+                    <p:cTn id="14" fill="hold">
                       <p:stCondLst>
                         <p:cond delay="indefinite"/>
                       </p:stCondLst>
                       <p:childTnLst>
                         <p:par>
-                          <p:cTn id="9" fill="hold">
+                          <p:cTn id="15" fill="hold">
                             <p:stCondLst>
                               <p:cond delay="0"/>
                             </p:stCondLst>
                             <p:childTnLst>
                               <p:par>
-                                <p:cTn id="10" presetID="9" presetClass="entr" presetSubtype="0" fill="hold" grpId="0" nodeType="clickEffect">
+                                <p:cTn id="16" presetID="1" presetClass="exit" presetSubtype="0" fill="hold" grpId="1" nodeType="clickEffect">
                                   <p:stCondLst>
                                     <p:cond delay="0"/>
                                   </p:stCondLst>
                                   <p:childTnLst>
                                     <p:set>
                                       <p:cBhvr>
-                                        <p:cTn id="11" dur="1" fill="hold">
+                                        <p:cTn id="17" dur="1" fill="hold">
+                                          <p:stCondLst>
+                                            <p:cond delay="0"/>
+                                          </p:stCondLst>
+                                        </p:cTn>
+                                        <p:tgtEl>
+                                          <p:spTgt spid="66">
+                                            <p:txEl>
+                                              <p:pRg st="0" end="0"/>
+                                            </p:txEl>
+                                          </p:spTgt>
+                                        </p:tgtEl>
+                                        <p:attrNameLst>
+                                          <p:attrName>style.visibility</p:attrName>
+                                        </p:attrNameLst>
+                                      </p:cBhvr>
+                                      <p:to>
+                                        <p:strVal val="hidden"/>
+                                      </p:to>
+                                    </p:set>
+                                  </p:childTnLst>
+                                </p:cTn>
+                              </p:par>
+                              <p:par>
+                                <p:cTn id="18" presetID="9" presetClass="entr" presetSubtype="0" fill="hold" grpId="0" nodeType="withEffect">
+                                  <p:stCondLst>
+                                    <p:cond delay="0"/>
+                                  </p:stCondLst>
+                                  <p:childTnLst>
+                                    <p:set>
+                                      <p:cBhvr>
+                                        <p:cTn id="19" dur="1" fill="hold">
                                           <p:stCondLst>
                                             <p:cond delay="0"/>
                                           </p:stCondLst>
@@ -17157,7 +17556,7 @@
                                     </p:set>
                                     <p:animEffect transition="in" filter="dissolve">
                                       <p:cBhvr>
-                                        <p:cTn id="12" dur="500"/>
+                                        <p:cTn id="20" dur="500"/>
                                         <p:tgtEl>
                                           <p:spTgt spid="66">
                                             <p:txEl>
@@ -17177,26 +17576,57 @@
                     </p:cTn>
                   </p:par>
                   <p:par>
-                    <p:cTn id="13" fill="hold">
+                    <p:cTn id="21" fill="hold">
                       <p:stCondLst>
                         <p:cond delay="indefinite"/>
                       </p:stCondLst>
                       <p:childTnLst>
                         <p:par>
-                          <p:cTn id="14" fill="hold">
+                          <p:cTn id="22" fill="hold">
                             <p:stCondLst>
                               <p:cond delay="0"/>
                             </p:stCondLst>
                             <p:childTnLst>
                               <p:par>
-                                <p:cTn id="15" presetID="9" presetClass="entr" presetSubtype="0" fill="hold" grpId="0" nodeType="clickEffect">
+                                <p:cTn id="23" presetID="1" presetClass="exit" presetSubtype="0" fill="hold" grpId="1" nodeType="clickEffect">
                                   <p:stCondLst>
                                     <p:cond delay="0"/>
                                   </p:stCondLst>
                                   <p:childTnLst>
                                     <p:set>
                                       <p:cBhvr>
-                                        <p:cTn id="16" dur="1" fill="hold">
+                                        <p:cTn id="24" dur="1" fill="hold">
+                                          <p:stCondLst>
+                                            <p:cond delay="0"/>
+                                          </p:stCondLst>
+                                        </p:cTn>
+                                        <p:tgtEl>
+                                          <p:spTgt spid="66">
+                                            <p:txEl>
+                                              <p:pRg st="1" end="1"/>
+                                            </p:txEl>
+                                          </p:spTgt>
+                                        </p:tgtEl>
+                                        <p:attrNameLst>
+                                          <p:attrName>style.visibility</p:attrName>
+                                        </p:attrNameLst>
+                                      </p:cBhvr>
+                                      <p:to>
+                                        <p:strVal val="hidden"/>
+                                      </p:to>
+                                    </p:set>
+                                  </p:childTnLst>
+                                </p:cTn>
+                              </p:par>
+                              <p:par>
+                                <p:cTn id="25" presetID="9" presetClass="entr" presetSubtype="0" fill="hold" grpId="0" nodeType="withEffect">
+                                  <p:stCondLst>
+                                    <p:cond delay="0"/>
+                                  </p:stCondLst>
+                                  <p:childTnLst>
+                                    <p:set>
+                                      <p:cBhvr>
+                                        <p:cTn id="26" dur="1" fill="hold">
                                           <p:stCondLst>
                                             <p:cond delay="0"/>
                                           </p:stCondLst>
@@ -17218,7 +17648,7 @@
                                     </p:set>
                                     <p:animEffect transition="in" filter="dissolve">
                                       <p:cBhvr>
-                                        <p:cTn id="17" dur="500"/>
+                                        <p:cTn id="27" dur="500"/>
                                         <p:tgtEl>
                                           <p:spTgt spid="66">
                                             <p:txEl>
@@ -17231,186 +17661,76 @@
                                   </p:childTnLst>
                                 </p:cTn>
                               </p:par>
-                            </p:childTnLst>
-                          </p:cTn>
-                        </p:par>
-                      </p:childTnLst>
-                    </p:cTn>
-                  </p:par>
-                  <p:par>
-                    <p:cTn id="18" fill="hold">
-                      <p:stCondLst>
-                        <p:cond delay="indefinite"/>
-                      </p:stCondLst>
-                      <p:childTnLst>
-                        <p:par>
-                          <p:cTn id="19" fill="hold">
-                            <p:stCondLst>
-                              <p:cond delay="0"/>
-                            </p:stCondLst>
-                            <p:childTnLst>
                               <p:par>
-                                <p:cTn id="20" presetID="9" presetClass="exit" presetSubtype="0" fill="hold" grpId="1" nodeType="clickEffect">
+                                <p:cTn id="28" presetID="2" presetClass="entr" presetSubtype="2" fill="hold" nodeType="withEffect">
                                   <p:stCondLst>
                                     <p:cond delay="0"/>
                                   </p:stCondLst>
                                   <p:childTnLst>
-                                    <p:animEffect transition="out" filter="dissolve">
-                                      <p:cBhvr>
-                                        <p:cTn id="21" dur="500"/>
-                                        <p:tgtEl>
-                                          <p:spTgt spid="66">
-                                            <p:txEl>
-                                              <p:pRg st="0" end="0"/>
-                                            </p:txEl>
-                                          </p:spTgt>
-                                        </p:tgtEl>
-                                      </p:cBhvr>
-                                    </p:animEffect>
                                     <p:set>
                                       <p:cBhvr>
-                                        <p:cTn id="22" dur="1" fill="hold">
+                                        <p:cTn id="29" dur="1" fill="hold">
                                           <p:stCondLst>
-                                            <p:cond delay="499"/>
+                                            <p:cond delay="0"/>
                                           </p:stCondLst>
                                         </p:cTn>
                                         <p:tgtEl>
-                                          <p:spTgt spid="66">
-                                            <p:txEl>
-                                              <p:pRg st="0" end="0"/>
-                                            </p:txEl>
-                                          </p:spTgt>
+                                          <p:spTgt spid="9"/>
                                         </p:tgtEl>
                                         <p:attrNameLst>
                                           <p:attrName>style.visibility</p:attrName>
                                         </p:attrNameLst>
                                       </p:cBhvr>
                                       <p:to>
-                                        <p:strVal val="hidden"/>
+                                        <p:strVal val="visible"/>
                                       </p:to>
                                     </p:set>
-                                  </p:childTnLst>
-                                </p:cTn>
-                              </p:par>
-                            </p:childTnLst>
-                          </p:cTn>
-                        </p:par>
-                      </p:childTnLst>
-                    </p:cTn>
-                  </p:par>
-                  <p:par>
-                    <p:cTn id="23" fill="hold">
-                      <p:stCondLst>
-                        <p:cond delay="indefinite"/>
-                      </p:stCondLst>
-                      <p:childTnLst>
-                        <p:par>
-                          <p:cTn id="24" fill="hold">
-                            <p:stCondLst>
-                              <p:cond delay="0"/>
-                            </p:stCondLst>
-                            <p:childTnLst>
-                              <p:par>
-                                <p:cTn id="25" presetID="9" presetClass="exit" presetSubtype="0" fill="hold" grpId="1" nodeType="clickEffect">
-                                  <p:stCondLst>
-                                    <p:cond delay="0"/>
-                                  </p:stCondLst>
-                                  <p:childTnLst>
-                                    <p:animEffect transition="out" filter="dissolve">
-                                      <p:cBhvr>
-                                        <p:cTn id="26" dur="500"/>
+                                    <p:anim calcmode="lin" valueType="num">
+                                      <p:cBhvr additive="base">
+                                        <p:cTn id="30" dur="500" fill="hold"/>
                                         <p:tgtEl>
-                                          <p:spTgt spid="66">
-                                            <p:txEl>
-                                              <p:pRg st="1" end="1"/>
-                                            </p:txEl>
-                                          </p:spTgt>
-                                        </p:tgtEl>
-                                      </p:cBhvr>
-                                    </p:animEffect>
-                                    <p:set>
-                                      <p:cBhvr>
-                                        <p:cTn id="27" dur="1" fill="hold">
-                                          <p:stCondLst>
-                                            <p:cond delay="499"/>
-                                          </p:stCondLst>
-                                        </p:cTn>
-                                        <p:tgtEl>
-                                          <p:spTgt spid="66">
-                                            <p:txEl>
-                                              <p:pRg st="1" end="1"/>
-                                            </p:txEl>
-                                          </p:spTgt>
+                                          <p:spTgt spid="9"/>
                                         </p:tgtEl>
                                         <p:attrNameLst>
-                                          <p:attrName>style.visibility</p:attrName>
+                                          <p:attrName>ppt_x</p:attrName>
                                         </p:attrNameLst>
                                       </p:cBhvr>
-                                      <p:to>
-                                        <p:strVal val="hidden"/>
-                                      </p:to>
-                                    </p:set>
-                                  </p:childTnLst>
-                                </p:cTn>
-                              </p:par>
-                            </p:childTnLst>
-                          </p:cTn>
-                        </p:par>
-                      </p:childTnLst>
-                    </p:cTn>
-                  </p:par>
-                  <p:par>
-                    <p:cTn id="28" fill="hold">
-                      <p:stCondLst>
-                        <p:cond delay="indefinite"/>
-                      </p:stCondLst>
-                      <p:childTnLst>
-                        <p:par>
-                          <p:cTn id="29" fill="hold">
-                            <p:stCondLst>
-                              <p:cond delay="0"/>
-                            </p:stCondLst>
-                            <p:childTnLst>
-                              <p:par>
-                                <p:cTn id="30" presetID="9" presetClass="exit" presetSubtype="0" fill="hold" grpId="1" nodeType="clickEffect">
-                                  <p:stCondLst>
-                                    <p:cond delay="0"/>
-                                  </p:stCondLst>
-                                  <p:childTnLst>
-                                    <p:animEffect transition="out" filter="dissolve">
-                                      <p:cBhvr>
-                                        <p:cTn id="31" dur="500"/>
+                                      <p:tavLst>
+                                        <p:tav tm="0">
+                                          <p:val>
+                                            <p:strVal val="1+#ppt_w/2"/>
+                                          </p:val>
+                                        </p:tav>
+                                        <p:tav tm="100000">
+                                          <p:val>
+                                            <p:strVal val="#ppt_x"/>
+                                          </p:val>
+                                        </p:tav>
+                                      </p:tavLst>
+                                    </p:anim>
+                                    <p:anim calcmode="lin" valueType="num">
+                                      <p:cBhvr additive="base">
+                                        <p:cTn id="31" dur="500" fill="hold"/>
                                         <p:tgtEl>
-                                          <p:spTgt spid="66">
-                                            <p:txEl>
-                                              <p:pRg st="2" end="2"/>
-                                            </p:txEl>
-                                          </p:spTgt>
-                                        </p:tgtEl>
-                                      </p:cBhvr>
-                                    </p:animEffect>
-                                    <p:set>
-                                      <p:cBhvr>
-                                        <p:cTn id="32" dur="1" fill="hold">
-                                          <p:stCondLst>
-                                            <p:cond delay="499"/>
-                                          </p:stCondLst>
-                                        </p:cTn>
-                                        <p:tgtEl>
-                                          <p:spTgt spid="66">
-                                            <p:txEl>
-                                              <p:pRg st="2" end="2"/>
-                                            </p:txEl>
-                                          </p:spTgt>
+                                          <p:spTgt spid="9"/>
                                         </p:tgtEl>
                                         <p:attrNameLst>
-                                          <p:attrName>style.visibility</p:attrName>
+                                          <p:attrName>ppt_y</p:attrName>
                                         </p:attrNameLst>
                                       </p:cBhvr>
-                                      <p:to>
-                                        <p:strVal val="hidden"/>
-                                      </p:to>
-                                    </p:set>
+                                      <p:tavLst>
+                                        <p:tav tm="0">
+                                          <p:val>
+                                            <p:strVal val="#ppt_y"/>
+                                          </p:val>
+                                        </p:tav>
+                                        <p:tav tm="100000">
+                                          <p:val>
+                                            <p:strVal val="#ppt_y"/>
+                                          </p:val>
+                                        </p:tav>
+                                      </p:tavLst>
+                                    </p:anim>
                                   </p:childTnLst>
                                 </p:cTn>
                               </p:par>
@@ -17468,6 +17788,1016 @@
       </p:grpSpPr>
       <p:sp>
         <p:nvSpPr>
+          <p:cNvPr id="2" name="Title 1">
+            <a:extLst>
+              <a:ext uri="{FF2B5EF4-FFF2-40B4-BE49-F238E27FC236}">
+                <a16:creationId xmlns:a16="http://schemas.microsoft.com/office/drawing/2014/main" id="{58204B45-BA2F-544A-ADBD-2B584480C63E}"/>
+              </a:ext>
+            </a:extLst>
+          </p:cNvPr>
+          <p:cNvSpPr>
+            <a:spLocks noGrp="1"/>
+          </p:cNvSpPr>
+          <p:nvPr>
+            <p:ph type="title"/>
+          </p:nvPr>
+        </p:nvSpPr>
+        <p:spPr>
+          <a:xfrm>
+            <a:off x="1861473" y="365037"/>
+            <a:ext cx="8589364" cy="1005811"/>
+          </a:xfrm>
+        </p:spPr>
+        <p:txBody>
+          <a:bodyPr>
+            <a:normAutofit/>
+          </a:bodyPr>
+          <a:lstStyle/>
+          <a:p>
+            <a:pPr algn="ctr"/>
+            <a:r>
+              <a:rPr lang="pt-BR" b="1" dirty="0">
+                <a:solidFill>
+                  <a:schemeClr val="bg1"/>
+                </a:solidFill>
+                <a:effectLst>
+                  <a:outerShdw blurRad="228600" dist="50800" dir="5400000" algn="ctr" rotWithShape="0">
+                    <a:schemeClr val="tx1"/>
+                  </a:outerShdw>
+                </a:effectLst>
+              </a:rPr>
+              <a:t>segurança</a:t>
+            </a:r>
+            <a:endParaRPr lang="pt-BR" dirty="0">
+              <a:solidFill>
+                <a:schemeClr val="bg1"/>
+              </a:solidFill>
+              <a:effectLst>
+                <a:outerShdw blurRad="228600" dist="50800" dir="5400000" algn="ctr" rotWithShape="0">
+                  <a:schemeClr val="tx1"/>
+                </a:outerShdw>
+              </a:effectLst>
+            </a:endParaRPr>
+          </a:p>
+        </p:txBody>
+      </p:sp>
+      <p:sp>
+        <p:nvSpPr>
+          <p:cNvPr id="66" name="Content Placeholder 2">
+            <a:extLst>
+              <a:ext uri="{FF2B5EF4-FFF2-40B4-BE49-F238E27FC236}">
+                <a16:creationId xmlns:a16="http://schemas.microsoft.com/office/drawing/2014/main" id="{7DD7200E-83C5-FE41-A371-CC6A4884910F}"/>
+              </a:ext>
+            </a:extLst>
+          </p:cNvPr>
+          <p:cNvSpPr>
+            <a:spLocks noGrp="1"/>
+          </p:cNvSpPr>
+          <p:nvPr>
+            <p:ph idx="1"/>
+          </p:nvPr>
+        </p:nvSpPr>
+        <p:spPr>
+          <a:xfrm>
+            <a:off x="393475" y="1978703"/>
+            <a:ext cx="8779778" cy="4721898"/>
+          </a:xfrm>
+        </p:spPr>
+        <p:txBody>
+          <a:bodyPr>
+            <a:normAutofit/>
+          </a:bodyPr>
+          <a:lstStyle/>
+          <a:p>
+            <a:r>
+              <a:rPr lang="pt-BR" sz="2800" dirty="0"/>
+              <a:t>Comunicação pode ser criptografada fim-a-fim</a:t>
+            </a:r>
+          </a:p>
+          <a:p>
+            <a:r>
+              <a:rPr lang="pt-BR" sz="2800" dirty="0"/>
+              <a:t>Somente o emissor e receptor podem </a:t>
+            </a:r>
+            <a:r>
+              <a:rPr lang="pt-BR" sz="2800" dirty="0" err="1"/>
+              <a:t>descriptografar</a:t>
+            </a:r>
+            <a:endParaRPr lang="pt-BR" sz="2800" dirty="0"/>
+          </a:p>
+          <a:p>
+            <a:r>
+              <a:rPr lang="pt-BR" sz="2800" dirty="0"/>
+              <a:t>WhatsApp: nem a empresa pode ler as </a:t>
+            </a:r>
+            <a:r>
+              <a:rPr lang="pt-BR" sz="2800" dirty="0" err="1"/>
+              <a:t>msgs</a:t>
+            </a:r>
+            <a:r>
+              <a:rPr lang="pt-BR" sz="2800" dirty="0"/>
+              <a:t> dos usuários </a:t>
+            </a:r>
+            <a:r>
+              <a:rPr lang="pt-BR" sz="2800" dirty="0">
+                <a:hlinkClick r:id="rId2"/>
+              </a:rPr>
+              <a:t>https://youtu.be/8PW3O2mqTn8</a:t>
+            </a:r>
+            <a:r>
+              <a:rPr lang="pt-BR" sz="2800" dirty="0"/>
+              <a:t> </a:t>
+            </a:r>
+          </a:p>
+        </p:txBody>
+      </p:sp>
+      <p:sp>
+        <p:nvSpPr>
+          <p:cNvPr id="3" name="Slide Number Placeholder 2">
+            <a:extLst>
+              <a:ext uri="{FF2B5EF4-FFF2-40B4-BE49-F238E27FC236}">
+                <a16:creationId xmlns:a16="http://schemas.microsoft.com/office/drawing/2014/main" id="{E8782EBD-1415-0F4A-9755-9CBACA835A18}"/>
+              </a:ext>
+            </a:extLst>
+          </p:cNvPr>
+          <p:cNvSpPr>
+            <a:spLocks noGrp="1"/>
+          </p:cNvSpPr>
+          <p:nvPr>
+            <p:ph type="sldNum" sz="quarter" idx="12"/>
+          </p:nvPr>
+        </p:nvSpPr>
+        <p:spPr/>
+        <p:txBody>
+          <a:bodyPr/>
+          <a:lstStyle/>
+          <a:p>
+            <a:fld id="{2183B7EE-0FBE-B749-875F-ED24F5ECD71F}" type="slidenum">
+              <a:rPr lang="en-US" smtClean="0"/>
+              <a:t>22</a:t>
+            </a:fld>
+            <a:endParaRPr lang="en-US" dirty="0"/>
+          </a:p>
+        </p:txBody>
+      </p:sp>
+      <p:grpSp>
+        <p:nvGrpSpPr>
+          <p:cNvPr id="6" name="Group 5">
+            <a:extLst>
+              <a:ext uri="{FF2B5EF4-FFF2-40B4-BE49-F238E27FC236}">
+                <a16:creationId xmlns:a16="http://schemas.microsoft.com/office/drawing/2014/main" id="{7B9E40F5-AA34-9841-A0D7-F71678CDDFD6}"/>
+              </a:ext>
+            </a:extLst>
+          </p:cNvPr>
+          <p:cNvGrpSpPr/>
+          <p:nvPr/>
+        </p:nvGrpSpPr>
+        <p:grpSpPr>
+          <a:xfrm>
+            <a:off x="9466457" y="1823456"/>
+            <a:ext cx="2601994" cy="4373089"/>
+            <a:chOff x="9466457" y="1823456"/>
+            <a:chExt cx="2601994" cy="4373089"/>
+          </a:xfrm>
+        </p:grpSpPr>
+        <p:grpSp>
+          <p:nvGrpSpPr>
+            <p:cNvPr id="4" name="Group 3">
+              <a:extLst>
+                <a:ext uri="{FF2B5EF4-FFF2-40B4-BE49-F238E27FC236}">
+                  <a16:creationId xmlns:a16="http://schemas.microsoft.com/office/drawing/2014/main" id="{07AD453F-505C-DD48-97C9-17A001DD420F}"/>
+                </a:ext>
+              </a:extLst>
+            </p:cNvPr>
+            <p:cNvGrpSpPr/>
+            <p:nvPr/>
+          </p:nvGrpSpPr>
+          <p:grpSpPr>
+            <a:xfrm>
+              <a:off x="9466457" y="1823456"/>
+              <a:ext cx="2601994" cy="4373089"/>
+              <a:chOff x="9466457" y="1823456"/>
+              <a:chExt cx="2601994" cy="4373089"/>
+            </a:xfrm>
+          </p:grpSpPr>
+          <p:grpSp>
+            <p:nvGrpSpPr>
+              <p:cNvPr id="11" name="Group 10">
+                <a:extLst>
+                  <a:ext uri="{FF2B5EF4-FFF2-40B4-BE49-F238E27FC236}">
+                    <a16:creationId xmlns:a16="http://schemas.microsoft.com/office/drawing/2014/main" id="{30227624-EE6B-4541-8524-0E247FB476DD}"/>
+                  </a:ext>
+                </a:extLst>
+              </p:cNvPr>
+              <p:cNvGrpSpPr/>
+              <p:nvPr/>
+            </p:nvGrpSpPr>
+            <p:grpSpPr>
+              <a:xfrm>
+                <a:off x="9466457" y="1823456"/>
+                <a:ext cx="2601994" cy="4373089"/>
+                <a:chOff x="9451467" y="2228188"/>
+                <a:chExt cx="2601994" cy="4373089"/>
+              </a:xfrm>
+            </p:grpSpPr>
+            <p:pic>
+              <p:nvPicPr>
+                <p:cNvPr id="12" name="Picture 11" descr="An open computer sitting on a table&#13;&#10;&#13;&#10;Description automatically generated">
+                  <a:extLst>
+                    <a:ext uri="{FF2B5EF4-FFF2-40B4-BE49-F238E27FC236}">
+                      <a16:creationId xmlns:a16="http://schemas.microsoft.com/office/drawing/2014/main" id="{ABFDDB4A-2D68-3146-AC99-F90C4FE4CD7D}"/>
+                    </a:ext>
+                  </a:extLst>
+                </p:cNvPr>
+                <p:cNvPicPr>
+                  <a:picLocks noChangeAspect="1"/>
+                </p:cNvPicPr>
+                <p:nvPr/>
+              </p:nvPicPr>
+              <p:blipFill>
+                <a:blip r:embed="rId3"/>
+                <a:stretch>
+                  <a:fillRect/>
+                </a:stretch>
+              </p:blipFill>
+              <p:spPr>
+                <a:xfrm>
+                  <a:off x="10403734" y="5672758"/>
+                  <a:ext cx="671808" cy="516876"/>
+                </a:xfrm>
+                <a:prstGeom prst="rect">
+                  <a:avLst/>
+                </a:prstGeom>
+              </p:spPr>
+            </p:pic>
+            <p:pic>
+              <p:nvPicPr>
+                <p:cNvPr id="13" name="Picture 12" descr="Screen of a cell phone&#13;&#10;&#13;&#10;Description automatically generated">
+                  <a:extLst>
+                    <a:ext uri="{FF2B5EF4-FFF2-40B4-BE49-F238E27FC236}">
+                      <a16:creationId xmlns:a16="http://schemas.microsoft.com/office/drawing/2014/main" id="{0046F209-F0F7-7749-BD16-20D9EE597AE3}"/>
+                    </a:ext>
+                  </a:extLst>
+                </p:cNvPr>
+                <p:cNvPicPr>
+                  <a:picLocks noChangeAspect="1"/>
+                </p:cNvPicPr>
+                <p:nvPr/>
+              </p:nvPicPr>
+              <p:blipFill>
+                <a:blip r:embed="rId4"/>
+                <a:stretch>
+                  <a:fillRect/>
+                </a:stretch>
+              </p:blipFill>
+              <p:spPr>
+                <a:xfrm>
+                  <a:off x="10616173" y="2228188"/>
+                  <a:ext cx="180695" cy="361393"/>
+                </a:xfrm>
+                <a:prstGeom prst="rect">
+                  <a:avLst/>
+                </a:prstGeom>
+              </p:spPr>
+            </p:pic>
+            <p:sp>
+              <p:nvSpPr>
+                <p:cNvPr id="14" name="TextBox 13">
+                  <a:extLst>
+                    <a:ext uri="{FF2B5EF4-FFF2-40B4-BE49-F238E27FC236}">
+                      <a16:creationId xmlns:a16="http://schemas.microsoft.com/office/drawing/2014/main" id="{BFF4F7B4-73EA-3B45-8EBE-497DB9631F24}"/>
+                    </a:ext>
+                  </a:extLst>
+                </p:cNvPr>
+                <p:cNvSpPr txBox="1"/>
+                <p:nvPr/>
+              </p:nvSpPr>
+              <p:spPr>
+                <a:xfrm>
+                  <a:off x="9509178" y="2688873"/>
+                  <a:ext cx="2460931" cy="369332"/>
+                </a:xfrm>
+                <a:prstGeom prst="rect">
+                  <a:avLst/>
+                </a:prstGeom>
+                <a:noFill/>
+              </p:spPr>
+              <p:txBody>
+                <a:bodyPr vert="horz" wrap="none" rtlCol="0">
+                  <a:spAutoFit/>
+                </a:bodyPr>
+                <a:lstStyle/>
+                <a:p>
+                  <a:pPr algn="ctr"/>
+                  <a:r>
+                    <a:rPr lang="en-US" dirty="0"/>
+                    <a:t>joão@servidor1.com</a:t>
+                  </a:r>
+                  <a:endParaRPr lang="pt-BR" sz="1600" b="1" dirty="0"/>
+                </a:p>
+              </p:txBody>
+            </p:sp>
+            <p:sp>
+              <p:nvSpPr>
+                <p:cNvPr id="15" name="TextBox 14">
+                  <a:extLst>
+                    <a:ext uri="{FF2B5EF4-FFF2-40B4-BE49-F238E27FC236}">
+                      <a16:creationId xmlns:a16="http://schemas.microsoft.com/office/drawing/2014/main" id="{F8A4B86C-554B-A540-87C7-70EFE90A29BD}"/>
+                    </a:ext>
+                  </a:extLst>
+                </p:cNvPr>
+                <p:cNvSpPr txBox="1"/>
+                <p:nvPr/>
+              </p:nvSpPr>
+              <p:spPr>
+                <a:xfrm>
+                  <a:off x="9451467" y="6231945"/>
+                  <a:ext cx="2601994" cy="369332"/>
+                </a:xfrm>
+                <a:prstGeom prst="rect">
+                  <a:avLst/>
+                </a:prstGeom>
+                <a:noFill/>
+              </p:spPr>
+              <p:txBody>
+                <a:bodyPr vert="horz" wrap="none" rtlCol="0">
+                  <a:spAutoFit/>
+                </a:bodyPr>
+                <a:lstStyle/>
+                <a:p>
+                  <a:pPr algn="ctr"/>
+                  <a:r>
+                    <a:rPr lang="en-US" dirty="0"/>
+                    <a:t>maria@servidor2.com</a:t>
+                  </a:r>
+                  <a:endParaRPr lang="pt-BR" sz="1600" b="1" dirty="0"/>
+                </a:p>
+              </p:txBody>
+            </p:sp>
+            <p:cxnSp>
+              <p:nvCxnSpPr>
+                <p:cNvPr id="16" name="Curved Connector 15">
+                  <a:extLst>
+                    <a:ext uri="{FF2B5EF4-FFF2-40B4-BE49-F238E27FC236}">
+                      <a16:creationId xmlns:a16="http://schemas.microsoft.com/office/drawing/2014/main" id="{2950E4E6-D813-EE41-9227-52A96521E923}"/>
+                    </a:ext>
+                  </a:extLst>
+                </p:cNvPr>
+                <p:cNvCxnSpPr>
+                  <a:cxnSpLocks/>
+                  <a:stCxn id="14" idx="2"/>
+                  <a:endCxn id="12" idx="0"/>
+                </p:cNvCxnSpPr>
+                <p:nvPr/>
+              </p:nvCxnSpPr>
+              <p:spPr>
+                <a:xfrm rot="5400000">
+                  <a:off x="9432365" y="4365478"/>
+                  <a:ext cx="2614553" cy="6"/>
+                </a:xfrm>
+                <a:prstGeom prst="curvedConnector3">
+                  <a:avLst>
+                    <a:gd name="adj1" fmla="val 50000"/>
+                  </a:avLst>
+                </a:prstGeom>
+                <a:ln w="34925">
+                  <a:solidFill>
+                    <a:srgbClr val="00B0F0"/>
+                  </a:solidFill>
+                  <a:headEnd type="triangle"/>
+                  <a:tailEnd type="triangle"/>
+                </a:ln>
+              </p:spPr>
+              <p:style>
+                <a:lnRef idx="1">
+                  <a:schemeClr val="accent1"/>
+                </a:lnRef>
+                <a:fillRef idx="0">
+                  <a:schemeClr val="accent1"/>
+                </a:fillRef>
+                <a:effectRef idx="0">
+                  <a:schemeClr val="accent1"/>
+                </a:effectRef>
+                <a:fontRef idx="minor">
+                  <a:schemeClr val="tx1"/>
+                </a:fontRef>
+              </p:style>
+            </p:cxnSp>
+          </p:grpSp>
+          <p:grpSp>
+            <p:nvGrpSpPr>
+              <p:cNvPr id="17" name="Group 16">
+                <a:extLst>
+                  <a:ext uri="{FF2B5EF4-FFF2-40B4-BE49-F238E27FC236}">
+                    <a16:creationId xmlns:a16="http://schemas.microsoft.com/office/drawing/2014/main" id="{A0B742D1-489E-B046-9A79-9C35191862CB}"/>
+                  </a:ext>
+                </a:extLst>
+              </p:cNvPr>
+              <p:cNvGrpSpPr/>
+              <p:nvPr/>
+            </p:nvGrpSpPr>
+            <p:grpSpPr>
+              <a:xfrm>
+                <a:off x="10190414" y="3396066"/>
+                <a:ext cx="1211351" cy="1088250"/>
+                <a:chOff x="10190414" y="3396066"/>
+                <a:chExt cx="1211351" cy="1088250"/>
+              </a:xfrm>
+            </p:grpSpPr>
+            <p:pic>
+              <p:nvPicPr>
+                <p:cNvPr id="18" name="Picture 17" descr="A close up of a logo&#10;&#10;Description automatically generated">
+                  <a:extLst>
+                    <a:ext uri="{FF2B5EF4-FFF2-40B4-BE49-F238E27FC236}">
+                      <a16:creationId xmlns:a16="http://schemas.microsoft.com/office/drawing/2014/main" id="{AA16C49B-6940-1E48-8F08-3B6EC0D24A54}"/>
+                    </a:ext>
+                  </a:extLst>
+                </p:cNvPr>
+                <p:cNvPicPr>
+                  <a:picLocks noChangeAspect="1"/>
+                </p:cNvPicPr>
+                <p:nvPr/>
+              </p:nvPicPr>
+              <p:blipFill>
+                <a:blip r:embed="rId5">
+                  <a:extLst>
+                    <a:ext uri="{837473B0-CC2E-450A-ABE3-18F120FF3D39}">
+                      <a1611:picAttrSrcUrl xmlns:a1611="http://schemas.microsoft.com/office/drawing/2016/11/main" r:id="rId6"/>
+                    </a:ext>
+                  </a:extLst>
+                </a:blip>
+                <a:stretch>
+                  <a:fillRect/>
+                </a:stretch>
+              </p:blipFill>
+              <p:spPr>
+                <a:xfrm>
+                  <a:off x="10190414" y="3670162"/>
+                  <a:ext cx="529386" cy="529386"/>
+                </a:xfrm>
+                <a:prstGeom prst="rect">
+                  <a:avLst/>
+                </a:prstGeom>
+              </p:spPr>
+            </p:pic>
+            <p:pic>
+              <p:nvPicPr>
+                <p:cNvPr id="19" name="Picture 18">
+                  <a:extLst>
+                    <a:ext uri="{FF2B5EF4-FFF2-40B4-BE49-F238E27FC236}">
+                      <a16:creationId xmlns:a16="http://schemas.microsoft.com/office/drawing/2014/main" id="{064EA254-55CA-824B-8204-F6B3C19833D5}"/>
+                    </a:ext>
+                  </a:extLst>
+                </p:cNvPr>
+                <p:cNvPicPr>
+                  <a:picLocks noChangeAspect="1"/>
+                </p:cNvPicPr>
+                <p:nvPr/>
+              </p:nvPicPr>
+              <p:blipFill>
+                <a:blip r:embed="rId7">
+                  <a:extLst>
+                    <a:ext uri="{837473B0-CC2E-450A-ABE3-18F120FF3D39}">
+                      <a1611:picAttrSrcUrl xmlns:a1611="http://schemas.microsoft.com/office/drawing/2016/11/main" r:id="rId8"/>
+                    </a:ext>
+                  </a:extLst>
+                </a:blip>
+                <a:stretch>
+                  <a:fillRect/>
+                </a:stretch>
+              </p:blipFill>
+              <p:spPr>
+                <a:xfrm>
+                  <a:off x="10857629" y="3954972"/>
+                  <a:ext cx="529344" cy="529344"/>
+                </a:xfrm>
+                <a:prstGeom prst="rect">
+                  <a:avLst/>
+                </a:prstGeom>
+              </p:spPr>
+            </p:pic>
+            <p:pic>
+              <p:nvPicPr>
+                <p:cNvPr id="20" name="Picture 19">
+                  <a:extLst>
+                    <a:ext uri="{FF2B5EF4-FFF2-40B4-BE49-F238E27FC236}">
+                      <a16:creationId xmlns:a16="http://schemas.microsoft.com/office/drawing/2014/main" id="{AC05F15F-1717-0C42-9851-64EADD11E0C3}"/>
+                    </a:ext>
+                  </a:extLst>
+                </p:cNvPr>
+                <p:cNvPicPr>
+                  <a:picLocks noChangeAspect="1"/>
+                </p:cNvPicPr>
+                <p:nvPr/>
+              </p:nvPicPr>
+              <p:blipFill>
+                <a:blip r:embed="rId9">
+                  <a:extLst>
+                    <a:ext uri="{837473B0-CC2E-450A-ABE3-18F120FF3D39}">
+                      <a1611:picAttrSrcUrl xmlns:a1611="http://schemas.microsoft.com/office/drawing/2016/11/main" r:id="rId10"/>
+                    </a:ext>
+                  </a:extLst>
+                </a:blip>
+                <a:stretch>
+                  <a:fillRect/>
+                </a:stretch>
+              </p:blipFill>
+              <p:spPr>
+                <a:xfrm>
+                  <a:off x="10872379" y="3396066"/>
+                  <a:ext cx="529386" cy="529386"/>
+                </a:xfrm>
+                <a:prstGeom prst="rect">
+                  <a:avLst/>
+                </a:prstGeom>
+              </p:spPr>
+            </p:pic>
+          </p:grpSp>
+        </p:grpSp>
+        <p:pic>
+          <p:nvPicPr>
+            <p:cNvPr id="5" name="Picture 4" descr="A picture containing indoor, table, sitting, computer&#10;&#10;Description automatically generated">
+              <a:extLst>
+                <a:ext uri="{FF2B5EF4-FFF2-40B4-BE49-F238E27FC236}">
+                  <a16:creationId xmlns:a16="http://schemas.microsoft.com/office/drawing/2014/main" id="{ACB4243A-2954-A04E-88FB-6F496147AF65}"/>
+                </a:ext>
+              </a:extLst>
+            </p:cNvPr>
+            <p:cNvPicPr>
+              <a:picLocks noChangeAspect="1"/>
+            </p:cNvPicPr>
+            <p:nvPr/>
+          </p:nvPicPr>
+          <p:blipFill>
+            <a:blip r:embed="rId11">
+              <a:extLst>
+                <a:ext uri="{837473B0-CC2E-450A-ABE3-18F120FF3D39}">
+                  <a1611:picAttrSrcUrl xmlns:a1611="http://schemas.microsoft.com/office/drawing/2016/11/main" r:id="rId12"/>
+                </a:ext>
+              </a:extLst>
+            </a:blip>
+            <a:stretch>
+              <a:fillRect/>
+            </a:stretch>
+          </p:blipFill>
+          <p:spPr>
+            <a:xfrm>
+              <a:off x="10238366" y="2577927"/>
+              <a:ext cx="516262" cy="516262"/>
+            </a:xfrm>
+            <a:prstGeom prst="rect">
+              <a:avLst/>
+            </a:prstGeom>
+          </p:spPr>
+        </p:pic>
+        <p:pic>
+          <p:nvPicPr>
+            <p:cNvPr id="21" name="Picture 20" descr="A picture containing indoor, table, sitting, computer&#10;&#10;Description automatically generated">
+              <a:extLst>
+                <a:ext uri="{FF2B5EF4-FFF2-40B4-BE49-F238E27FC236}">
+                  <a16:creationId xmlns:a16="http://schemas.microsoft.com/office/drawing/2014/main" id="{5A04AA45-20AD-5148-A90F-5DB29A1E25C4}"/>
+                </a:ext>
+              </a:extLst>
+            </p:cNvPr>
+            <p:cNvPicPr>
+              <a:picLocks noChangeAspect="1"/>
+            </p:cNvPicPr>
+            <p:nvPr/>
+          </p:nvPicPr>
+          <p:blipFill>
+            <a:blip r:embed="rId11">
+              <a:extLst>
+                <a:ext uri="{837473B0-CC2E-450A-ABE3-18F120FF3D39}">
+                  <a1611:picAttrSrcUrl xmlns:a1611="http://schemas.microsoft.com/office/drawing/2016/11/main" r:id="rId12"/>
+                </a:ext>
+              </a:extLst>
+            </a:blip>
+            <a:stretch>
+              <a:fillRect/>
+            </a:stretch>
+          </p:blipFill>
+          <p:spPr>
+            <a:xfrm>
+              <a:off x="10202339" y="4614095"/>
+              <a:ext cx="516262" cy="516262"/>
+            </a:xfrm>
+            <a:prstGeom prst="rect">
+              <a:avLst/>
+            </a:prstGeom>
+          </p:spPr>
+        </p:pic>
+      </p:grpSp>
+    </p:spTree>
+    <p:extLst>
+      <p:ext uri="{BB962C8B-B14F-4D97-AF65-F5344CB8AC3E}">
+        <p14:creationId xmlns:p14="http://schemas.microsoft.com/office/powerpoint/2010/main" val="703276266"/>
+      </p:ext>
+    </p:extLst>
+  </p:cSld>
+  <p:clrMapOvr>
+    <a:masterClrMapping/>
+  </p:clrMapOvr>
+  <p:timing>
+    <p:tnLst>
+      <p:par>
+        <p:cTn id="1" dur="indefinite" restart="never" nodeType="tmRoot">
+          <p:childTnLst>
+            <p:seq concurrent="1" nextAc="seek">
+              <p:cTn id="2" dur="indefinite" nodeType="mainSeq">
+                <p:childTnLst>
+                  <p:par>
+                    <p:cTn id="3" fill="hold">
+                      <p:stCondLst>
+                        <p:cond delay="indefinite"/>
+                        <p:cond evt="onBegin" delay="0">
+                          <p:tn val="2"/>
+                        </p:cond>
+                      </p:stCondLst>
+                      <p:childTnLst>
+                        <p:par>
+                          <p:cTn id="4" fill="hold">
+                            <p:stCondLst>
+                              <p:cond delay="0"/>
+                            </p:stCondLst>
+                            <p:childTnLst>
+                              <p:par>
+                                <p:cTn id="5" presetID="2" presetClass="entr" presetSubtype="2" fill="hold" nodeType="afterEffect">
+                                  <p:stCondLst>
+                                    <p:cond delay="0"/>
+                                  </p:stCondLst>
+                                  <p:childTnLst>
+                                    <p:set>
+                                      <p:cBhvr>
+                                        <p:cTn id="6" dur="1" fill="hold">
+                                          <p:stCondLst>
+                                            <p:cond delay="0"/>
+                                          </p:stCondLst>
+                                        </p:cTn>
+                                        <p:tgtEl>
+                                          <p:spTgt spid="6"/>
+                                        </p:tgtEl>
+                                        <p:attrNameLst>
+                                          <p:attrName>style.visibility</p:attrName>
+                                        </p:attrNameLst>
+                                      </p:cBhvr>
+                                      <p:to>
+                                        <p:strVal val="visible"/>
+                                      </p:to>
+                                    </p:set>
+                                    <p:anim calcmode="lin" valueType="num">
+                                      <p:cBhvr additive="base">
+                                        <p:cTn id="7" dur="500" fill="hold"/>
+                                        <p:tgtEl>
+                                          <p:spTgt spid="6"/>
+                                        </p:tgtEl>
+                                        <p:attrNameLst>
+                                          <p:attrName>ppt_x</p:attrName>
+                                        </p:attrNameLst>
+                                      </p:cBhvr>
+                                      <p:tavLst>
+                                        <p:tav tm="0">
+                                          <p:val>
+                                            <p:strVal val="1+#ppt_w/2"/>
+                                          </p:val>
+                                        </p:tav>
+                                        <p:tav tm="100000">
+                                          <p:val>
+                                            <p:strVal val="#ppt_x"/>
+                                          </p:val>
+                                        </p:tav>
+                                      </p:tavLst>
+                                    </p:anim>
+                                    <p:anim calcmode="lin" valueType="num">
+                                      <p:cBhvr additive="base">
+                                        <p:cTn id="8" dur="500" fill="hold"/>
+                                        <p:tgtEl>
+                                          <p:spTgt spid="6"/>
+                                        </p:tgtEl>
+                                        <p:attrNameLst>
+                                          <p:attrName>ppt_y</p:attrName>
+                                        </p:attrNameLst>
+                                      </p:cBhvr>
+                                      <p:tavLst>
+                                        <p:tav tm="0">
+                                          <p:val>
+                                            <p:strVal val="#ppt_y"/>
+                                          </p:val>
+                                        </p:tav>
+                                        <p:tav tm="100000">
+                                          <p:val>
+                                            <p:strVal val="#ppt_y"/>
+                                          </p:val>
+                                        </p:tav>
+                                      </p:tavLst>
+                                    </p:anim>
+                                  </p:childTnLst>
+                                </p:cTn>
+                              </p:par>
+                              <p:par>
+                                <p:cTn id="9" presetID="9" presetClass="entr" presetSubtype="0" fill="hold" grpId="0" nodeType="withEffect">
+                                  <p:stCondLst>
+                                    <p:cond delay="0"/>
+                                  </p:stCondLst>
+                                  <p:childTnLst>
+                                    <p:set>
+                                      <p:cBhvr>
+                                        <p:cTn id="10" dur="1" fill="hold">
+                                          <p:stCondLst>
+                                            <p:cond delay="0"/>
+                                          </p:stCondLst>
+                                        </p:cTn>
+                                        <p:tgtEl>
+                                          <p:spTgt spid="66">
+                                            <p:txEl>
+                                              <p:pRg st="0" end="0"/>
+                                            </p:txEl>
+                                          </p:spTgt>
+                                        </p:tgtEl>
+                                        <p:attrNameLst>
+                                          <p:attrName>style.visibility</p:attrName>
+                                        </p:attrNameLst>
+                                      </p:cBhvr>
+                                      <p:to>
+                                        <p:strVal val="visible"/>
+                                      </p:to>
+                                    </p:set>
+                                    <p:animEffect transition="in" filter="dissolve">
+                                      <p:cBhvr>
+                                        <p:cTn id="11" dur="500"/>
+                                        <p:tgtEl>
+                                          <p:spTgt spid="66">
+                                            <p:txEl>
+                                              <p:pRg st="0" end="0"/>
+                                            </p:txEl>
+                                          </p:spTgt>
+                                        </p:tgtEl>
+                                      </p:cBhvr>
+                                    </p:animEffect>
+                                  </p:childTnLst>
+                                </p:cTn>
+                              </p:par>
+                            </p:childTnLst>
+                          </p:cTn>
+                        </p:par>
+                      </p:childTnLst>
+                    </p:cTn>
+                  </p:par>
+                  <p:par>
+                    <p:cTn id="12" fill="hold">
+                      <p:stCondLst>
+                        <p:cond delay="indefinite"/>
+                      </p:stCondLst>
+                      <p:childTnLst>
+                        <p:par>
+                          <p:cTn id="13" fill="hold">
+                            <p:stCondLst>
+                              <p:cond delay="0"/>
+                            </p:stCondLst>
+                            <p:childTnLst>
+                              <p:par>
+                                <p:cTn id="14" presetID="9" presetClass="exit" presetSubtype="0" fill="hold" grpId="1" nodeType="clickEffect">
+                                  <p:stCondLst>
+                                    <p:cond delay="0"/>
+                                  </p:stCondLst>
+                                  <p:childTnLst>
+                                    <p:animEffect transition="out" filter="dissolve">
+                                      <p:cBhvr>
+                                        <p:cTn id="15" dur="500"/>
+                                        <p:tgtEl>
+                                          <p:spTgt spid="66">
+                                            <p:txEl>
+                                              <p:pRg st="0" end="0"/>
+                                            </p:txEl>
+                                          </p:spTgt>
+                                        </p:tgtEl>
+                                      </p:cBhvr>
+                                    </p:animEffect>
+                                    <p:set>
+                                      <p:cBhvr>
+                                        <p:cTn id="16" dur="1" fill="hold">
+                                          <p:stCondLst>
+                                            <p:cond delay="499"/>
+                                          </p:stCondLst>
+                                        </p:cTn>
+                                        <p:tgtEl>
+                                          <p:spTgt spid="66">
+                                            <p:txEl>
+                                              <p:pRg st="0" end="0"/>
+                                            </p:txEl>
+                                          </p:spTgt>
+                                        </p:tgtEl>
+                                        <p:attrNameLst>
+                                          <p:attrName>style.visibility</p:attrName>
+                                        </p:attrNameLst>
+                                      </p:cBhvr>
+                                      <p:to>
+                                        <p:strVal val="hidden"/>
+                                      </p:to>
+                                    </p:set>
+                                  </p:childTnLst>
+                                </p:cTn>
+                              </p:par>
+                              <p:par>
+                                <p:cTn id="17" presetID="9" presetClass="entr" presetSubtype="0" fill="hold" grpId="0" nodeType="withEffect">
+                                  <p:stCondLst>
+                                    <p:cond delay="0"/>
+                                  </p:stCondLst>
+                                  <p:childTnLst>
+                                    <p:set>
+                                      <p:cBhvr>
+                                        <p:cTn id="18" dur="1" fill="hold">
+                                          <p:stCondLst>
+                                            <p:cond delay="0"/>
+                                          </p:stCondLst>
+                                        </p:cTn>
+                                        <p:tgtEl>
+                                          <p:spTgt spid="66">
+                                            <p:txEl>
+                                              <p:pRg st="1" end="1"/>
+                                            </p:txEl>
+                                          </p:spTgt>
+                                        </p:tgtEl>
+                                        <p:attrNameLst>
+                                          <p:attrName>style.visibility</p:attrName>
+                                        </p:attrNameLst>
+                                      </p:cBhvr>
+                                      <p:to>
+                                        <p:strVal val="visible"/>
+                                      </p:to>
+                                    </p:set>
+                                    <p:animEffect transition="in" filter="dissolve">
+                                      <p:cBhvr>
+                                        <p:cTn id="19" dur="500"/>
+                                        <p:tgtEl>
+                                          <p:spTgt spid="66">
+                                            <p:txEl>
+                                              <p:pRg st="1" end="1"/>
+                                            </p:txEl>
+                                          </p:spTgt>
+                                        </p:tgtEl>
+                                      </p:cBhvr>
+                                    </p:animEffect>
+                                  </p:childTnLst>
+                                </p:cTn>
+                              </p:par>
+                            </p:childTnLst>
+                          </p:cTn>
+                        </p:par>
+                      </p:childTnLst>
+                    </p:cTn>
+                  </p:par>
+                  <p:par>
+                    <p:cTn id="20" fill="hold">
+                      <p:stCondLst>
+                        <p:cond delay="indefinite"/>
+                      </p:stCondLst>
+                      <p:childTnLst>
+                        <p:par>
+                          <p:cTn id="21" fill="hold">
+                            <p:stCondLst>
+                              <p:cond delay="0"/>
+                            </p:stCondLst>
+                            <p:childTnLst>
+                              <p:par>
+                                <p:cTn id="22" presetID="9" presetClass="exit" presetSubtype="0" fill="hold" grpId="1" nodeType="clickEffect">
+                                  <p:stCondLst>
+                                    <p:cond delay="0"/>
+                                  </p:stCondLst>
+                                  <p:childTnLst>
+                                    <p:animEffect transition="out" filter="dissolve">
+                                      <p:cBhvr>
+                                        <p:cTn id="23" dur="500"/>
+                                        <p:tgtEl>
+                                          <p:spTgt spid="66">
+                                            <p:txEl>
+                                              <p:pRg st="1" end="1"/>
+                                            </p:txEl>
+                                          </p:spTgt>
+                                        </p:tgtEl>
+                                      </p:cBhvr>
+                                    </p:animEffect>
+                                    <p:set>
+                                      <p:cBhvr>
+                                        <p:cTn id="24" dur="1" fill="hold">
+                                          <p:stCondLst>
+                                            <p:cond delay="499"/>
+                                          </p:stCondLst>
+                                        </p:cTn>
+                                        <p:tgtEl>
+                                          <p:spTgt spid="66">
+                                            <p:txEl>
+                                              <p:pRg st="1" end="1"/>
+                                            </p:txEl>
+                                          </p:spTgt>
+                                        </p:tgtEl>
+                                        <p:attrNameLst>
+                                          <p:attrName>style.visibility</p:attrName>
+                                        </p:attrNameLst>
+                                      </p:cBhvr>
+                                      <p:to>
+                                        <p:strVal val="hidden"/>
+                                      </p:to>
+                                    </p:set>
+                                  </p:childTnLst>
+                                </p:cTn>
+                              </p:par>
+                              <p:par>
+                                <p:cTn id="25" presetID="9" presetClass="entr" presetSubtype="0" fill="hold" grpId="0" nodeType="withEffect">
+                                  <p:stCondLst>
+                                    <p:cond delay="0"/>
+                                  </p:stCondLst>
+                                  <p:childTnLst>
+                                    <p:set>
+                                      <p:cBhvr>
+                                        <p:cTn id="26" dur="1" fill="hold">
+                                          <p:stCondLst>
+                                            <p:cond delay="0"/>
+                                          </p:stCondLst>
+                                        </p:cTn>
+                                        <p:tgtEl>
+                                          <p:spTgt spid="66">
+                                            <p:txEl>
+                                              <p:pRg st="2" end="2"/>
+                                            </p:txEl>
+                                          </p:spTgt>
+                                        </p:tgtEl>
+                                        <p:attrNameLst>
+                                          <p:attrName>style.visibility</p:attrName>
+                                        </p:attrNameLst>
+                                      </p:cBhvr>
+                                      <p:to>
+                                        <p:strVal val="visible"/>
+                                      </p:to>
+                                    </p:set>
+                                    <p:animEffect transition="in" filter="dissolve">
+                                      <p:cBhvr>
+                                        <p:cTn id="27" dur="500"/>
+                                        <p:tgtEl>
+                                          <p:spTgt spid="66">
+                                            <p:txEl>
+                                              <p:pRg st="2" end="2"/>
+                                            </p:txEl>
+                                          </p:spTgt>
+                                        </p:tgtEl>
+                                      </p:cBhvr>
+                                    </p:animEffect>
+                                  </p:childTnLst>
+                                </p:cTn>
+                              </p:par>
+                            </p:childTnLst>
+                          </p:cTn>
+                        </p:par>
+                      </p:childTnLst>
+                    </p:cTn>
+                  </p:par>
+                </p:childTnLst>
+              </p:cTn>
+              <p:prevCondLst>
+                <p:cond evt="onPrev" delay="0">
+                  <p:tgtEl>
+                    <p:sldTgt/>
+                  </p:tgtEl>
+                </p:cond>
+              </p:prevCondLst>
+              <p:nextCondLst>
+                <p:cond evt="onNext" delay="0">
+                  <p:tgtEl>
+                    <p:sldTgt/>
+                  </p:tgtEl>
+                </p:cond>
+              </p:nextCondLst>
+            </p:seq>
+          </p:childTnLst>
+        </p:cTn>
+      </p:par>
+    </p:tnLst>
+    <p:bldLst>
+      <p:bldP spid="66" grpId="0" uiExpand="1" build="p"/>
+      <p:bldP spid="66" grpId="1" uiExpand="1" build="p"/>
+    </p:bldLst>
+  </p:timing>
+</p:sld>
+</file>
+
+<file path=ppt/slides/slide23.xml><?xml version="1.0" encoding="utf-8"?>
+<p:sld xmlns:a="http://schemas.openxmlformats.org/drawingml/2006/main" xmlns:r="http://schemas.openxmlformats.org/officeDocument/2006/relationships" xmlns:p="http://schemas.openxmlformats.org/presentationml/2006/main">
+  <p:cSld>
+    <p:spTree>
+      <p:nvGrpSpPr>
+        <p:cNvPr id="1" name=""/>
+        <p:cNvGrpSpPr/>
+        <p:nvPr/>
+      </p:nvGrpSpPr>
+      <p:grpSpPr>
+        <a:xfrm>
+          <a:off x="0" y="0"/>
+          <a:ext cx="0" cy="0"/>
+          <a:chOff x="0" y="0"/>
+          <a:chExt cx="0" cy="0"/>
+        </a:xfrm>
+      </p:grpSpPr>
+      <p:sp>
+        <p:nvSpPr>
           <p:cNvPr id="9" name="Title 8">
             <a:extLst>
               <a:ext uri="{FF2B5EF4-FFF2-40B4-BE49-F238E27FC236}">
@@ -17573,7 +18903,95 @@
             </a:r>
             <a:r>
               <a:rPr lang="en-US" sz="2800" dirty="0"/>
-              <a:t>"</a:t>
+              <a:t>”</a:t>
+            </a:r>
+          </a:p>
+          <a:p>
+            <a:r>
+              <a:rPr lang="en-US" sz="2800" dirty="0"/>
+              <a:t>[4] Framework de </a:t>
+            </a:r>
+            <a:r>
+              <a:rPr lang="en-US" sz="2800" dirty="0" err="1"/>
+              <a:t>Comunicação</a:t>
+            </a:r>
+            <a:r>
+              <a:rPr lang="en-US" sz="2800" dirty="0"/>
+              <a:t> </a:t>
+            </a:r>
+            <a:r>
+              <a:rPr lang="en-US" sz="2800" dirty="0" err="1"/>
+              <a:t>seguro</a:t>
+            </a:r>
+            <a:r>
+              <a:rPr lang="en-US" sz="2800" dirty="0"/>
+              <a:t> e </a:t>
+            </a:r>
+            <a:r>
+              <a:rPr lang="en-US" sz="2800" dirty="0" err="1"/>
+              <a:t>confiável</a:t>
+            </a:r>
+            <a:r>
+              <a:rPr lang="en-US" sz="2800" dirty="0"/>
+              <a:t> para Internet das </a:t>
+            </a:r>
+            <a:r>
+              <a:rPr lang="en-US" sz="2800" dirty="0" err="1"/>
+              <a:t>Coisas</a:t>
+            </a:r>
+            <a:r>
+              <a:rPr lang="en-US" sz="2800" dirty="0"/>
+              <a:t> </a:t>
+            </a:r>
+            <a:r>
+              <a:rPr lang="en-US" sz="2800" dirty="0" err="1"/>
+              <a:t>usando</a:t>
+            </a:r>
+            <a:r>
+              <a:rPr lang="en-US" sz="2800" dirty="0"/>
+              <a:t> o </a:t>
+            </a:r>
+            <a:r>
+              <a:rPr lang="en-US" sz="2800" dirty="0" err="1"/>
+              <a:t>protocolo</a:t>
+            </a:r>
+            <a:r>
+              <a:rPr lang="en-US" sz="2800" dirty="0"/>
+              <a:t> XMPP. </a:t>
+            </a:r>
+            <a:r>
+              <a:rPr lang="en-US" sz="2800" dirty="0" err="1"/>
+              <a:t>Moraes</a:t>
+            </a:r>
+            <a:r>
+              <a:rPr lang="en-US" sz="2800" dirty="0"/>
+              <a:t>, L. C. de Oliveira. </a:t>
+            </a:r>
+            <a:r>
+              <a:rPr lang="en-US" sz="2800" dirty="0" err="1"/>
+              <a:t>Dissertação</a:t>
+            </a:r>
+            <a:r>
+              <a:rPr lang="en-US" sz="2800" dirty="0"/>
+              <a:t> de </a:t>
+            </a:r>
+            <a:r>
+              <a:rPr lang="en-US" sz="2800" dirty="0" err="1"/>
+              <a:t>Mestrado</a:t>
+            </a:r>
+            <a:r>
+              <a:rPr lang="en-US" sz="2800" dirty="0"/>
+              <a:t>. UFMA, 2016. </a:t>
+            </a:r>
+            <a:r>
+              <a:rPr lang="en-US" sz="2800" dirty="0">
+                <a:hlinkClick r:id="rId5"/>
+              </a:rPr>
+              <a:t>https://tedebc.ufma.br/jspui/bitstream/tede/1689/2/LuanCarlosOliveira.pdf</a:t>
+            </a:r>
+            <a:r>
+              <a:rPr lang="en-US" sz="2800" dirty="0"/>
+              <a:t> </a:t>
             </a:r>
           </a:p>
           <a:p>
@@ -17604,7 +19022,7 @@
           <a:p>
             <a:fld id="{2183B7EE-0FBE-B749-875F-ED24F5ECD71F}" type="slidenum">
               <a:rPr lang="en-US" smtClean="0"/>
-              <a:t>22</a:t>
+              <a:t>23</a:t>
             </a:fld>
             <a:endParaRPr lang="en-US" dirty="0"/>
           </a:p>
@@ -17620,6 +19038,18 @@
   <p:clrMapOvr>
     <a:masterClrMapping/>
   </p:clrMapOvr>
+  <mc:AlternateContent xmlns:mc="http://schemas.openxmlformats.org/markup-compatibility/2006" xmlns:p14="http://schemas.microsoft.com/office/powerpoint/2010/main">
+    <mc:Choice Requires="p14">
+      <p:transition spd="med" p14:dur="700">
+        <p:fade/>
+      </p:transition>
+    </mc:Choice>
+    <mc:Fallback xmlns="">
+      <p:transition spd="med">
+        <p:fade/>
+      </p:transition>
+    </mc:Fallback>
+  </mc:AlternateContent>
 </p:sld>
 </file>
 
@@ -17714,21 +19144,29 @@
           <a:p>
             <a:r>
               <a:rPr lang="pt-BR" sz="2800" dirty="0"/>
-              <a:t>Apesar do ”X” significar </a:t>
-            </a:r>
-            <a:r>
-              <a:rPr lang="pt-BR" sz="2800" i="1" dirty="0"/>
+              <a:t>”X” de </a:t>
+            </a:r>
+            <a:r>
+              <a:rPr lang="pt-BR" sz="2800" i="1" dirty="0" err="1"/>
               <a:t>eXtensible</a:t>
             </a:r>
             <a:r>
               <a:rPr lang="pt-BR" sz="2800" dirty="0"/>
-              <a:t>, ele também lembra que o protocolo usa XML como formato de dados para troca de mensagens</a:t>
-            </a:r>
-          </a:p>
-          <a:p>
+              <a:t> e ”</a:t>
+            </a:r>
+            <a:r>
+              <a:rPr lang="pt-BR" sz="2800" dirty="0" err="1"/>
+              <a:t>X</a:t>
+            </a:r>
             <a:r>
               <a:rPr lang="pt-BR" sz="2800" dirty="0"/>
-              <a:t>O “X” em XML também significa </a:t>
+              <a:t>” de XML</a:t>
+            </a:r>
+          </a:p>
+          <a:p>
+            <a:r>
+              <a:rPr lang="pt-BR" sz="2800" dirty="0"/>
+              <a:t>“X” em XML também significa </a:t>
             </a:r>
             <a:r>
               <a:rPr lang="pt-BR" sz="2800" i="1" dirty="0"/>
@@ -18116,7 +19554,7 @@
             </a:r>
             <a:r>
               <a:rPr lang="pt-BR" sz="2800" dirty="0"/>
-              <a:t> (TLS): o protocolo de criptografia usado, por exemplo, pelo HTTPS</a:t>
+              <a:t> (TLS): o protocolo de criptografia do HTTPS (e.g.)</a:t>
             </a:r>
           </a:p>
         </p:txBody>
@@ -18580,21 +20018,29 @@
           <a:p>
             <a:r>
               <a:rPr lang="pt-BR" sz="2800" dirty="0"/>
-              <a:t>Iniciado em 1999 com o nome de </a:t>
-            </a:r>
-            <a:r>
-              <a:rPr lang="pt-BR" sz="2800" i="1" dirty="0"/>
+              <a:t>Iniciado em 1999 como </a:t>
+            </a:r>
+            <a:r>
+              <a:rPr lang="pt-BR" sz="2800" i="1" dirty="0" err="1"/>
               <a:t>Jabber</a:t>
             </a:r>
             <a:r>
               <a:rPr lang="pt-BR" sz="2800" dirty="0"/>
-              <a:t> (tal nome é usado até hoje, inclusive nas especificações do protocolo)</a:t>
+              <a:t> (nome usado até hoje, inclusive nas especificações do protocolo)</a:t>
             </a:r>
           </a:p>
           <a:p>
             <a:r>
               <a:rPr lang="pt-BR" sz="2800" dirty="0"/>
-              <a:t>A primeira grande empresa a usar o protocolo foi provavelmente a Google em 2005 para o desenvolvimento do GTalk (atualmente Google </a:t>
+              <a:t>1ª grande empresa a usar: provavelmente a Google em 2005 com o </a:t>
+            </a:r>
+            <a:r>
+              <a:rPr lang="pt-BR" sz="2800" dirty="0" err="1"/>
+              <a:t>GTalk</a:t>
+            </a:r>
+            <a:r>
+              <a:rPr lang="pt-BR" sz="2800" dirty="0"/>
+              <a:t> (Google </a:t>
             </a:r>
             <a:r>
               <a:rPr lang="pt-BR" sz="2800" dirty="0" err="1"/>
@@ -18608,7 +20054,7 @@
           <a:p>
             <a:r>
               <a:rPr lang="pt-BR" sz="2800" dirty="0"/>
-              <a:t>Gigantes como a CISCO fornecem soluções comerciais de comunicação usando XMPP </a:t>
+              <a:t>CISCO: fornece soluções comerciais de comunicação com XMPP </a:t>
             </a:r>
             <a:r>
               <a:rPr lang="pt-BR" sz="2800" dirty="0">
@@ -19228,41 +20674,38 @@
           <a:p>
             <a:r>
               <a:rPr lang="pt-BR" sz="2800" dirty="0"/>
-              <a:t>Como já podem ter imaginado, atualmente, a </a:t>
-            </a:r>
-            <a:r>
-              <a:rPr lang="pt-BR" sz="2800" dirty="0">
-                <a:hlinkClick r:id="rId2"/>
-              </a:rPr>
-              <a:t>aplicação mais popular usando XMPP é o WhatsApp</a:t>
-            </a:r>
-            <a:endParaRPr lang="pt-BR" sz="2800" dirty="0"/>
-          </a:p>
-          <a:p>
-            <a:r>
-              <a:rPr lang="pt-BR" sz="2800" dirty="0"/>
-              <a:t>Na verdade, o WhatApp utiliza uma versão </a:t>
+              <a:t>WhatsApp: </a:t>
             </a:r>
             <a:r>
               <a:rPr lang="pt-BR" sz="2800" dirty="0">
                 <a:hlinkClick r:id="rId3"/>
               </a:rPr>
-              <a:t>proprietária, e não publicamente documentada do protocolo</a:t>
-            </a:r>
+              <a:t>aplicação mais popular usando XMPP</a:t>
+            </a:r>
+            <a:endParaRPr lang="pt-BR" sz="2800" dirty="0"/>
+          </a:p>
+          <a:p>
             <a:r>
               <a:rPr lang="pt-BR" sz="2800" dirty="0"/>
-              <a:t>, chamada </a:t>
+              <a:t>Mas usa versão </a:t>
             </a:r>
             <a:r>
               <a:rPr lang="pt-BR" sz="2800" dirty="0">
                 <a:hlinkClick r:id="rId4"/>
               </a:rPr>
+              <a:t>proprietária, e não publicamente documentada do protocolo</a:t>
+            </a:r>
+            <a:r>
+              <a:rPr lang="pt-BR" sz="2800" dirty="0"/>
+              <a:t>: o </a:t>
+            </a:r>
+            <a:r>
+              <a:rPr lang="pt-BR" sz="2800" dirty="0">
+                <a:hlinkClick r:id="rId5"/>
+              </a:rPr>
               <a:t>FunXMPP</a:t>
             </a:r>
-            <a:r>
-              <a:rPr lang="pt-BR" sz="2800" dirty="0"/>
-              <a:t>.</a:t>
-            </a:r>
+            <a:endParaRPr lang="pt-BR" sz="2800" dirty="0"/>
           </a:p>
         </p:txBody>
       </p:sp>
@@ -19310,7 +20753,7 @@
           <p:nvPr/>
         </p:nvPicPr>
         <p:blipFill>
-          <a:blip r:embed="rId5"/>
+          <a:blip r:embed="rId6"/>
           <a:stretch>
             <a:fillRect/>
           </a:stretch>
@@ -19325,76 +20768,97 @@
           </a:prstGeom>
         </p:spPr>
       </p:pic>
-      <p:pic>
-        <p:nvPicPr>
-          <p:cNvPr id="7" name="Picture 6">
+      <p:grpSp>
+        <p:nvGrpSpPr>
+          <p:cNvPr id="8" name="Group 7">
             <a:extLst>
               <a:ext uri="{FF2B5EF4-FFF2-40B4-BE49-F238E27FC236}">
-                <a16:creationId xmlns:a16="http://schemas.microsoft.com/office/drawing/2014/main" id="{9AD17A76-AAD1-3946-8EFE-CC4C6B9B57DA}"/>
+                <a16:creationId xmlns:a16="http://schemas.microsoft.com/office/drawing/2014/main" id="{B5407CE9-AC95-7D4A-9B40-AB08ADD1C3B2}"/>
               </a:ext>
             </a:extLst>
           </p:cNvPr>
-          <p:cNvPicPr>
-            <a:picLocks noChangeAspect="1"/>
-          </p:cNvPicPr>
+          <p:cNvGrpSpPr/>
           <p:nvPr/>
-        </p:nvPicPr>
-        <p:blipFill>
-          <a:blip r:embed="rId6"/>
-          <a:stretch>
-            <a:fillRect/>
-          </a:stretch>
-        </p:blipFill>
-        <p:spPr>
+        </p:nvGrpSpPr>
+        <p:grpSpPr>
           <a:xfrm>
-            <a:off x="-14990" y="4572000"/>
-            <a:ext cx="12225702" cy="2305662"/>
+            <a:off x="-14990" y="4117512"/>
+            <a:ext cx="12225702" cy="2760150"/>
+            <a:chOff x="-14990" y="4117512"/>
+            <a:chExt cx="12225702" cy="2760150"/>
           </a:xfrm>
-          <a:prstGeom prst="rect">
-            <a:avLst/>
-          </a:prstGeom>
-        </p:spPr>
-      </p:pic>
-      <p:sp>
-        <p:nvSpPr>
-          <p:cNvPr id="5" name="TextBox 4">
-            <a:extLst>
-              <a:ext uri="{FF2B5EF4-FFF2-40B4-BE49-F238E27FC236}">
-                <a16:creationId xmlns:a16="http://schemas.microsoft.com/office/drawing/2014/main" id="{2D5D2859-729D-9343-B3D4-98D452EA0303}"/>
-              </a:ext>
-            </a:extLst>
-          </p:cNvPr>
-          <p:cNvSpPr txBox="1"/>
-          <p:nvPr/>
-        </p:nvSpPr>
-        <p:spPr>
-          <a:xfrm>
-            <a:off x="3466531" y="4117512"/>
-            <a:ext cx="5719836" cy="369332"/>
-          </a:xfrm>
-          <a:prstGeom prst="rect">
-            <a:avLst/>
-          </a:prstGeom>
-          <a:noFill/>
-        </p:spPr>
-        <p:txBody>
-          <a:bodyPr wrap="none" rtlCol="0">
-            <a:spAutoFit/>
-          </a:bodyPr>
-          <a:lstStyle/>
-          <a:p>
-            <a:r>
-              <a:rPr lang="pt-BR" b="1" dirty="0"/>
-              <a:t>Comparação entre mensagem XMPP e </a:t>
-            </a:r>
-            <a:r>
-              <a:rPr lang="pt-BR" b="1" dirty="0" err="1"/>
-              <a:t>FunXMPP</a:t>
-            </a:r>
-            <a:endParaRPr lang="pt-BR" b="1" dirty="0"/>
-          </a:p>
-        </p:txBody>
-      </p:sp>
+        </p:grpSpPr>
+        <p:pic>
+          <p:nvPicPr>
+            <p:cNvPr id="7" name="Picture 6">
+              <a:extLst>
+                <a:ext uri="{FF2B5EF4-FFF2-40B4-BE49-F238E27FC236}">
+                  <a16:creationId xmlns:a16="http://schemas.microsoft.com/office/drawing/2014/main" id="{9AD17A76-AAD1-3946-8EFE-CC4C6B9B57DA}"/>
+                </a:ext>
+              </a:extLst>
+            </p:cNvPr>
+            <p:cNvPicPr>
+              <a:picLocks noChangeAspect="1"/>
+            </p:cNvPicPr>
+            <p:nvPr/>
+          </p:nvPicPr>
+          <p:blipFill>
+            <a:blip r:embed="rId7"/>
+            <a:stretch>
+              <a:fillRect/>
+            </a:stretch>
+          </p:blipFill>
+          <p:spPr>
+            <a:xfrm>
+              <a:off x="-14990" y="4572000"/>
+              <a:ext cx="12225702" cy="2305662"/>
+            </a:xfrm>
+            <a:prstGeom prst="rect">
+              <a:avLst/>
+            </a:prstGeom>
+          </p:spPr>
+        </p:pic>
+        <p:sp>
+          <p:nvSpPr>
+            <p:cNvPr id="5" name="TextBox 4">
+              <a:extLst>
+                <a:ext uri="{FF2B5EF4-FFF2-40B4-BE49-F238E27FC236}">
+                  <a16:creationId xmlns:a16="http://schemas.microsoft.com/office/drawing/2014/main" id="{2D5D2859-729D-9343-B3D4-98D452EA0303}"/>
+                </a:ext>
+              </a:extLst>
+            </p:cNvPr>
+            <p:cNvSpPr txBox="1"/>
+            <p:nvPr/>
+          </p:nvSpPr>
+          <p:spPr>
+            <a:xfrm>
+              <a:off x="3466531" y="4117512"/>
+              <a:ext cx="5719836" cy="369332"/>
+            </a:xfrm>
+            <a:prstGeom prst="rect">
+              <a:avLst/>
+            </a:prstGeom>
+            <a:noFill/>
+          </p:spPr>
+          <p:txBody>
+            <a:bodyPr wrap="none" rtlCol="0">
+              <a:spAutoFit/>
+            </a:bodyPr>
+            <a:lstStyle/>
+            <a:p>
+              <a:r>
+                <a:rPr lang="pt-BR" b="1" dirty="0"/>
+                <a:t>Comparação entre mensagem XMPP e </a:t>
+              </a:r>
+              <a:r>
+                <a:rPr lang="pt-BR" b="1" dirty="0" err="1"/>
+                <a:t>FunXMPP</a:t>
+              </a:r>
+              <a:endParaRPr lang="pt-BR" b="1" dirty="0"/>
+            </a:p>
+          </p:txBody>
+        </p:sp>
+      </p:grpSp>
     </p:spTree>
     <p:extLst>
       <p:ext uri="{BB962C8B-B14F-4D97-AF65-F5344CB8AC3E}">
@@ -19608,7 +21072,7 @@
                                 </p:cTn>
                               </p:par>
                               <p:par>
-                                <p:cTn id="19" presetID="9" presetClass="entr" presetSubtype="0" fill="hold" nodeType="withEffect">
+                                <p:cTn id="19" presetID="42" presetClass="entr" presetSubtype="0" fill="hold" nodeType="withEffect">
                                   <p:stCondLst>
                                     <p:cond delay="0"/>
                                   </p:stCondLst>
@@ -19621,7 +21085,7 @@
                                           </p:stCondLst>
                                         </p:cTn>
                                         <p:tgtEl>
-                                          <p:spTgt spid="7"/>
+                                          <p:spTgt spid="8"/>
                                         </p:tgtEl>
                                         <p:attrNameLst>
                                           <p:attrName>style.visibility</p:attrName>
@@ -19631,14 +21095,60 @@
                                         <p:strVal val="visible"/>
                                       </p:to>
                                     </p:set>
-                                    <p:animEffect transition="in" filter="dissolve">
+                                    <p:animEffect transition="in" filter="fade">
                                       <p:cBhvr>
-                                        <p:cTn id="21" dur="500"/>
+                                        <p:cTn id="21" dur="1000"/>
                                         <p:tgtEl>
-                                          <p:spTgt spid="7"/>
+                                          <p:spTgt spid="8"/>
                                         </p:tgtEl>
                                       </p:cBhvr>
                                     </p:animEffect>
+                                    <p:anim calcmode="lin" valueType="num">
+                                      <p:cBhvr>
+                                        <p:cTn id="22" dur="1000" fill="hold"/>
+                                        <p:tgtEl>
+                                          <p:spTgt spid="8"/>
+                                        </p:tgtEl>
+                                        <p:attrNameLst>
+                                          <p:attrName>ppt_x</p:attrName>
+                                        </p:attrNameLst>
+                                      </p:cBhvr>
+                                      <p:tavLst>
+                                        <p:tav tm="0">
+                                          <p:val>
+                                            <p:strVal val="#ppt_x"/>
+                                          </p:val>
+                                        </p:tav>
+                                        <p:tav tm="100000">
+                                          <p:val>
+                                            <p:strVal val="#ppt_x"/>
+                                          </p:val>
+                                        </p:tav>
+                                      </p:tavLst>
+                                    </p:anim>
+                                    <p:anim calcmode="lin" valueType="num">
+                                      <p:cBhvr>
+                                        <p:cTn id="23" dur="1000" fill="hold"/>
+                                        <p:tgtEl>
+                                          <p:spTgt spid="8"/>
+                                        </p:tgtEl>
+                                        <p:attrNameLst>
+                                          <p:attrName>ppt_y</p:attrName>
+                                        </p:attrNameLst>
+                                      </p:cBhvr>
+                                      <p:tavLst>
+                                        <p:tav tm="0">
+                                          <p:val>
+                                            <p:strVal val="#ppt_y+.1"/>
+                                          </p:val>
+                                        </p:tav>
+                                        <p:tav tm="100000">
+                                          <p:val>
+                                            <p:strVal val="#ppt_y"/>
+                                          </p:val>
+                                        </p:tav>
+                                      </p:tavLst>
+                                    </p:anim>
                                   </p:childTnLst>
                                 </p:cTn>
                               </p:par>
@@ -19765,21 +21275,21 @@
             <a:pPr algn="just"/>
             <a:r>
               <a:rPr lang="pt-BR" sz="2800" dirty="0"/>
-              <a:t>Tal versão modificada reduz o tamanho dos dados XML transmitidos, reduzindo consumo de banda e tempo de entrega de mensagens</a:t>
+              <a:t>Simplifica XML transmitidos, reduzindo consumo de banda e tempo de entrega de mensagens</a:t>
             </a:r>
           </a:p>
           <a:p>
             <a:pPr algn="just"/>
             <a:r>
               <a:rPr lang="pt-BR" sz="2800" dirty="0"/>
-              <a:t>Apesar das melhorias, como é um protocolo proprietário e não documentado, isso dificulta que outros desenvolvedores criem soluções para integrar com o WhatsApp</a:t>
+              <a:t>Proprietário e não documentado: dificulta a criação de soluções para integrar com o WhatsApp</a:t>
             </a:r>
           </a:p>
           <a:p>
             <a:pPr algn="just"/>
             <a:r>
               <a:rPr lang="pt-BR" sz="2800" dirty="0"/>
-              <a:t>O uso de uma versão proprietária do XMPP prejudica a interoperabilidade garantida pelo protocolo original: uma app usando XMPP não pode facilmente se comunicar com WhatsApp</a:t>
+              <a:t>Prejudica a interoperabilidade: uma app usando XMPP não pode facilmente se comunicar com WhatsApp</a:t>
             </a:r>
           </a:p>
         </p:txBody>
@@ -20217,7 +21727,23 @@
             <a:pPr algn="just"/>
             <a:r>
               <a:rPr lang="pt-BR" sz="2800" dirty="0"/>
-              <a:t>Aplicações clientes de WhatApp para diferentes plataformas como Linux e Windows são desenvolvidas por meio de “gambiarras” 😲</a:t>
+              <a:t>Clientes de </a:t>
+            </a:r>
+            <a:r>
+              <a:rPr lang="pt-BR" sz="2800" dirty="0" err="1"/>
+              <a:t>WhatApp</a:t>
+            </a:r>
+            <a:r>
+              <a:rPr lang="pt-BR" sz="2800" dirty="0"/>
+              <a:t> pra Linux (</a:t>
+            </a:r>
+            <a:r>
+              <a:rPr lang="pt-BR" sz="2800" dirty="0" err="1"/>
+              <a:t>e.g</a:t>
+            </a:r>
+            <a:r>
+              <a:rPr lang="pt-BR" sz="2800" dirty="0"/>
+              <a:t>) == “gambiarras” 😲</a:t>
             </a:r>
           </a:p>
           <a:p>
@@ -20226,11 +21752,11 @@
               <a:rPr lang="pt-BR" sz="2800" dirty="0">
                 <a:hlinkClick r:id="rId2"/>
               </a:rPr>
-              <a:t>Há uma API para permitir essa integração de apps de terceiros com o WhatsApp</a:t>
+              <a:t>API pra integração de apps de terceiros com o WhatsApp</a:t>
             </a:r>
             <a:r>
               <a:rPr lang="pt-BR" sz="2800" dirty="0"/>
-              <a:t>, mas o acesso é atualmente limitado à grandes empresas e provavelmente o WhatsApp visa lucro com tal iniciativa</a:t>
+              <a:t>: acesso limitado à médias/grandes empresas</a:t>
             </a:r>
           </a:p>
         </p:txBody>
@@ -20625,7 +22151,15 @@
           <a:p>
             <a:r>
               <a:rPr lang="pt-BR" sz="2800" dirty="0"/>
-              <a:t>Se você está se perguntando sobre outros apps como </a:t>
+              <a:t>E outros </a:t>
+            </a:r>
+            <a:r>
+              <a:rPr lang="pt-BR" sz="2800" dirty="0" err="1"/>
+              <a:t>apps</a:t>
+            </a:r>
+            <a:r>
+              <a:rPr lang="pt-BR" sz="2800" dirty="0"/>
+              <a:t> como </a:t>
             </a:r>
             <a:r>
               <a:rPr lang="pt-BR" sz="2800" i="1" dirty="0"/>
@@ -20636,19 +22170,15 @@
               <a:t> ou </a:t>
             </a:r>
             <a:r>
-              <a:rPr lang="pt-BR" sz="2800" i="1" dirty="0"/>
+              <a:rPr lang="pt-BR" sz="2800" i="1" dirty="0" err="1"/>
               <a:t>Telegram</a:t>
             </a:r>
             <a:r>
               <a:rPr lang="pt-BR" sz="2800" dirty="0"/>
-              <a:t>, eles usam outros protocolos</a:t>
-            </a:r>
-          </a:p>
-          <a:p>
-            <a:r>
-              <a:rPr lang="pt-BR" sz="2800" dirty="0"/>
-              <a:t>O </a:t>
-            </a:r>
+              <a:t>?</a:t>
+            </a:r>
+          </a:p>
+          <a:p>
             <a:r>
               <a:rPr lang="pt-BR" sz="2800" i="1" dirty="0">
                 <a:hlinkClick r:id="rId2"/>
@@ -20699,8 +22229,12 @@
           </a:p>
           <a:p>
             <a:r>
+              <a:rPr lang="pt-BR" sz="2800" dirty="0" err="1"/>
+              <a:t>Telegram</a:t>
+            </a:r>
+            <a:r>
               <a:rPr lang="pt-BR" sz="2800" dirty="0"/>
-              <a:t>O Telegram usa o protocolo </a:t>
+              <a:t> usa o protocolo </a:t>
             </a:r>
             <a:r>
               <a:rPr lang="pt-BR" sz="2800" dirty="0">
@@ -20710,7 +22244,7 @@
             </a:r>
             <a:r>
               <a:rPr lang="pt-BR" sz="2800" dirty="0"/>
-              <a:t>, que não é padronizado mas que aparentemente é bem documentado</a:t>
+              <a:t>: não é padronizado mas é bem documentado</a:t>
             </a:r>
           </a:p>
         </p:txBody>

--- a/xmpp.pptx
+++ b/xmpp.pptx
@@ -219,7 +219,7 @@
           <a:p>
             <a:fld id="{7497B6E1-7C5B-524D-B5EB-5E6695205380}" type="datetimeFigureOut">
               <a:rPr lang="pt-BR" smtClean="0"/>
-              <a:t>27/04/2020</a:t>
+              <a:t>26/09/2022</a:t>
             </a:fld>
             <a:endParaRPr lang="pt-BR" dirty="0"/>
           </a:p>
@@ -933,7 +933,7 @@
           <a:p>
             <a:fld id="{19E7D63B-43B5-8A4C-BD12-76889BE136BD}" type="datetime1">
               <a:rPr lang="en-US" smtClean="0"/>
-              <a:t>4/27/20</a:t>
+              <a:t>9/26/22</a:t>
             </a:fld>
             <a:endParaRPr lang="en-US" dirty="0"/>
           </a:p>
@@ -1199,7 +1199,7 @@
           <a:p>
             <a:fld id="{124E9894-F119-A64C-B7CB-D7CE860A73BE}" type="datetime1">
               <a:rPr lang="en-US" smtClean="0"/>
-              <a:t>4/27/20</a:t>
+              <a:t>9/26/22</a:t>
             </a:fld>
             <a:endParaRPr lang="en-US" dirty="0"/>
           </a:p>
@@ -1431,7 +1431,7 @@
           <a:p>
             <a:fld id="{124E9894-F119-A64C-B7CB-D7CE860A73BE}" type="datetime1">
               <a:rPr lang="en-US" smtClean="0"/>
-              <a:t>4/27/20</a:t>
+              <a:t>9/26/22</a:t>
             </a:fld>
             <a:endParaRPr lang="en-US" dirty="0"/>
           </a:p>
@@ -1742,7 +1742,7 @@
           <a:p>
             <a:fld id="{124E9894-F119-A64C-B7CB-D7CE860A73BE}" type="datetime1">
               <a:rPr lang="en-US" smtClean="0"/>
-              <a:t>4/27/20</a:t>
+              <a:t>9/26/22</a:t>
             </a:fld>
             <a:endParaRPr lang="en-US" dirty="0"/>
           </a:p>
@@ -2216,7 +2216,7 @@
           <a:p>
             <a:fld id="{B4BBB50B-BAA3-9748-978F-08A7877AB7D9}" type="datetime1">
               <a:rPr lang="en-US" smtClean="0"/>
-              <a:t>4/27/20</a:t>
+              <a:t>9/26/22</a:t>
             </a:fld>
             <a:endParaRPr lang="en-US" dirty="0"/>
           </a:p>
@@ -2763,7 +2763,7 @@
           <a:p>
             <a:fld id="{124E9894-F119-A64C-B7CB-D7CE860A73BE}" type="datetime1">
               <a:rPr lang="en-US" smtClean="0"/>
-              <a:t>4/27/20</a:t>
+              <a:t>9/26/22</a:t>
             </a:fld>
             <a:endParaRPr lang="en-US" dirty="0"/>
           </a:p>
@@ -3535,7 +3535,7 @@
           <a:p>
             <a:fld id="{124E9894-F119-A64C-B7CB-D7CE860A73BE}" type="datetime1">
               <a:rPr lang="en-US" smtClean="0"/>
-              <a:t>4/27/20</a:t>
+              <a:t>9/26/22</a:t>
             </a:fld>
             <a:endParaRPr lang="en-US" dirty="0"/>
           </a:p>
@@ -3711,7 +3711,7 @@
           <a:p>
             <a:fld id="{45040DEA-CE02-EF42-8F10-34F709D8505D}" type="datetime1">
               <a:rPr lang="en-US" smtClean="0"/>
-              <a:t>4/27/20</a:t>
+              <a:t>9/26/22</a:t>
             </a:fld>
             <a:endParaRPr lang="en-US" dirty="0"/>
           </a:p>
@@ -3934,7 +3934,7 @@
           <a:p>
             <a:fld id="{A0C1C801-5706-434E-AB65-DDFBCF1F55D2}" type="datetime1">
               <a:rPr lang="en-US" smtClean="0"/>
-              <a:t>4/27/20</a:t>
+              <a:t>9/26/22</a:t>
             </a:fld>
             <a:endParaRPr lang="en-US" dirty="0"/>
           </a:p>
@@ -4114,7 +4114,7 @@
           <a:p>
             <a:fld id="{39AE0FD8-7D7B-EA4F-8AF8-8B97820A0C5D}" type="datetime1">
               <a:rPr lang="en-US" smtClean="0"/>
-              <a:t>4/27/20</a:t>
+              <a:t>9/26/22</a:t>
             </a:fld>
             <a:endParaRPr lang="en-US" dirty="0"/>
           </a:p>
@@ -4403,7 +4403,7 @@
           <a:p>
             <a:fld id="{7FC94D43-3F68-DC43-8EF0-95FB3D51CCCF}" type="datetime1">
               <a:rPr lang="en-US" smtClean="0"/>
-              <a:t>4/27/20</a:t>
+              <a:t>9/26/22</a:t>
             </a:fld>
             <a:endParaRPr lang="en-US" dirty="0"/>
           </a:p>
@@ -4645,7 +4645,7 @@
           <a:p>
             <a:fld id="{BD42CFC2-1CE8-9045-8C9C-0F183F0FB455}" type="datetime1">
               <a:rPr lang="en-US" smtClean="0"/>
-              <a:t>4/27/20</a:t>
+              <a:t>9/26/22</a:t>
             </a:fld>
             <a:endParaRPr lang="en-US" dirty="0"/>
           </a:p>
@@ -5024,7 +5024,7 @@
           <a:p>
             <a:fld id="{F1B5C6E2-D044-C748-9C41-86C9B2F84EB9}" type="datetime1">
               <a:rPr lang="en-US" smtClean="0"/>
-              <a:t>4/27/20</a:t>
+              <a:t>9/26/22</a:t>
             </a:fld>
             <a:endParaRPr lang="en-US" dirty="0"/>
           </a:p>
@@ -5142,7 +5142,7 @@
           <a:p>
             <a:fld id="{359C32BA-C166-AC45-9FCD-8BF0F43629D9}" type="datetime1">
               <a:rPr lang="en-US" smtClean="0"/>
-              <a:t>4/27/20</a:t>
+              <a:t>9/26/22</a:t>
             </a:fld>
             <a:endParaRPr lang="en-US" dirty="0"/>
           </a:p>
@@ -5237,7 +5237,7 @@
           <a:p>
             <a:fld id="{E5D0D591-4B92-A44B-A0EA-798E76AD0368}" type="datetime1">
               <a:rPr lang="en-US" smtClean="0"/>
-              <a:t>4/27/20</a:t>
+              <a:t>9/26/22</a:t>
             </a:fld>
             <a:endParaRPr lang="en-US" dirty="0"/>
           </a:p>
@@ -5486,7 +5486,7 @@
           <a:p>
             <a:fld id="{8201F472-E17F-4B47-A44B-A2249FA27ED2}" type="datetime1">
               <a:rPr lang="en-US" smtClean="0"/>
-              <a:t>4/27/20</a:t>
+              <a:t>9/26/22</a:t>
             </a:fld>
             <a:endParaRPr lang="en-US" dirty="0"/>
           </a:p>
@@ -5742,7 +5742,7 @@
           <a:p>
             <a:fld id="{8BEFB9EE-CDF2-6F49-80F4-278D1604F10C}" type="datetime1">
               <a:rPr lang="en-US" smtClean="0"/>
-              <a:t>4/27/20</a:t>
+              <a:t>9/26/22</a:t>
             </a:fld>
             <a:endParaRPr lang="en-US" dirty="0"/>
           </a:p>
@@ -5985,7 +5985,7 @@
           <a:p>
             <a:fld id="{124E9894-F119-A64C-B7CB-D7CE860A73BE}" type="datetime1">
               <a:rPr lang="en-US" smtClean="0"/>
-              <a:t>4/27/20</a:t>
+              <a:t>9/26/22</a:t>
             </a:fld>
             <a:endParaRPr lang="en-US" dirty="0"/>
           </a:p>
